--- a/パワーポイント/QGISのソリューション.pptx
+++ b/パワーポイント/QGISのソリューション.pptx
@@ -11160,51 +11160,6 @@
               </a:p>
             </p:txBody>
           </p:sp>
-          <p:pic>
-            <p:nvPicPr>
-              <p:cNvPr id="2058" name="Picture 10" descr="Image by FlamingText.com">
-                <a:extLst>
-                  <a:ext uri="{FF2B5EF4-FFF2-40B4-BE49-F238E27FC236}">
-                    <a16:creationId xmlns:a16="http://schemas.microsoft.com/office/drawing/2014/main" id="{87488EE4-7676-14EE-E3A4-3D41B7B2B05D}"/>
-                  </a:ext>
-                </a:extLst>
-              </p:cNvPr>
-              <p:cNvPicPr>
-                <a:picLocks noChangeAspect="1" noChangeArrowheads="1"/>
-              </p:cNvPicPr>
-              <p:nvPr/>
-            </p:nvPicPr>
-            <p:blipFill rotWithShape="1">
-              <a:blip r:embed="rId4">
-                <a:extLst>
-                  <a:ext uri="{28A0092B-C50C-407E-A947-70E740481C1C}">
-                    <a14:useLocalDpi xmlns:a14="http://schemas.microsoft.com/office/drawing/2010/main" val="0"/>
-                  </a:ext>
-                </a:extLst>
-              </a:blip>
-              <a:srcRect t="27357" b="14947"/>
-              <a:stretch/>
-            </p:blipFill>
-            <p:spPr bwMode="auto">
-              <a:xfrm>
-                <a:off x="6505784" y="2834535"/>
-                <a:ext cx="1962150" cy="747387"/>
-              </a:xfrm>
-              <a:prstGeom prst="rect">
-                <a:avLst/>
-              </a:prstGeom>
-              <a:noFill/>
-              <a:extLst>
-                <a:ext uri="{909E8E84-426E-40DD-AFC4-6F175D3DCCD1}">
-                  <a14:hiddenFill xmlns:a14="http://schemas.microsoft.com/office/drawing/2010/main">
-                    <a:solidFill>
-                      <a:srgbClr val="FFFFFF"/>
-                    </a:solidFill>
-                  </a14:hiddenFill>
-                </a:ext>
-              </a:extLst>
-            </p:spPr>
-          </p:pic>
           <p:sp>
             <p:nvSpPr>
               <p:cNvPr id="1089" name="四角形: 角を丸くする 1088">
@@ -12287,7 +12242,7 @@
                 <p:nvPr/>
               </p:nvPicPr>
               <p:blipFill rotWithShape="1">
-                <a:blip r:embed="rId5"/>
+                <a:blip r:embed="rId4"/>
                 <a:srcRect r="13199" b="22974"/>
                 <a:stretch/>
               </p:blipFill>
@@ -12316,7 +12271,7 @@
                 <p:nvPr/>
               </p:nvPicPr>
               <p:blipFill>
-                <a:blip r:embed="rId6">
+                <a:blip r:embed="rId5">
                   <a:extLst>
                     <a:ext uri="{28A0092B-C50C-407E-A947-70E740481C1C}">
                       <a14:useLocalDpi xmlns:a14="http://schemas.microsoft.com/office/drawing/2010/main" val="0"/>
@@ -12350,53 +12305,6 @@
             </p:pic>
             <p:pic>
               <p:nvPicPr>
-                <p:cNvPr id="2062" name="Picture 14" descr="Image by FlamingText.com">
-                  <a:extLst>
-                    <a:ext uri="{FF2B5EF4-FFF2-40B4-BE49-F238E27FC236}">
-                      <a16:creationId xmlns:a16="http://schemas.microsoft.com/office/drawing/2014/main" id="{C1B9CF27-0839-BA56-44B3-673A9E6F9F05}"/>
-                    </a:ext>
-                  </a:extLst>
-                </p:cNvPr>
-                <p:cNvPicPr>
-                  <a:picLocks noChangeAspect="1" noChangeArrowheads="1"/>
-                </p:cNvPicPr>
-                <p:nvPr/>
-              </p:nvPicPr>
-              <p:blipFill>
-                <a:blip r:embed="rId7">
-                  <a:extLst>
-                    <a:ext uri="{28A0092B-C50C-407E-A947-70E740481C1C}">
-                      <a14:useLocalDpi xmlns:a14="http://schemas.microsoft.com/office/drawing/2010/main" val="0"/>
-                    </a:ext>
-                  </a:extLst>
-                </a:blip>
-                <a:srcRect/>
-                <a:stretch>
-                  <a:fillRect/>
-                </a:stretch>
-              </p:blipFill>
-              <p:spPr bwMode="auto">
-                <a:xfrm>
-                  <a:off x="10881426" y="4817502"/>
-                  <a:ext cx="847840" cy="394131"/>
-                </a:xfrm>
-                <a:prstGeom prst="rect">
-                  <a:avLst/>
-                </a:prstGeom>
-                <a:noFill/>
-                <a:extLst>
-                  <a:ext uri="{909E8E84-426E-40DD-AFC4-6F175D3DCCD1}">
-                    <a14:hiddenFill xmlns:a14="http://schemas.microsoft.com/office/drawing/2010/main">
-                      <a:solidFill>
-                        <a:srgbClr val="FFFFFF"/>
-                      </a:solidFill>
-                    </a14:hiddenFill>
-                  </a:ext>
-                </a:extLst>
-              </p:spPr>
-            </p:pic>
-            <p:pic>
-              <p:nvPicPr>
                 <p:cNvPr id="23" name="Picture 6" descr="Image by FlamingText.com">
                   <a:extLst>
                     <a:ext uri="{FF2B5EF4-FFF2-40B4-BE49-F238E27FC236}">
@@ -12410,7 +12318,7 @@
                 <p:nvPr/>
               </p:nvPicPr>
               <p:blipFill>
-                <a:blip r:embed="rId8" cstate="print">
+                <a:blip r:embed="rId6" cstate="print">
                   <a:extLst>
                     <a:ext uri="{28A0092B-C50C-407E-A947-70E740481C1C}">
                       <a14:useLocalDpi xmlns:a14="http://schemas.microsoft.com/office/drawing/2010/main" val="0"/>
@@ -12685,287 +12593,221 @@
             <a:chExt cx="2516259" cy="1662298"/>
           </a:xfrm>
         </p:grpSpPr>
-        <p:grpSp>
-          <p:nvGrpSpPr>
-            <p:cNvPr id="60" name="グループ化 59">
+        <p:sp>
+          <p:nvSpPr>
+            <p:cNvPr id="59" name="四角形: 角を丸くする 58">
               <a:extLst>
                 <a:ext uri="{FF2B5EF4-FFF2-40B4-BE49-F238E27FC236}">
-                  <a16:creationId xmlns:a16="http://schemas.microsoft.com/office/drawing/2014/main" id="{23FD4DF3-6B85-5E2B-9A1F-48256EB3A514}"/>
+                  <a16:creationId xmlns:a16="http://schemas.microsoft.com/office/drawing/2014/main" id="{B2BFA1C4-8AD2-2B01-3945-33DC0D0F6C2E}"/>
                 </a:ext>
               </a:extLst>
             </p:cNvPr>
-            <p:cNvGrpSpPr/>
+            <p:cNvSpPr/>
             <p:nvPr/>
-          </p:nvGrpSpPr>
-          <p:grpSpPr>
+          </p:nvSpPr>
+          <p:spPr>
             <a:xfrm>
               <a:off x="9310131" y="1166513"/>
               <a:ext cx="2516259" cy="1403231"/>
-              <a:chOff x="9610850" y="1409196"/>
-              <a:chExt cx="2516259" cy="1496941"/>
             </a:xfrm>
-          </p:grpSpPr>
-          <p:pic>
-            <p:nvPicPr>
-              <p:cNvPr id="50" name="Picture 10" descr="Image by FlamingText.com">
-                <a:extLst>
-                  <a:ext uri="{FF2B5EF4-FFF2-40B4-BE49-F238E27FC236}">
-                    <a16:creationId xmlns:a16="http://schemas.microsoft.com/office/drawing/2014/main" id="{CBDD21B2-A3CD-ABF8-0153-6754F3A7DBE5}"/>
-                  </a:ext>
-                </a:extLst>
-              </p:cNvPr>
-              <p:cNvPicPr>
-                <a:picLocks noChangeAspect="1" noChangeArrowheads="1"/>
-              </p:cNvPicPr>
-              <p:nvPr/>
-            </p:nvPicPr>
-            <p:blipFill rotWithShape="1">
-              <a:blip r:embed="rId4">
-                <a:extLst>
-                  <a:ext uri="{28A0092B-C50C-407E-A947-70E740481C1C}">
-                    <a14:useLocalDpi xmlns:a14="http://schemas.microsoft.com/office/drawing/2010/main" val="0"/>
-                  </a:ext>
-                </a:extLst>
-              </a:blip>
-              <a:srcRect t="27357" b="14947"/>
-              <a:stretch/>
-            </p:blipFill>
-            <p:spPr bwMode="auto">
-              <a:xfrm>
-                <a:off x="9783255" y="1627863"/>
-                <a:ext cx="1962150" cy="747387"/>
-              </a:xfrm>
-              <a:prstGeom prst="rect">
-                <a:avLst/>
-              </a:prstGeom>
-              <a:noFill/>
-              <a:extLst>
-                <a:ext uri="{909E8E84-426E-40DD-AFC4-6F175D3DCCD1}">
-                  <a14:hiddenFill xmlns:a14="http://schemas.microsoft.com/office/drawing/2010/main">
-                    <a:solidFill>
-                      <a:srgbClr val="FFFFFF"/>
-                    </a:solidFill>
-                  </a14:hiddenFill>
-                </a:ext>
-              </a:extLst>
-            </p:spPr>
-          </p:pic>
-          <p:sp>
-            <p:nvSpPr>
-              <p:cNvPr id="59" name="四角形: 角を丸くする 58">
-                <a:extLst>
-                  <a:ext uri="{FF2B5EF4-FFF2-40B4-BE49-F238E27FC236}">
-                    <a16:creationId xmlns:a16="http://schemas.microsoft.com/office/drawing/2014/main" id="{B2BFA1C4-8AD2-2B01-3945-33DC0D0F6C2E}"/>
-                  </a:ext>
-                </a:extLst>
-              </p:cNvPr>
-              <p:cNvSpPr/>
-              <p:nvPr/>
-            </p:nvSpPr>
-            <p:spPr>
-              <a:xfrm>
-                <a:off x="9610850" y="1409196"/>
-                <a:ext cx="2516259" cy="1496941"/>
-              </a:xfrm>
-              <a:prstGeom prst="roundRect">
-                <a:avLst>
-                  <a:gd name="adj" fmla="val 19858"/>
-                </a:avLst>
-              </a:prstGeom>
-              <a:noFill/>
-              <a:ln>
+            <a:prstGeom prst="roundRect">
+              <a:avLst>
+                <a:gd name="adj" fmla="val 19858"/>
+              </a:avLst>
+            </a:prstGeom>
+            <a:noFill/>
+            <a:ln>
+              <a:solidFill>
+                <a:schemeClr val="tx1"/>
+              </a:solidFill>
+            </a:ln>
+            <a:effectLst>
+              <a:outerShdw blurRad="50800" dist="38100" dir="2700000" algn="tl" rotWithShape="0">
+                <a:prstClr val="black">
+                  <a:alpha val="40000"/>
+                </a:prstClr>
+              </a:outerShdw>
+            </a:effectLst>
+          </p:spPr>
+          <p:style>
+            <a:lnRef idx="2">
+              <a:schemeClr val="accent3"/>
+            </a:lnRef>
+            <a:fillRef idx="1">
+              <a:schemeClr val="lt1"/>
+            </a:fillRef>
+            <a:effectRef idx="0">
+              <a:schemeClr val="accent3"/>
+            </a:effectRef>
+            <a:fontRef idx="minor">
+              <a:schemeClr val="dk1"/>
+            </a:fontRef>
+          </p:style>
+          <p:txBody>
+            <a:bodyPr rtlCol="0" anchor="ctr"/>
+            <a:lstStyle/>
+            <a:p>
+              <a:pPr algn="ctr">
+                <a:lnSpc>
+                  <a:spcPct val="130000"/>
+                </a:lnSpc>
+                <a:spcAft>
+                  <a:spcPts val="600"/>
+                </a:spcAft>
+              </a:pPr>
+              <a:endParaRPr kumimoji="1" lang="en-US" altLang="ja-JP" sz="1600" dirty="0">
                 <a:solidFill>
                   <a:schemeClr val="tx1"/>
                 </a:solidFill>
-              </a:ln>
-              <a:effectLst>
-                <a:outerShdw blurRad="50800" dist="38100" dir="2700000" algn="tl" rotWithShape="0">
-                  <a:prstClr val="black">
-                    <a:alpha val="40000"/>
-                  </a:prstClr>
-                </a:outerShdw>
-              </a:effectLst>
-            </p:spPr>
-            <p:style>
-              <a:lnRef idx="2">
-                <a:schemeClr val="accent3"/>
-              </a:lnRef>
-              <a:fillRef idx="1">
-                <a:schemeClr val="lt1"/>
-              </a:fillRef>
-              <a:effectRef idx="0">
-                <a:schemeClr val="accent3"/>
-              </a:effectRef>
-              <a:fontRef idx="minor">
-                <a:schemeClr val="dk1"/>
-              </a:fontRef>
-            </p:style>
-            <p:txBody>
-              <a:bodyPr rtlCol="0" anchor="ctr"/>
-              <a:lstStyle/>
-              <a:p>
-                <a:pPr algn="ctr">
-                  <a:lnSpc>
-                    <a:spcPct val="130000"/>
-                  </a:lnSpc>
-                  <a:spcAft>
-                    <a:spcPts val="600"/>
-                  </a:spcAft>
-                </a:pPr>
-                <a:endParaRPr kumimoji="1" lang="en-US" altLang="ja-JP" sz="1600" dirty="0">
-                  <a:solidFill>
-                    <a:schemeClr val="tx1"/>
-                  </a:solidFill>
-                  <a:latin typeface="+mn-ea"/>
-                </a:endParaRPr>
-              </a:p>
-              <a:p>
-                <a:pPr algn="ctr">
-                  <a:lnSpc>
-                    <a:spcPct val="130000"/>
-                  </a:lnSpc>
-                  <a:spcAft>
-                    <a:spcPts val="600"/>
-                  </a:spcAft>
-                </a:pPr>
-                <a:endParaRPr kumimoji="1" lang="en-US" altLang="ja-JP" sz="1600" dirty="0">
-                  <a:solidFill>
-                    <a:schemeClr val="tx1"/>
-                  </a:solidFill>
-                  <a:latin typeface="+mn-ea"/>
-                </a:endParaRPr>
-              </a:p>
-              <a:p>
-                <a:pPr algn="ctr">
-                  <a:lnSpc>
-                    <a:spcPct val="130000"/>
-                  </a:lnSpc>
-                  <a:spcAft>
-                    <a:spcPts val="600"/>
-                  </a:spcAft>
-                </a:pPr>
-                <a:endParaRPr kumimoji="1" lang="en-US" altLang="ja-JP" sz="1600" dirty="0">
-                  <a:solidFill>
-                    <a:schemeClr val="tx1"/>
-                  </a:solidFill>
-                  <a:latin typeface="+mn-ea"/>
-                </a:endParaRPr>
-              </a:p>
-              <a:p>
-                <a:pPr algn="ctr">
-                  <a:lnSpc>
-                    <a:spcPct val="130000"/>
-                  </a:lnSpc>
-                  <a:spcAft>
-                    <a:spcPts val="600"/>
-                  </a:spcAft>
-                </a:pPr>
-                <a:endParaRPr kumimoji="1" lang="en-US" altLang="ja-JP" sz="1600" dirty="0">
-                  <a:solidFill>
-                    <a:schemeClr val="tx1"/>
-                  </a:solidFill>
-                  <a:latin typeface="+mn-ea"/>
-                </a:endParaRPr>
-              </a:p>
-              <a:p>
-                <a:pPr algn="ctr">
-                  <a:lnSpc>
-                    <a:spcPct val="130000"/>
-                  </a:lnSpc>
-                  <a:spcAft>
-                    <a:spcPts val="600"/>
-                  </a:spcAft>
-                </a:pPr>
-                <a:endParaRPr kumimoji="1" lang="en-US" altLang="ja-JP" sz="1600" dirty="0">
-                  <a:solidFill>
-                    <a:schemeClr val="tx1"/>
-                  </a:solidFill>
-                  <a:latin typeface="+mn-ea"/>
-                </a:endParaRPr>
-              </a:p>
-              <a:p>
-                <a:pPr algn="ctr">
-                  <a:lnSpc>
-                    <a:spcPct val="130000"/>
-                  </a:lnSpc>
-                  <a:spcAft>
-                    <a:spcPts val="600"/>
-                  </a:spcAft>
-                </a:pPr>
-                <a:endParaRPr kumimoji="1" lang="en-US" altLang="ja-JP" sz="1600" dirty="0">
-                  <a:solidFill>
-                    <a:schemeClr val="tx1"/>
-                  </a:solidFill>
-                  <a:latin typeface="+mn-ea"/>
-                </a:endParaRPr>
-              </a:p>
-              <a:p>
-                <a:pPr algn="ctr">
-                  <a:lnSpc>
-                    <a:spcPct val="130000"/>
-                  </a:lnSpc>
-                  <a:spcAft>
-                    <a:spcPts val="600"/>
-                  </a:spcAft>
-                </a:pPr>
-                <a:endParaRPr kumimoji="1" lang="en-US" altLang="ja-JP" sz="1600" dirty="0">
-                  <a:solidFill>
-                    <a:schemeClr val="tx1"/>
-                  </a:solidFill>
-                  <a:latin typeface="+mn-ea"/>
-                </a:endParaRPr>
-              </a:p>
-              <a:p>
-                <a:pPr algn="ctr">
-                  <a:lnSpc>
-                    <a:spcPct val="130000"/>
-                  </a:lnSpc>
-                  <a:spcAft>
-                    <a:spcPts val="600"/>
-                  </a:spcAft>
-                </a:pPr>
-                <a:endParaRPr kumimoji="1" lang="en-US" altLang="ja-JP" sz="2000" dirty="0">
-                  <a:solidFill>
-                    <a:srgbClr val="FF0000"/>
-                  </a:solidFill>
-                  <a:latin typeface="+mn-ea"/>
-                </a:endParaRPr>
-              </a:p>
-              <a:p>
-                <a:pPr algn="ctr">
-                  <a:lnSpc>
-                    <a:spcPct val="130000"/>
-                  </a:lnSpc>
-                  <a:spcAft>
-                    <a:spcPts val="600"/>
-                  </a:spcAft>
-                </a:pPr>
-                <a:endParaRPr kumimoji="1" lang="en-US" altLang="ja-JP" sz="2000" dirty="0">
-                  <a:solidFill>
-                    <a:srgbClr val="FF0000"/>
-                  </a:solidFill>
-                  <a:latin typeface="+mn-ea"/>
-                </a:endParaRPr>
-              </a:p>
-              <a:p>
-                <a:pPr algn="ctr">
-                  <a:lnSpc>
-                    <a:spcPct val="130000"/>
-                  </a:lnSpc>
-                  <a:spcAft>
-                    <a:spcPts val="600"/>
-                  </a:spcAft>
-                </a:pPr>
-                <a:endParaRPr kumimoji="1" lang="ja-JP" altLang="en-US" sz="2000" dirty="0">
-                  <a:solidFill>
-                    <a:srgbClr val="FF0000"/>
-                  </a:solidFill>
-                  <a:latin typeface="+mn-ea"/>
-                </a:endParaRPr>
-              </a:p>
-            </p:txBody>
-          </p:sp>
-        </p:grpSp>
+                <a:latin typeface="+mn-ea"/>
+              </a:endParaRPr>
+            </a:p>
+            <a:p>
+              <a:pPr algn="ctr">
+                <a:lnSpc>
+                  <a:spcPct val="130000"/>
+                </a:lnSpc>
+                <a:spcAft>
+                  <a:spcPts val="600"/>
+                </a:spcAft>
+              </a:pPr>
+              <a:endParaRPr kumimoji="1" lang="en-US" altLang="ja-JP" sz="1600" dirty="0">
+                <a:solidFill>
+                  <a:schemeClr val="tx1"/>
+                </a:solidFill>
+                <a:latin typeface="+mn-ea"/>
+              </a:endParaRPr>
+            </a:p>
+            <a:p>
+              <a:pPr algn="ctr">
+                <a:lnSpc>
+                  <a:spcPct val="130000"/>
+                </a:lnSpc>
+                <a:spcAft>
+                  <a:spcPts val="600"/>
+                </a:spcAft>
+              </a:pPr>
+              <a:endParaRPr kumimoji="1" lang="en-US" altLang="ja-JP" sz="1600" dirty="0">
+                <a:solidFill>
+                  <a:schemeClr val="tx1"/>
+                </a:solidFill>
+                <a:latin typeface="+mn-ea"/>
+              </a:endParaRPr>
+            </a:p>
+            <a:p>
+              <a:pPr algn="ctr">
+                <a:lnSpc>
+                  <a:spcPct val="130000"/>
+                </a:lnSpc>
+                <a:spcAft>
+                  <a:spcPts val="600"/>
+                </a:spcAft>
+              </a:pPr>
+              <a:endParaRPr kumimoji="1" lang="en-US" altLang="ja-JP" sz="1600" dirty="0">
+                <a:solidFill>
+                  <a:schemeClr val="tx1"/>
+                </a:solidFill>
+                <a:latin typeface="+mn-ea"/>
+              </a:endParaRPr>
+            </a:p>
+            <a:p>
+              <a:pPr algn="ctr">
+                <a:lnSpc>
+                  <a:spcPct val="130000"/>
+                </a:lnSpc>
+                <a:spcAft>
+                  <a:spcPts val="600"/>
+                </a:spcAft>
+              </a:pPr>
+              <a:endParaRPr kumimoji="1" lang="en-US" altLang="ja-JP" sz="1600" dirty="0">
+                <a:solidFill>
+                  <a:schemeClr val="tx1"/>
+                </a:solidFill>
+                <a:latin typeface="+mn-ea"/>
+              </a:endParaRPr>
+            </a:p>
+            <a:p>
+              <a:pPr algn="ctr">
+                <a:lnSpc>
+                  <a:spcPct val="130000"/>
+                </a:lnSpc>
+                <a:spcAft>
+                  <a:spcPts val="600"/>
+                </a:spcAft>
+              </a:pPr>
+              <a:endParaRPr kumimoji="1" lang="en-US" altLang="ja-JP" sz="1600" dirty="0">
+                <a:solidFill>
+                  <a:schemeClr val="tx1"/>
+                </a:solidFill>
+                <a:latin typeface="+mn-ea"/>
+              </a:endParaRPr>
+            </a:p>
+            <a:p>
+              <a:pPr algn="ctr">
+                <a:lnSpc>
+                  <a:spcPct val="130000"/>
+                </a:lnSpc>
+                <a:spcAft>
+                  <a:spcPts val="600"/>
+                </a:spcAft>
+              </a:pPr>
+              <a:endParaRPr kumimoji="1" lang="en-US" altLang="ja-JP" sz="1600" dirty="0">
+                <a:solidFill>
+                  <a:schemeClr val="tx1"/>
+                </a:solidFill>
+                <a:latin typeface="+mn-ea"/>
+              </a:endParaRPr>
+            </a:p>
+            <a:p>
+              <a:pPr algn="ctr">
+                <a:lnSpc>
+                  <a:spcPct val="130000"/>
+                </a:lnSpc>
+                <a:spcAft>
+                  <a:spcPts val="600"/>
+                </a:spcAft>
+              </a:pPr>
+              <a:endParaRPr kumimoji="1" lang="en-US" altLang="ja-JP" sz="2000" dirty="0">
+                <a:solidFill>
+                  <a:srgbClr val="FF0000"/>
+                </a:solidFill>
+                <a:latin typeface="+mn-ea"/>
+              </a:endParaRPr>
+            </a:p>
+            <a:p>
+              <a:pPr algn="ctr">
+                <a:lnSpc>
+                  <a:spcPct val="130000"/>
+                </a:lnSpc>
+                <a:spcAft>
+                  <a:spcPts val="600"/>
+                </a:spcAft>
+              </a:pPr>
+              <a:endParaRPr kumimoji="1" lang="en-US" altLang="ja-JP" sz="2000" dirty="0">
+                <a:solidFill>
+                  <a:srgbClr val="FF0000"/>
+                </a:solidFill>
+                <a:latin typeface="+mn-ea"/>
+              </a:endParaRPr>
+            </a:p>
+            <a:p>
+              <a:pPr algn="ctr">
+                <a:lnSpc>
+                  <a:spcPct val="130000"/>
+                </a:lnSpc>
+                <a:spcAft>
+                  <a:spcPts val="600"/>
+                </a:spcAft>
+              </a:pPr>
+              <a:endParaRPr kumimoji="1" lang="ja-JP" altLang="en-US" sz="2000" dirty="0">
+                <a:solidFill>
+                  <a:srgbClr val="FF0000"/>
+                </a:solidFill>
+                <a:latin typeface="+mn-ea"/>
+              </a:endParaRPr>
+            </a:p>
+          </p:txBody>
+        </p:sp>
         <p:sp>
           <p:nvSpPr>
             <p:cNvPr id="67" name="四角形: 角を丸くする 66">
@@ -13158,6 +13000,175 @@
           </a:p>
         </p:txBody>
       </p:sp>
+      <p:pic>
+        <p:nvPicPr>
+          <p:cNvPr id="16" name="グラフィックス 15">
+            <a:extLst>
+              <a:ext uri="{FF2B5EF4-FFF2-40B4-BE49-F238E27FC236}">
+                <a16:creationId xmlns:a16="http://schemas.microsoft.com/office/drawing/2014/main" id="{9FFBDAA1-81AC-D3F1-9B66-63119099C3E4}"/>
+              </a:ext>
+            </a:extLst>
+          </p:cNvPr>
+          <p:cNvPicPr>
+            <a:picLocks noChangeAspect="1"/>
+          </p:cNvPicPr>
+          <p:nvPr/>
+        </p:nvPicPr>
+        <p:blipFill>
+          <a:blip r:embed="rId7">
+            <a:extLst>
+              <a:ext uri="{96DAC541-7B7A-43D3-8B79-37D633B846F1}">
+                <asvg:svgBlip xmlns:asvg="http://schemas.microsoft.com/office/drawing/2016/SVG/main" r:embed="rId8"/>
+              </a:ext>
+            </a:extLst>
+          </a:blip>
+          <a:stretch>
+            <a:fillRect/>
+          </a:stretch>
+        </p:blipFill>
+        <p:spPr>
+          <a:xfrm>
+            <a:off x="4785424" y="2090361"/>
+            <a:ext cx="3032863" cy="1451412"/>
+          </a:xfrm>
+          <a:prstGeom prst="rect">
+            <a:avLst/>
+          </a:prstGeom>
+        </p:spPr>
+      </p:pic>
+      <p:pic>
+        <p:nvPicPr>
+          <p:cNvPr id="18" name="グラフィックス 17">
+            <a:extLst>
+              <a:ext uri="{FF2B5EF4-FFF2-40B4-BE49-F238E27FC236}">
+                <a16:creationId xmlns:a16="http://schemas.microsoft.com/office/drawing/2014/main" id="{6B9A093C-5AB1-5FCF-0DCA-4EA8808919CB}"/>
+              </a:ext>
+            </a:extLst>
+          </p:cNvPr>
+          <p:cNvPicPr>
+            <a:picLocks noChangeAspect="1"/>
+          </p:cNvPicPr>
+          <p:nvPr/>
+        </p:nvPicPr>
+        <p:blipFill>
+          <a:blip r:embed="rId7">
+            <a:extLst>
+              <a:ext uri="{96DAC541-7B7A-43D3-8B79-37D633B846F1}">
+                <asvg:svgBlip xmlns:asvg="http://schemas.microsoft.com/office/drawing/2016/SVG/main" r:embed="rId8"/>
+              </a:ext>
+            </a:extLst>
+          </a:blip>
+          <a:stretch>
+            <a:fillRect/>
+          </a:stretch>
+        </p:blipFill>
+        <p:spPr>
+          <a:xfrm>
+            <a:off x="9051828" y="1056828"/>
+            <a:ext cx="3032863" cy="1451412"/>
+          </a:xfrm>
+          <a:prstGeom prst="rect">
+            <a:avLst/>
+          </a:prstGeom>
+        </p:spPr>
+      </p:pic>
+      <p:grpSp>
+        <p:nvGrpSpPr>
+          <p:cNvPr id="2" name="グループ化 1">
+            <a:extLst>
+              <a:ext uri="{FF2B5EF4-FFF2-40B4-BE49-F238E27FC236}">
+                <a16:creationId xmlns:a16="http://schemas.microsoft.com/office/drawing/2014/main" id="{717BD9BD-C7B2-1D99-EBC4-8D4EEFC75EDB}"/>
+              </a:ext>
+            </a:extLst>
+          </p:cNvPr>
+          <p:cNvGrpSpPr/>
+          <p:nvPr/>
+        </p:nvGrpSpPr>
+        <p:grpSpPr>
+          <a:xfrm>
+            <a:off x="4809040" y="5553536"/>
+            <a:ext cx="1012956" cy="977047"/>
+            <a:chOff x="8889532" y="1555390"/>
+            <a:chExt cx="1012956" cy="977047"/>
+          </a:xfrm>
+        </p:grpSpPr>
+        <p:pic>
+          <p:nvPicPr>
+            <p:cNvPr id="6" name="図 5">
+              <a:extLst>
+                <a:ext uri="{FF2B5EF4-FFF2-40B4-BE49-F238E27FC236}">
+                  <a16:creationId xmlns:a16="http://schemas.microsoft.com/office/drawing/2014/main" id="{E7B1B3FF-B8DC-3A1B-2119-CF15643C6226}"/>
+                </a:ext>
+              </a:extLst>
+            </p:cNvPr>
+            <p:cNvPicPr>
+              <a:picLocks noChangeAspect="1"/>
+            </p:cNvPicPr>
+            <p:nvPr/>
+          </p:nvPicPr>
+          <p:blipFill>
+            <a:blip r:embed="rId9" cstate="print">
+              <a:extLst>
+                <a:ext uri="{28A0092B-C50C-407E-A947-70E740481C1C}">
+                  <a14:useLocalDpi xmlns:a14="http://schemas.microsoft.com/office/drawing/2010/main" val="0"/>
+                </a:ext>
+              </a:extLst>
+            </a:blip>
+            <a:stretch>
+              <a:fillRect/>
+            </a:stretch>
+          </p:blipFill>
+          <p:spPr>
+            <a:xfrm>
+              <a:off x="9037867" y="1555390"/>
+              <a:ext cx="660048" cy="730178"/>
+            </a:xfrm>
+            <a:prstGeom prst="rect">
+              <a:avLst/>
+            </a:prstGeom>
+          </p:spPr>
+        </p:pic>
+        <p:sp>
+          <p:nvSpPr>
+            <p:cNvPr id="13" name="テキスト ボックス 12">
+              <a:extLst>
+                <a:ext uri="{FF2B5EF4-FFF2-40B4-BE49-F238E27FC236}">
+                  <a16:creationId xmlns:a16="http://schemas.microsoft.com/office/drawing/2014/main" id="{AB0726DE-6C95-30AE-209E-F787A759F817}"/>
+                </a:ext>
+              </a:extLst>
+            </p:cNvPr>
+            <p:cNvSpPr txBox="1"/>
+            <p:nvPr/>
+          </p:nvSpPr>
+          <p:spPr>
+            <a:xfrm>
+              <a:off x="8889532" y="2286216"/>
+              <a:ext cx="1012956" cy="246221"/>
+            </a:xfrm>
+            <a:prstGeom prst="rect">
+              <a:avLst/>
+            </a:prstGeom>
+            <a:noFill/>
+          </p:spPr>
+          <p:txBody>
+            <a:bodyPr wrap="square" rtlCol="0">
+              <a:spAutoFit/>
+            </a:bodyPr>
+            <a:lstStyle/>
+            <a:p>
+              <a:r>
+                <a:rPr kumimoji="1" lang="ja-JP" altLang="en-US" sz="1000" dirty="0"/>
+                <a:t>＠</a:t>
+              </a:r>
+              <a:r>
+                <a:rPr kumimoji="1" lang="en-US" altLang="ja-JP" sz="1000" dirty="0"/>
+                <a:t>2024OSGEO</a:t>
+              </a:r>
+              <a:endParaRPr kumimoji="1" lang="ja-JP" altLang="en-US" sz="1000" dirty="0"/>
+            </a:p>
+          </p:txBody>
+        </p:sp>
+      </p:grpSp>
     </p:spTree>
     <p:extLst>
       <p:ext uri="{BB962C8B-B14F-4D97-AF65-F5344CB8AC3E}">
@@ -14332,10 +14343,10 @@
         </p:nvGrpSpPr>
         <p:grpSpPr>
           <a:xfrm>
-            <a:off x="8829404" y="1701450"/>
-            <a:ext cx="3521617" cy="1412291"/>
-            <a:chOff x="8733531" y="1907397"/>
-            <a:chExt cx="3521617" cy="1412291"/>
+            <a:off x="8829404" y="2164062"/>
+            <a:ext cx="3521617" cy="949679"/>
+            <a:chOff x="8733531" y="2370009"/>
+            <a:chExt cx="3521617" cy="949679"/>
           </a:xfrm>
         </p:grpSpPr>
         <p:sp>
@@ -14383,156 +14394,88 @@
             </a:p>
           </p:txBody>
         </p:sp>
-        <p:grpSp>
-          <p:nvGrpSpPr>
-            <p:cNvPr id="6" name="グループ化 5">
+        <p:sp>
+          <p:nvSpPr>
+            <p:cNvPr id="16" name="四角形: 角を丸くする 15">
               <a:extLst>
                 <a:ext uri="{FF2B5EF4-FFF2-40B4-BE49-F238E27FC236}">
-                  <a16:creationId xmlns:a16="http://schemas.microsoft.com/office/drawing/2014/main" id="{2A461440-0C4E-817C-0197-7AD7BAB44A60}"/>
+                  <a16:creationId xmlns:a16="http://schemas.microsoft.com/office/drawing/2014/main" id="{13FC4E42-DDD0-7D2C-71CD-41B51809F59F}"/>
                 </a:ext>
               </a:extLst>
             </p:cNvPr>
-            <p:cNvGrpSpPr/>
+            <p:cNvSpPr/>
             <p:nvPr/>
-          </p:nvGrpSpPr>
-          <p:grpSpPr>
+          </p:nvSpPr>
+          <p:spPr>
             <a:xfrm>
-              <a:off x="8833933" y="1907397"/>
-              <a:ext cx="2663666" cy="1071937"/>
-              <a:chOff x="8760296" y="3037824"/>
-              <a:chExt cx="2663666" cy="1071937"/>
+              <a:off x="9106034" y="2370009"/>
+              <a:ext cx="2391565" cy="609325"/>
             </a:xfrm>
-          </p:grpSpPr>
-          <p:sp>
-            <p:nvSpPr>
-              <p:cNvPr id="16" name="四角形: 角を丸くする 15">
-                <a:extLst>
-                  <a:ext uri="{FF2B5EF4-FFF2-40B4-BE49-F238E27FC236}">
-                    <a16:creationId xmlns:a16="http://schemas.microsoft.com/office/drawing/2014/main" id="{13FC4E42-DDD0-7D2C-71CD-41B51809F59F}"/>
-                  </a:ext>
-                </a:extLst>
-              </p:cNvPr>
-              <p:cNvSpPr/>
-              <p:nvPr/>
-            </p:nvSpPr>
-            <p:spPr>
-              <a:xfrm>
-                <a:off x="9032397" y="3500436"/>
-                <a:ext cx="2391565" cy="609325"/>
-              </a:xfrm>
-              <a:prstGeom prst="roundRect">
-                <a:avLst>
-                  <a:gd name="adj" fmla="val 19858"/>
-                </a:avLst>
-              </a:prstGeom>
+            <a:prstGeom prst="roundRect">
+              <a:avLst>
+                <a:gd name="adj" fmla="val 19858"/>
+              </a:avLst>
+            </a:prstGeom>
+            <a:solidFill>
+              <a:schemeClr val="bg1"/>
+            </a:solidFill>
+            <a:ln w="63500">
               <a:solidFill>
-                <a:schemeClr val="bg1"/>
+                <a:srgbClr val="FF0000"/>
               </a:solidFill>
-              <a:ln w="63500">
-                <a:solidFill>
-                  <a:srgbClr val="FF0000"/>
-                </a:solidFill>
-              </a:ln>
-              <a:effectLst>
-                <a:outerShdw blurRad="50800" dist="38100" dir="2700000" algn="tl" rotWithShape="0">
-                  <a:prstClr val="black">
-                    <a:alpha val="40000"/>
-                  </a:prstClr>
-                </a:outerShdw>
-              </a:effectLst>
-            </p:spPr>
-            <p:style>
-              <a:lnRef idx="2">
-                <a:schemeClr val="accent3"/>
-              </a:lnRef>
-              <a:fillRef idx="1">
-                <a:schemeClr val="lt1"/>
-              </a:fillRef>
-              <a:effectRef idx="0">
-                <a:schemeClr val="accent3"/>
-              </a:effectRef>
-              <a:fontRef idx="minor">
-                <a:schemeClr val="dk1"/>
-              </a:fontRef>
-            </p:style>
-            <p:txBody>
-              <a:bodyPr rtlCol="0" anchor="ctr"/>
-              <a:lstStyle/>
-              <a:p>
-                <a:pPr algn="ctr">
-                  <a:lnSpc>
-                    <a:spcPct val="130000"/>
-                  </a:lnSpc>
-                  <a:spcAft>
-                    <a:spcPts val="600"/>
-                  </a:spcAft>
-                </a:pPr>
-                <a:r>
-                  <a:rPr kumimoji="1" lang="ja-JP" altLang="en-US" sz="2400" dirty="0">
-                    <a:solidFill>
-                      <a:srgbClr val="FF0000"/>
-                    </a:solidFill>
-                    <a:latin typeface="+mn-ea"/>
-                  </a:rPr>
-                  <a:t>自動変換</a:t>
-                </a:r>
-                <a:endParaRPr kumimoji="1" lang="en-US" altLang="ja-JP" sz="2400" dirty="0">
+            </a:ln>
+            <a:effectLst>
+              <a:outerShdw blurRad="50800" dist="38100" dir="2700000" algn="tl" rotWithShape="0">
+                <a:prstClr val="black">
+                  <a:alpha val="40000"/>
+                </a:prstClr>
+              </a:outerShdw>
+            </a:effectLst>
+          </p:spPr>
+          <p:style>
+            <a:lnRef idx="2">
+              <a:schemeClr val="accent3"/>
+            </a:lnRef>
+            <a:fillRef idx="1">
+              <a:schemeClr val="lt1"/>
+            </a:fillRef>
+            <a:effectRef idx="0">
+              <a:schemeClr val="accent3"/>
+            </a:effectRef>
+            <a:fontRef idx="minor">
+              <a:schemeClr val="dk1"/>
+            </a:fontRef>
+          </p:style>
+          <p:txBody>
+            <a:bodyPr rtlCol="0" anchor="ctr"/>
+            <a:lstStyle/>
+            <a:p>
+              <a:pPr algn="ctr">
+                <a:lnSpc>
+                  <a:spcPct val="130000"/>
+                </a:lnSpc>
+                <a:spcAft>
+                  <a:spcPts val="600"/>
+                </a:spcAft>
+              </a:pPr>
+              <a:r>
+                <a:rPr kumimoji="1" lang="ja-JP" altLang="en-US" sz="2400" dirty="0">
                   <a:solidFill>
                     <a:srgbClr val="FF0000"/>
                   </a:solidFill>
                   <a:latin typeface="+mn-ea"/>
-                </a:endParaRPr>
-              </a:p>
-            </p:txBody>
-          </p:sp>
-          <p:pic>
-            <p:nvPicPr>
-              <p:cNvPr id="21" name="Picture 14" descr="Image by FlamingText.com">
-                <a:extLst>
-                  <a:ext uri="{FF2B5EF4-FFF2-40B4-BE49-F238E27FC236}">
-                    <a16:creationId xmlns:a16="http://schemas.microsoft.com/office/drawing/2014/main" id="{541705F9-4A99-DD12-6DEA-6808939DF0FC}"/>
-                  </a:ext>
-                </a:extLst>
-              </p:cNvPr>
-              <p:cNvPicPr>
-                <a:picLocks noChangeAspect="1" noChangeArrowheads="1"/>
-              </p:cNvPicPr>
-              <p:nvPr/>
-            </p:nvPicPr>
-            <p:blipFill>
-              <a:blip r:embed="rId7">
-                <a:extLst>
-                  <a:ext uri="{28A0092B-C50C-407E-A947-70E740481C1C}">
-                    <a14:useLocalDpi xmlns:a14="http://schemas.microsoft.com/office/drawing/2010/main" val="0"/>
-                  </a:ext>
-                </a:extLst>
-              </a:blip>
-              <a:srcRect/>
-              <a:stretch>
-                <a:fillRect/>
-              </a:stretch>
-            </p:blipFill>
-            <p:spPr bwMode="auto">
-              <a:xfrm>
-                <a:off x="8760296" y="3037824"/>
-                <a:ext cx="1310757" cy="609325"/>
-              </a:xfrm>
-              <a:prstGeom prst="rect">
-                <a:avLst/>
-              </a:prstGeom>
-              <a:noFill/>
-              <a:extLst>
-                <a:ext uri="{909E8E84-426E-40DD-AFC4-6F175D3DCCD1}">
-                  <a14:hiddenFill xmlns:a14="http://schemas.microsoft.com/office/drawing/2010/main">
-                    <a:solidFill>
-                      <a:srgbClr val="FFFFFF"/>
-                    </a:solidFill>
-                  </a14:hiddenFill>
-                </a:ext>
-              </a:extLst>
-            </p:spPr>
-          </p:pic>
-        </p:grpSp>
+                </a:rPr>
+                <a:t>自動変換</a:t>
+              </a:r>
+              <a:endParaRPr kumimoji="1" lang="en-US" altLang="ja-JP" sz="2400" dirty="0">
+                <a:solidFill>
+                  <a:srgbClr val="FF0000"/>
+                </a:solidFill>
+                <a:latin typeface="+mn-ea"/>
+              </a:endParaRPr>
+            </a:p>
+          </p:txBody>
+        </p:sp>
       </p:grpSp>
       <p:pic>
         <p:nvPicPr>
@@ -14549,7 +14492,7 @@
           <p:nvPr/>
         </p:nvPicPr>
         <p:blipFill>
-          <a:blip r:embed="rId8" cstate="print">
+          <a:blip r:embed="rId7" cstate="print">
             <a:extLst>
               <a:ext uri="{28A0092B-C50C-407E-A947-70E740481C1C}">
                 <a14:useLocalDpi xmlns:a14="http://schemas.microsoft.com/office/drawing/2010/main" val="0"/>
@@ -14581,6 +14524,103 @@
           </a:extLst>
         </p:spPr>
       </p:pic>
+      <p:grpSp>
+        <p:nvGrpSpPr>
+          <p:cNvPr id="22" name="グループ化 21">
+            <a:extLst>
+              <a:ext uri="{FF2B5EF4-FFF2-40B4-BE49-F238E27FC236}">
+                <a16:creationId xmlns:a16="http://schemas.microsoft.com/office/drawing/2014/main" id="{1EC395B8-44C7-8337-C040-90CCB39B3836}"/>
+              </a:ext>
+            </a:extLst>
+          </p:cNvPr>
+          <p:cNvGrpSpPr/>
+          <p:nvPr/>
+        </p:nvGrpSpPr>
+        <p:grpSpPr>
+          <a:xfrm>
+            <a:off x="9054152" y="796813"/>
+            <a:ext cx="1536060" cy="1452204"/>
+            <a:chOff x="9054152" y="796813"/>
+            <a:chExt cx="1536060" cy="1452204"/>
+          </a:xfrm>
+        </p:grpSpPr>
+        <p:pic>
+          <p:nvPicPr>
+            <p:cNvPr id="10" name="図 9">
+              <a:extLst>
+                <a:ext uri="{FF2B5EF4-FFF2-40B4-BE49-F238E27FC236}">
+                  <a16:creationId xmlns:a16="http://schemas.microsoft.com/office/drawing/2014/main" id="{29496A87-E73B-595A-37FA-C153165759E1}"/>
+                </a:ext>
+              </a:extLst>
+            </p:cNvPr>
+            <p:cNvPicPr>
+              <a:picLocks noChangeAspect="1"/>
+            </p:cNvPicPr>
+            <p:nvPr/>
+          </p:nvPicPr>
+          <p:blipFill>
+            <a:blip r:embed="rId8" cstate="print">
+              <a:extLst>
+                <a:ext uri="{28A0092B-C50C-407E-A947-70E740481C1C}">
+                  <a14:useLocalDpi xmlns:a14="http://schemas.microsoft.com/office/drawing/2010/main" val="0"/>
+                </a:ext>
+              </a:extLst>
+            </a:blip>
+            <a:stretch>
+              <a:fillRect/>
+            </a:stretch>
+          </p:blipFill>
+          <p:spPr>
+            <a:xfrm>
+              <a:off x="9054152" y="796813"/>
+              <a:ext cx="1312727" cy="1452204"/>
+            </a:xfrm>
+            <a:prstGeom prst="rect">
+              <a:avLst/>
+            </a:prstGeom>
+          </p:spPr>
+        </p:pic>
+        <p:sp>
+          <p:nvSpPr>
+            <p:cNvPr id="17" name="テキスト ボックス 16">
+              <a:extLst>
+                <a:ext uri="{FF2B5EF4-FFF2-40B4-BE49-F238E27FC236}">
+                  <a16:creationId xmlns:a16="http://schemas.microsoft.com/office/drawing/2014/main" id="{38C30048-5D8F-CD0A-8914-7A0E5763E1DD}"/>
+                </a:ext>
+              </a:extLst>
+            </p:cNvPr>
+            <p:cNvSpPr txBox="1"/>
+            <p:nvPr/>
+          </p:nvSpPr>
+          <p:spPr>
+            <a:xfrm>
+              <a:off x="9577256" y="992454"/>
+              <a:ext cx="1012956" cy="246221"/>
+            </a:xfrm>
+            <a:prstGeom prst="rect">
+              <a:avLst/>
+            </a:prstGeom>
+            <a:noFill/>
+          </p:spPr>
+          <p:txBody>
+            <a:bodyPr wrap="square" rtlCol="0">
+              <a:spAutoFit/>
+            </a:bodyPr>
+            <a:lstStyle/>
+            <a:p>
+              <a:r>
+                <a:rPr kumimoji="1" lang="ja-JP" altLang="en-US" sz="1000" dirty="0"/>
+                <a:t>＠</a:t>
+              </a:r>
+              <a:r>
+                <a:rPr kumimoji="1" lang="en-US" altLang="ja-JP" sz="1000" dirty="0"/>
+                <a:t>2024OSGEO</a:t>
+              </a:r>
+              <a:endParaRPr kumimoji="1" lang="ja-JP" altLang="en-US" sz="1000" dirty="0"/>
+            </a:p>
+          </p:txBody>
+        </p:sp>
+      </p:grpSp>
     </p:spTree>
     <p:extLst>
       <p:ext uri="{BB962C8B-B14F-4D97-AF65-F5344CB8AC3E}">

--- a/パワーポイント/QGISのソリューション.pptx
+++ b/パワーポイント/QGISのソリューション.pptx
@@ -5,11 +5,13 @@
     <p:sldMasterId id="2147483749" r:id="rId1"/>
   </p:sldMasterIdLst>
   <p:notesMasterIdLst>
-    <p:notesMasterId r:id="rId4"/>
+    <p:notesMasterId r:id="rId6"/>
   </p:notesMasterIdLst>
   <p:sldIdLst>
     <p:sldId id="311" r:id="rId2"/>
-    <p:sldId id="318" r:id="rId3"/>
+    <p:sldId id="319" r:id="rId3"/>
+    <p:sldId id="318" r:id="rId4"/>
+    <p:sldId id="320" r:id="rId5"/>
   </p:sldIdLst>
   <p:sldSz cx="12192000" cy="6858000"/>
   <p:notesSz cx="6858000" cy="9144000"/>
@@ -215,7 +217,7 @@
           <a:p>
             <a:fld id="{CA49738D-D75D-40B1-BF46-FC9ACBB15E75}" type="datetimeFigureOut">
               <a:rPr kumimoji="1" lang="ja-JP" altLang="en-US" smtClean="0"/>
-              <a:t>2024/9/1</a:t>
+              <a:t>2024/9/5</a:t>
             </a:fld>
             <a:endParaRPr kumimoji="1" lang="ja-JP" altLang="en-US"/>
           </a:p>
@@ -637,6 +639,90 @@
           <a:bodyPr/>
           <a:lstStyle/>
           <a:p>
+            <a:endParaRPr kumimoji="1" lang="ja-JP" altLang="en-US" dirty="0"/>
+          </a:p>
+        </p:txBody>
+      </p:sp>
+      <p:sp>
+        <p:nvSpPr>
+          <p:cNvPr id="4" name="スライド番号プレースホルダー 3"/>
+          <p:cNvSpPr>
+            <a:spLocks noGrp="1"/>
+          </p:cNvSpPr>
+          <p:nvPr>
+            <p:ph type="sldNum" sz="quarter" idx="5"/>
+          </p:nvPr>
+        </p:nvSpPr>
+        <p:spPr/>
+        <p:txBody>
+          <a:bodyPr/>
+          <a:lstStyle/>
+          <a:p>
+            <a:fld id="{22E5198F-549A-4508-B579-8CA394E94788}" type="slidenum">
+              <a:rPr kumimoji="1" lang="ja-JP" altLang="en-US" smtClean="0"/>
+              <a:t>2</a:t>
+            </a:fld>
+            <a:endParaRPr kumimoji="1" lang="ja-JP" altLang="en-US"/>
+          </a:p>
+        </p:txBody>
+      </p:sp>
+    </p:spTree>
+    <p:extLst>
+      <p:ext uri="{BB962C8B-B14F-4D97-AF65-F5344CB8AC3E}">
+        <p14:creationId xmlns:p14="http://schemas.microsoft.com/office/powerpoint/2010/main" val="2378863085"/>
+      </p:ext>
+    </p:extLst>
+  </p:cSld>
+  <p:clrMapOvr>
+    <a:masterClrMapping/>
+  </p:clrMapOvr>
+</p:notes>
+</file>
+
+<file path=ppt/notesSlides/notesSlide3.xml><?xml version="1.0" encoding="utf-8"?>
+<p:notes xmlns:a="http://schemas.openxmlformats.org/drawingml/2006/main" xmlns:r="http://schemas.openxmlformats.org/officeDocument/2006/relationships" xmlns:p="http://schemas.openxmlformats.org/presentationml/2006/main">
+  <p:cSld>
+    <p:spTree>
+      <p:nvGrpSpPr>
+        <p:cNvPr id="1" name=""/>
+        <p:cNvGrpSpPr/>
+        <p:nvPr/>
+      </p:nvGrpSpPr>
+      <p:grpSpPr>
+        <a:xfrm>
+          <a:off x="0" y="0"/>
+          <a:ext cx="0" cy="0"/>
+          <a:chOff x="0" y="0"/>
+          <a:chExt cx="0" cy="0"/>
+        </a:xfrm>
+      </p:grpSpPr>
+      <p:sp>
+        <p:nvSpPr>
+          <p:cNvPr id="2" name="スライド イメージ プレースホルダー 1"/>
+          <p:cNvSpPr>
+            <a:spLocks noGrp="1" noRot="1" noChangeAspect="1"/>
+          </p:cNvSpPr>
+          <p:nvPr>
+            <p:ph type="sldImg"/>
+          </p:nvPr>
+        </p:nvSpPr>
+        <p:spPr/>
+      </p:sp>
+      <p:sp>
+        <p:nvSpPr>
+          <p:cNvPr id="3" name="ノート プレースホルダー 2"/>
+          <p:cNvSpPr>
+            <a:spLocks noGrp="1"/>
+          </p:cNvSpPr>
+          <p:nvPr>
+            <p:ph type="body" idx="1"/>
+          </p:nvPr>
+        </p:nvSpPr>
+        <p:spPr/>
+        <p:txBody>
+          <a:bodyPr/>
+          <a:lstStyle/>
+          <a:p>
             <a:pPr marL="0" marR="0" lvl="0" indent="0" algn="l" defTabSz="914400" rtl="0" eaLnBrk="1" fontAlgn="auto" latinLnBrk="0" hangingPunct="1">
               <a:lnSpc>
                 <a:spcPct val="100000"/>
@@ -675,7 +761,7 @@
           <a:p>
             <a:fld id="{22E5198F-549A-4508-B579-8CA394E94788}" type="slidenum">
               <a:rPr kumimoji="1" lang="ja-JP" altLang="en-US" smtClean="0"/>
-              <a:t>2</a:t>
+              <a:t>3</a:t>
             </a:fld>
             <a:endParaRPr kumimoji="1" lang="ja-JP" altLang="en-US"/>
           </a:p>
@@ -685,6 +771,107 @@
     <p:extLst>
       <p:ext uri="{BB962C8B-B14F-4D97-AF65-F5344CB8AC3E}">
         <p14:creationId xmlns:p14="http://schemas.microsoft.com/office/powerpoint/2010/main" val="2348503833"/>
+      </p:ext>
+    </p:extLst>
+  </p:cSld>
+  <p:clrMapOvr>
+    <a:masterClrMapping/>
+  </p:clrMapOvr>
+</p:notes>
+</file>
+
+<file path=ppt/notesSlides/notesSlide4.xml><?xml version="1.0" encoding="utf-8"?>
+<p:notes xmlns:a="http://schemas.openxmlformats.org/drawingml/2006/main" xmlns:r="http://schemas.openxmlformats.org/officeDocument/2006/relationships" xmlns:p="http://schemas.openxmlformats.org/presentationml/2006/main">
+  <p:cSld>
+    <p:spTree>
+      <p:nvGrpSpPr>
+        <p:cNvPr id="1" name=""/>
+        <p:cNvGrpSpPr/>
+        <p:nvPr/>
+      </p:nvGrpSpPr>
+      <p:grpSpPr>
+        <a:xfrm>
+          <a:off x="0" y="0"/>
+          <a:ext cx="0" cy="0"/>
+          <a:chOff x="0" y="0"/>
+          <a:chExt cx="0" cy="0"/>
+        </a:xfrm>
+      </p:grpSpPr>
+      <p:sp>
+        <p:nvSpPr>
+          <p:cNvPr id="2" name="スライド イメージ プレースホルダー 1"/>
+          <p:cNvSpPr>
+            <a:spLocks noGrp="1" noRot="1" noChangeAspect="1"/>
+          </p:cNvSpPr>
+          <p:nvPr>
+            <p:ph type="sldImg"/>
+          </p:nvPr>
+        </p:nvSpPr>
+        <p:spPr/>
+      </p:sp>
+      <p:sp>
+        <p:nvSpPr>
+          <p:cNvPr id="3" name="ノート プレースホルダー 2"/>
+          <p:cNvSpPr>
+            <a:spLocks noGrp="1"/>
+          </p:cNvSpPr>
+          <p:nvPr>
+            <p:ph type="body" idx="1"/>
+          </p:nvPr>
+        </p:nvSpPr>
+        <p:spPr/>
+        <p:txBody>
+          <a:bodyPr/>
+          <a:lstStyle/>
+          <a:p>
+            <a:pPr marL="0" marR="0" lvl="0" indent="0" algn="l" defTabSz="914400" rtl="0" eaLnBrk="1" fontAlgn="auto" latinLnBrk="0" hangingPunct="1">
+              <a:lnSpc>
+                <a:spcPct val="100000"/>
+              </a:lnSpc>
+              <a:spcBef>
+                <a:spcPts val="0"/>
+              </a:spcBef>
+              <a:spcAft>
+                <a:spcPts val="0"/>
+              </a:spcAft>
+              <a:buClrTx/>
+              <a:buSzTx/>
+              <a:buFontTx/>
+              <a:buNone/>
+              <a:tabLst/>
+              <a:defRPr/>
+            </a:pPr>
+            <a:endParaRPr kumimoji="1" lang="en-US" altLang="ja-JP" dirty="0"/>
+          </a:p>
+        </p:txBody>
+      </p:sp>
+      <p:sp>
+        <p:nvSpPr>
+          <p:cNvPr id="4" name="スライド番号プレースホルダー 3"/>
+          <p:cNvSpPr>
+            <a:spLocks noGrp="1"/>
+          </p:cNvSpPr>
+          <p:nvPr>
+            <p:ph type="sldNum" sz="quarter" idx="5"/>
+          </p:nvPr>
+        </p:nvSpPr>
+        <p:spPr/>
+        <p:txBody>
+          <a:bodyPr/>
+          <a:lstStyle/>
+          <a:p>
+            <a:fld id="{22E5198F-549A-4508-B579-8CA394E94788}" type="slidenum">
+              <a:rPr kumimoji="1" lang="ja-JP" altLang="en-US" smtClean="0"/>
+              <a:t>4</a:t>
+            </a:fld>
+            <a:endParaRPr kumimoji="1" lang="ja-JP" altLang="en-US"/>
+          </a:p>
+        </p:txBody>
+      </p:sp>
+    </p:spTree>
+    <p:extLst>
+      <p:ext uri="{BB962C8B-B14F-4D97-AF65-F5344CB8AC3E}">
+        <p14:creationId xmlns:p14="http://schemas.microsoft.com/office/powerpoint/2010/main" val="64964425"/>
       </p:ext>
     </p:extLst>
   </p:cSld>
@@ -1440,7 +1627,7 @@
             <a:fld id="{B61BEF0D-F0BB-DE4B-95CE-6DB70DBA9567}" type="datetimeFigureOut">
               <a:rPr lang="en-US" smtClean="0"/>
               <a:pPr/>
-              <a:t>9/1/2024</a:t>
+              <a:t>9/5/2024</a:t>
             </a:fld>
             <a:endParaRPr lang="en-US" dirty="0"/>
           </a:p>
@@ -1704,7 +1891,7 @@
             <a:fld id="{B61BEF0D-F0BB-DE4B-95CE-6DB70DBA9567}" type="datetimeFigureOut">
               <a:rPr lang="en-US" smtClean="0"/>
               <a:pPr/>
-              <a:t>9/1/2024</a:t>
+              <a:t>9/5/2024</a:t>
             </a:fld>
             <a:endParaRPr lang="en-US" dirty="0"/>
           </a:p>
@@ -2031,7 +2218,7 @@
             <a:fld id="{B61BEF0D-F0BB-DE4B-95CE-6DB70DBA9567}" type="datetimeFigureOut">
               <a:rPr lang="en-US" smtClean="0"/>
               <a:pPr/>
-              <a:t>9/1/2024</a:t>
+              <a:t>9/5/2024</a:t>
             </a:fld>
             <a:endParaRPr lang="en-US" dirty="0"/>
           </a:p>
@@ -2377,7 +2564,7 @@
             <a:fld id="{B61BEF0D-F0BB-DE4B-95CE-6DB70DBA9567}" type="datetimeFigureOut">
               <a:rPr lang="en-US" smtClean="0"/>
               <a:pPr/>
-              <a:t>9/1/2024</a:t>
+              <a:t>9/5/2024</a:t>
             </a:fld>
             <a:endParaRPr lang="en-US" dirty="0"/>
           </a:p>
@@ -2704,7 +2891,7 @@
             <a:fld id="{B61BEF0D-F0BB-DE4B-95CE-6DB70DBA9567}" type="datetimeFigureOut">
               <a:rPr lang="en-US" smtClean="0"/>
               <a:pPr/>
-              <a:t>9/1/2024</a:t>
+              <a:t>9/5/2024</a:t>
             </a:fld>
             <a:endParaRPr lang="en-US" dirty="0"/>
           </a:p>
@@ -3110,7 +3297,7 @@
             <a:fld id="{B61BEF0D-F0BB-DE4B-95CE-6DB70DBA9567}" type="datetimeFigureOut">
               <a:rPr lang="en-US" smtClean="0"/>
               <a:pPr/>
-              <a:t>9/1/2024</a:t>
+              <a:t>9/5/2024</a:t>
             </a:fld>
             <a:endParaRPr lang="en-US" dirty="0"/>
           </a:p>
@@ -3324,7 +3511,7 @@
           <a:p>
             <a:fld id="{55C6B4A9-1611-4792-9094-5F34BCA07E0B}" type="datetimeFigureOut">
               <a:rPr lang="en-US" smtClean="0"/>
-              <a:t>9/1/2024</a:t>
+              <a:t>9/5/2024</a:t>
             </a:fld>
             <a:endParaRPr lang="en-US" dirty="0"/>
           </a:p>
@@ -3549,7 +3736,7 @@
             <a:fld id="{B61BEF0D-F0BB-DE4B-95CE-6DB70DBA9567}" type="datetimeFigureOut">
               <a:rPr lang="en-US" smtClean="0"/>
               <a:pPr/>
-              <a:t>9/1/2024</a:t>
+              <a:t>9/5/2024</a:t>
             </a:fld>
             <a:endParaRPr lang="en-US" dirty="0"/>
           </a:p>
@@ -5407,7 +5594,7 @@
             <a:fld id="{B61BEF0D-F0BB-DE4B-95CE-6DB70DBA9567}" type="datetimeFigureOut">
               <a:rPr lang="en-US" smtClean="0"/>
               <a:pPr/>
-              <a:t>9/1/2024</a:t>
+              <a:t>9/5/2024</a:t>
             </a:fld>
             <a:endParaRPr lang="en-US" dirty="0"/>
           </a:p>
@@ -6898,7 +7085,7 @@
             <a:fld id="{B61BEF0D-F0BB-DE4B-95CE-6DB70DBA9567}" type="datetimeFigureOut">
               <a:rPr lang="en-US" smtClean="0"/>
               <a:pPr/>
-              <a:t>9/1/2024</a:t>
+              <a:t>9/5/2024</a:t>
             </a:fld>
             <a:endParaRPr lang="en-US" dirty="0"/>
           </a:p>
@@ -7206,7 +7393,7 @@
           <a:p>
             <a:fld id="{EB712588-04B1-427B-82EE-E8DB90309F08}" type="datetimeFigureOut">
               <a:rPr lang="en-US" smtClean="0"/>
-              <a:t>9/1/2024</a:t>
+              <a:t>9/5/2024</a:t>
             </a:fld>
             <a:endParaRPr lang="en-US" dirty="0"/>
           </a:p>
@@ -7657,7 +7844,7 @@
             <a:fld id="{B61BEF0D-F0BB-DE4B-95CE-6DB70DBA9567}" type="datetimeFigureOut">
               <a:rPr lang="en-US" smtClean="0"/>
               <a:pPr/>
-              <a:t>9/1/2024</a:t>
+              <a:t>9/5/2024</a:t>
             </a:fld>
             <a:endParaRPr lang="en-US" dirty="0"/>
           </a:p>
@@ -7793,7 +7980,7 @@
             <a:fld id="{B61BEF0D-F0BB-DE4B-95CE-6DB70DBA9567}" type="datetimeFigureOut">
               <a:rPr lang="en-US" smtClean="0"/>
               <a:pPr/>
-              <a:t>9/1/2024</a:t>
+              <a:t>9/5/2024</a:t>
             </a:fld>
             <a:endParaRPr lang="en-US" dirty="0"/>
           </a:p>
@@ -7901,7 +8088,7 @@
             <a:fld id="{B61BEF0D-F0BB-DE4B-95CE-6DB70DBA9567}" type="datetimeFigureOut">
               <a:rPr lang="en-US" smtClean="0"/>
               <a:pPr/>
-              <a:t>9/1/2024</a:t>
+              <a:t>9/5/2024</a:t>
             </a:fld>
             <a:endParaRPr lang="en-US" dirty="0"/>
           </a:p>
@@ -8200,7 +8387,7 @@
           <a:p>
             <a:fld id="{42A54C80-263E-416B-A8E0-580EDEADCBDC}" type="datetimeFigureOut">
               <a:rPr lang="en-US" smtClean="0"/>
-              <a:t>9/1/2024</a:t>
+              <a:t>9/5/2024</a:t>
             </a:fld>
             <a:endParaRPr lang="en-US" dirty="0"/>
           </a:p>
@@ -8522,7 +8709,7 @@
             <a:fld id="{B61BEF0D-F0BB-DE4B-95CE-6DB70DBA9567}" type="datetimeFigureOut">
               <a:rPr lang="en-US" smtClean="0"/>
               <a:pPr/>
-              <a:t>9/1/2024</a:t>
+              <a:t>9/5/2024</a:t>
             </a:fld>
             <a:endParaRPr lang="en-US" dirty="0"/>
           </a:p>
@@ -9265,7 +9452,7 @@
             <a:fld id="{B61BEF0D-F0BB-DE4B-95CE-6DB70DBA9567}" type="datetimeFigureOut">
               <a:rPr lang="en-US" smtClean="0"/>
               <a:pPr/>
-              <a:t>9/1/2024</a:t>
+              <a:t>9/5/2024</a:t>
             </a:fld>
             <a:endParaRPr lang="en-US" dirty="0"/>
           </a:p>
@@ -10937,445 +11124,6 @@
           </p:sp>
         </p:grpSp>
       </p:grpSp>
-      <p:grpSp>
-        <p:nvGrpSpPr>
-          <p:cNvPr id="12" name="グループ化 11">
-            <a:extLst>
-              <a:ext uri="{FF2B5EF4-FFF2-40B4-BE49-F238E27FC236}">
-                <a16:creationId xmlns:a16="http://schemas.microsoft.com/office/drawing/2014/main" id="{AEAE87BD-143B-C984-1C03-67FF2FC8A453}"/>
-              </a:ext>
-            </a:extLst>
-          </p:cNvPr>
-          <p:cNvGrpSpPr/>
-          <p:nvPr/>
-        </p:nvGrpSpPr>
-        <p:grpSpPr>
-          <a:xfrm>
-            <a:off x="4211224" y="784513"/>
-            <a:ext cx="4693088" cy="2601640"/>
-            <a:chOff x="5420650" y="1198991"/>
-            <a:chExt cx="4693088" cy="2601640"/>
-          </a:xfrm>
-        </p:grpSpPr>
-        <p:grpSp>
-          <p:nvGrpSpPr>
-            <p:cNvPr id="11" name="グループ化 10">
-              <a:extLst>
-                <a:ext uri="{FF2B5EF4-FFF2-40B4-BE49-F238E27FC236}">
-                  <a16:creationId xmlns:a16="http://schemas.microsoft.com/office/drawing/2014/main" id="{1EF4A932-B0F9-B74D-67A4-E693AC658356}"/>
-                </a:ext>
-              </a:extLst>
-            </p:cNvPr>
-            <p:cNvGrpSpPr/>
-            <p:nvPr/>
-          </p:nvGrpSpPr>
-          <p:grpSpPr>
-            <a:xfrm>
-              <a:off x="5420650" y="1403020"/>
-              <a:ext cx="4693088" cy="2397611"/>
-              <a:chOff x="5420650" y="1403020"/>
-              <a:chExt cx="4693088" cy="2397611"/>
-            </a:xfrm>
-          </p:grpSpPr>
-          <p:sp>
-            <p:nvSpPr>
-              <p:cNvPr id="37" name="四角形: 角を丸くする 36">
-                <a:extLst>
-                  <a:ext uri="{FF2B5EF4-FFF2-40B4-BE49-F238E27FC236}">
-                    <a16:creationId xmlns:a16="http://schemas.microsoft.com/office/drawing/2014/main" id="{2CFF9414-9DEF-D2A0-4AEB-098830900E6F}"/>
-                  </a:ext>
-                </a:extLst>
-              </p:cNvPr>
-              <p:cNvSpPr/>
-              <p:nvPr/>
-            </p:nvSpPr>
-            <p:spPr>
-              <a:xfrm>
-                <a:off x="5420650" y="1403020"/>
-                <a:ext cx="4238094" cy="2397611"/>
-              </a:xfrm>
-              <a:prstGeom prst="roundRect">
-                <a:avLst>
-                  <a:gd name="adj" fmla="val 19858"/>
-                </a:avLst>
-              </a:prstGeom>
-              <a:noFill/>
-              <a:ln w="63500">
-                <a:solidFill>
-                  <a:srgbClr val="FF0000"/>
-                </a:solidFill>
-              </a:ln>
-              <a:effectLst/>
-            </p:spPr>
-            <p:style>
-              <a:lnRef idx="2">
-                <a:schemeClr val="accent3"/>
-              </a:lnRef>
-              <a:fillRef idx="1">
-                <a:schemeClr val="lt1"/>
-              </a:fillRef>
-              <a:effectRef idx="0">
-                <a:schemeClr val="accent3"/>
-              </a:effectRef>
-              <a:fontRef idx="minor">
-                <a:schemeClr val="dk1"/>
-              </a:fontRef>
-            </p:style>
-            <p:txBody>
-              <a:bodyPr rtlCol="0" anchor="ctr"/>
-              <a:lstStyle/>
-              <a:p>
-                <a:pPr algn="ctr">
-                  <a:lnSpc>
-                    <a:spcPct val="130000"/>
-                  </a:lnSpc>
-                  <a:spcAft>
-                    <a:spcPts val="600"/>
-                  </a:spcAft>
-                </a:pPr>
-                <a:endParaRPr kumimoji="1" lang="en-US" altLang="ja-JP" sz="1600" dirty="0">
-                  <a:solidFill>
-                    <a:schemeClr val="tx1"/>
-                  </a:solidFill>
-                  <a:latin typeface="+mn-ea"/>
-                </a:endParaRPr>
-              </a:p>
-              <a:p>
-                <a:pPr algn="ctr">
-                  <a:lnSpc>
-                    <a:spcPct val="130000"/>
-                  </a:lnSpc>
-                  <a:spcAft>
-                    <a:spcPts val="600"/>
-                  </a:spcAft>
-                </a:pPr>
-                <a:r>
-                  <a:rPr kumimoji="1" lang="ja-JP" altLang="en-US" sz="1600" dirty="0">
-                    <a:solidFill>
-                      <a:schemeClr val="tx1"/>
-                    </a:solidFill>
-                    <a:latin typeface="+mn-ea"/>
-                  </a:rPr>
-                  <a:t>エクセル・</a:t>
-                </a:r>
-                <a:r>
-                  <a:rPr kumimoji="1" lang="en-US" altLang="ja-JP" sz="1600" dirty="0">
-                    <a:solidFill>
-                      <a:schemeClr val="tx1"/>
-                    </a:solidFill>
-                    <a:latin typeface="+mn-ea"/>
-                  </a:rPr>
-                  <a:t>BI</a:t>
-                </a:r>
-                <a:r>
-                  <a:rPr kumimoji="1" lang="ja-JP" altLang="en-US" sz="1600" dirty="0">
-                    <a:solidFill>
-                      <a:schemeClr val="tx1"/>
-                    </a:solidFill>
-                    <a:latin typeface="+mn-ea"/>
-                  </a:rPr>
-                  <a:t>ツールとのデータ連携</a:t>
-                </a:r>
-                <a:endParaRPr kumimoji="1" lang="en-US" altLang="ja-JP" sz="1600" dirty="0">
-                  <a:solidFill>
-                    <a:schemeClr val="tx1"/>
-                  </a:solidFill>
-                  <a:latin typeface="+mn-ea"/>
-                </a:endParaRPr>
-              </a:p>
-              <a:p>
-                <a:pPr algn="ctr">
-                  <a:lnSpc>
-                    <a:spcPct val="130000"/>
-                  </a:lnSpc>
-                  <a:spcAft>
-                    <a:spcPts val="600"/>
-                  </a:spcAft>
-                </a:pPr>
-                <a:r>
-                  <a:rPr kumimoji="1" lang="ja-JP" altLang="en-US" sz="2800" dirty="0">
-                    <a:solidFill>
-                      <a:srgbClr val="FF0000"/>
-                    </a:solidFill>
-                    <a:latin typeface="+mn-ea"/>
-                  </a:rPr>
-                  <a:t>各部署の</a:t>
-                </a:r>
-                <a:r>
-                  <a:rPr kumimoji="1" lang="en-US" altLang="ja-JP" sz="2800" dirty="0">
-                    <a:solidFill>
-                      <a:srgbClr val="FF0000"/>
-                    </a:solidFill>
-                    <a:latin typeface="+mn-ea"/>
-                  </a:rPr>
-                  <a:t>DX</a:t>
-                </a:r>
-                <a:r>
-                  <a:rPr kumimoji="1" lang="ja-JP" altLang="en-US" sz="2800" dirty="0">
-                    <a:solidFill>
-                      <a:srgbClr val="FF0000"/>
-                    </a:solidFill>
-                    <a:latin typeface="+mn-ea"/>
-                  </a:rPr>
-                  <a:t>推進</a:t>
-                </a:r>
-                <a:endParaRPr kumimoji="1" lang="en-US" altLang="ja-JP" sz="2000" dirty="0">
-                  <a:solidFill>
-                    <a:srgbClr val="FF0000"/>
-                  </a:solidFill>
-                  <a:latin typeface="+mn-ea"/>
-                </a:endParaRPr>
-              </a:p>
-              <a:p>
-                <a:pPr algn="ctr">
-                  <a:lnSpc>
-                    <a:spcPct val="130000"/>
-                  </a:lnSpc>
-                  <a:spcAft>
-                    <a:spcPts val="600"/>
-                  </a:spcAft>
-                </a:pPr>
-                <a:endParaRPr kumimoji="1" lang="en-US" altLang="ja-JP" sz="2000" dirty="0">
-                  <a:solidFill>
-                    <a:srgbClr val="FF0000"/>
-                  </a:solidFill>
-                  <a:latin typeface="+mn-ea"/>
-                </a:endParaRPr>
-              </a:p>
-              <a:p>
-                <a:pPr algn="ctr">
-                  <a:lnSpc>
-                    <a:spcPct val="130000"/>
-                  </a:lnSpc>
-                  <a:spcAft>
-                    <a:spcPts val="600"/>
-                  </a:spcAft>
-                </a:pPr>
-                <a:endParaRPr kumimoji="1" lang="ja-JP" altLang="en-US" sz="2000" dirty="0">
-                  <a:solidFill>
-                    <a:srgbClr val="FF0000"/>
-                  </a:solidFill>
-                  <a:latin typeface="+mn-ea"/>
-                </a:endParaRPr>
-              </a:p>
-            </p:txBody>
-          </p:sp>
-          <p:sp>
-            <p:nvSpPr>
-              <p:cNvPr id="1089" name="四角形: 角を丸くする 1088">
-                <a:extLst>
-                  <a:ext uri="{FF2B5EF4-FFF2-40B4-BE49-F238E27FC236}">
-                    <a16:creationId xmlns:a16="http://schemas.microsoft.com/office/drawing/2014/main" id="{78BAAF12-B4CF-5496-15DF-EB47A5FFED17}"/>
-                  </a:ext>
-                </a:extLst>
-              </p:cNvPr>
-              <p:cNvSpPr/>
-              <p:nvPr/>
-            </p:nvSpPr>
-            <p:spPr>
-              <a:xfrm>
-                <a:off x="9329626" y="1782391"/>
-                <a:ext cx="784112" cy="1027680"/>
-              </a:xfrm>
-              <a:prstGeom prst="roundRect">
-                <a:avLst>
-                  <a:gd name="adj" fmla="val 24007"/>
-                </a:avLst>
-              </a:prstGeom>
-              <a:ln>
-                <a:solidFill>
-                  <a:srgbClr val="FF0000"/>
-                </a:solidFill>
-              </a:ln>
-              <a:effectLst>
-                <a:outerShdw blurRad="50800" dist="38100" dir="2700000" algn="tl" rotWithShape="0">
-                  <a:prstClr val="black">
-                    <a:alpha val="40000"/>
-                  </a:prstClr>
-                </a:outerShdw>
-              </a:effectLst>
-            </p:spPr>
-            <p:style>
-              <a:lnRef idx="2">
-                <a:schemeClr val="accent3"/>
-              </a:lnRef>
-              <a:fillRef idx="1">
-                <a:schemeClr val="lt1"/>
-              </a:fillRef>
-              <a:effectRef idx="0">
-                <a:schemeClr val="accent3"/>
-              </a:effectRef>
-              <a:fontRef idx="minor">
-                <a:schemeClr val="dk1"/>
-              </a:fontRef>
-            </p:style>
-            <p:txBody>
-              <a:bodyPr rtlCol="0" anchor="ctr"/>
-              <a:lstStyle/>
-              <a:p>
-                <a:pPr algn="ctr">
-                  <a:lnSpc>
-                    <a:spcPct val="130000"/>
-                  </a:lnSpc>
-                  <a:spcAft>
-                    <a:spcPts val="600"/>
-                  </a:spcAft>
-                </a:pPr>
-                <a:r>
-                  <a:rPr kumimoji="1" lang="ja-JP" altLang="en-US" sz="1200" dirty="0">
-                    <a:solidFill>
-                      <a:schemeClr val="tx1"/>
-                    </a:solidFill>
-                    <a:latin typeface="+mn-ea"/>
-                  </a:rPr>
-                  <a:t>参照</a:t>
-                </a:r>
-                <a:endParaRPr kumimoji="1" lang="en-US" altLang="ja-JP" sz="1200" dirty="0">
-                  <a:solidFill>
-                    <a:schemeClr val="tx1"/>
-                  </a:solidFill>
-                  <a:latin typeface="+mn-ea"/>
-                </a:endParaRPr>
-              </a:p>
-              <a:p>
-                <a:pPr algn="ctr">
-                  <a:lnSpc>
-                    <a:spcPct val="130000"/>
-                  </a:lnSpc>
-                  <a:spcAft>
-                    <a:spcPts val="600"/>
-                  </a:spcAft>
-                </a:pPr>
-                <a:r>
-                  <a:rPr kumimoji="1" lang="ja-JP" altLang="en-US" sz="1200" dirty="0">
-                    <a:solidFill>
-                      <a:schemeClr val="tx1"/>
-                    </a:solidFill>
-                    <a:latin typeface="+mn-ea"/>
-                  </a:rPr>
-                  <a:t>編集</a:t>
-                </a:r>
-                <a:endParaRPr kumimoji="1" lang="en-US" altLang="ja-JP" sz="1200" dirty="0">
-                  <a:solidFill>
-                    <a:schemeClr val="tx1"/>
-                  </a:solidFill>
-                  <a:latin typeface="+mn-ea"/>
-                </a:endParaRPr>
-              </a:p>
-              <a:p>
-                <a:pPr algn="ctr">
-                  <a:lnSpc>
-                    <a:spcPct val="130000"/>
-                  </a:lnSpc>
-                  <a:spcAft>
-                    <a:spcPts val="600"/>
-                  </a:spcAft>
-                </a:pPr>
-                <a:r>
-                  <a:rPr kumimoji="1" lang="ja-JP" altLang="en-US" sz="1200" dirty="0">
-                    <a:solidFill>
-                      <a:schemeClr val="tx1"/>
-                    </a:solidFill>
-                    <a:latin typeface="+mn-ea"/>
-                  </a:rPr>
-                  <a:t>解析</a:t>
-                </a:r>
-              </a:p>
-            </p:txBody>
-          </p:sp>
-        </p:grpSp>
-        <p:sp>
-          <p:nvSpPr>
-            <p:cNvPr id="83" name="四角形: 角を丸くする 82">
-              <a:extLst>
-                <a:ext uri="{FF2B5EF4-FFF2-40B4-BE49-F238E27FC236}">
-                  <a16:creationId xmlns:a16="http://schemas.microsoft.com/office/drawing/2014/main" id="{EFD6476B-0E18-A9F2-1B3D-81577FFA94DC}"/>
-                </a:ext>
-              </a:extLst>
-            </p:cNvPr>
-            <p:cNvSpPr/>
-            <p:nvPr/>
-          </p:nvSpPr>
-          <p:spPr>
-            <a:xfrm>
-              <a:off x="5898062" y="1198991"/>
-              <a:ext cx="3323169" cy="408057"/>
-            </a:xfrm>
-            <a:prstGeom prst="roundRect">
-              <a:avLst>
-                <a:gd name="adj" fmla="val 50000"/>
-              </a:avLst>
-            </a:prstGeom>
-            <a:ln>
-              <a:solidFill>
-                <a:schemeClr val="tx1"/>
-              </a:solidFill>
-            </a:ln>
-            <a:effectLst>
-              <a:outerShdw blurRad="50800" dist="38100" dir="2700000" algn="tl" rotWithShape="0">
-                <a:prstClr val="black">
-                  <a:alpha val="40000"/>
-                </a:prstClr>
-              </a:outerShdw>
-            </a:effectLst>
-          </p:spPr>
-          <p:style>
-            <a:lnRef idx="2">
-              <a:schemeClr val="accent3"/>
-            </a:lnRef>
-            <a:fillRef idx="1">
-              <a:schemeClr val="lt1"/>
-            </a:fillRef>
-            <a:effectRef idx="0">
-              <a:schemeClr val="accent3"/>
-            </a:effectRef>
-            <a:fontRef idx="minor">
-              <a:schemeClr val="dk1"/>
-            </a:fontRef>
-          </p:style>
-          <p:txBody>
-            <a:bodyPr rtlCol="0" anchor="ctr"/>
-            <a:lstStyle/>
-            <a:p>
-              <a:pPr algn="ctr">
-                <a:lnSpc>
-                  <a:spcPct val="130000"/>
-                </a:lnSpc>
-                <a:spcAft>
-                  <a:spcPts val="600"/>
-                </a:spcAft>
-              </a:pPr>
-              <a:r>
-                <a:rPr kumimoji="1" lang="ja-JP" altLang="en-US" sz="1200" dirty="0">
-                  <a:solidFill>
-                    <a:schemeClr val="tx1"/>
-                  </a:solidFill>
-                  <a:latin typeface="+mn-ea"/>
-                </a:rPr>
-                <a:t>ﾃﾞｽｸﾄｯﾌﾟ：</a:t>
-              </a:r>
-              <a:r>
-                <a:rPr kumimoji="1" lang="en-US" altLang="ja-JP" sz="1200" dirty="0">
-                  <a:solidFill>
-                    <a:schemeClr val="tx1"/>
-                  </a:solidFill>
-                  <a:latin typeface="+mn-ea"/>
-                </a:rPr>
-                <a:t>LGWAN</a:t>
-              </a:r>
-              <a:r>
-                <a:rPr kumimoji="1" lang="ja-JP" altLang="en-US" sz="1200" dirty="0">
-                  <a:solidFill>
-                    <a:schemeClr val="tx1"/>
-                  </a:solidFill>
-                  <a:latin typeface="+mn-ea"/>
-                </a:rPr>
-                <a:t>でも動くポータブル版</a:t>
-              </a:r>
-            </a:p>
-          </p:txBody>
-        </p:sp>
-      </p:grpSp>
       <p:cxnSp>
         <p:nvCxnSpPr>
           <p:cNvPr id="31" name="コネクタ: カギ線 30">
@@ -13000,42 +12748,481 @@
           </a:p>
         </p:txBody>
       </p:sp>
-      <p:pic>
-        <p:nvPicPr>
-          <p:cNvPr id="16" name="グラフィックス 15">
+      <p:grpSp>
+        <p:nvGrpSpPr>
+          <p:cNvPr id="20" name="グループ化 19">
             <a:extLst>
               <a:ext uri="{FF2B5EF4-FFF2-40B4-BE49-F238E27FC236}">
-                <a16:creationId xmlns:a16="http://schemas.microsoft.com/office/drawing/2014/main" id="{9FFBDAA1-81AC-D3F1-9B66-63119099C3E4}"/>
+                <a16:creationId xmlns:a16="http://schemas.microsoft.com/office/drawing/2014/main" id="{0E05736D-BE40-0E0A-0BA4-D2DCDFF15F30}"/>
               </a:ext>
             </a:extLst>
           </p:cNvPr>
-          <p:cNvPicPr>
-            <a:picLocks noChangeAspect="1"/>
-          </p:cNvPicPr>
+          <p:cNvGrpSpPr/>
           <p:nvPr/>
-        </p:nvPicPr>
-        <p:blipFill>
-          <a:blip r:embed="rId7">
-            <a:extLst>
-              <a:ext uri="{96DAC541-7B7A-43D3-8B79-37D633B846F1}">
-                <asvg:svgBlip xmlns:asvg="http://schemas.microsoft.com/office/drawing/2016/SVG/main" r:embed="rId8"/>
-              </a:ext>
-            </a:extLst>
-          </a:blip>
-          <a:stretch>
-            <a:fillRect/>
-          </a:stretch>
-        </p:blipFill>
-        <p:spPr>
+        </p:nvGrpSpPr>
+        <p:grpSpPr>
           <a:xfrm>
-            <a:off x="4785424" y="2090361"/>
-            <a:ext cx="3032863" cy="1451412"/>
+            <a:off x="4211224" y="784513"/>
+            <a:ext cx="4693088" cy="2757260"/>
+            <a:chOff x="4211224" y="784513"/>
+            <a:chExt cx="4693088" cy="2757260"/>
           </a:xfrm>
-          <a:prstGeom prst="rect">
-            <a:avLst/>
-          </a:prstGeom>
-        </p:spPr>
-      </p:pic>
+        </p:grpSpPr>
+        <p:grpSp>
+          <p:nvGrpSpPr>
+            <p:cNvPr id="11" name="グループ化 10">
+              <a:extLst>
+                <a:ext uri="{FF2B5EF4-FFF2-40B4-BE49-F238E27FC236}">
+                  <a16:creationId xmlns:a16="http://schemas.microsoft.com/office/drawing/2014/main" id="{1EF4A932-B0F9-B74D-67A4-E693AC658356}"/>
+                </a:ext>
+              </a:extLst>
+            </p:cNvPr>
+            <p:cNvGrpSpPr/>
+            <p:nvPr/>
+          </p:nvGrpSpPr>
+          <p:grpSpPr>
+            <a:xfrm>
+              <a:off x="4211224" y="988542"/>
+              <a:ext cx="4693088" cy="2397611"/>
+              <a:chOff x="5420650" y="1403020"/>
+              <a:chExt cx="4693088" cy="2397611"/>
+            </a:xfrm>
+          </p:grpSpPr>
+          <p:sp>
+            <p:nvSpPr>
+              <p:cNvPr id="37" name="四角形: 角を丸くする 36">
+                <a:extLst>
+                  <a:ext uri="{FF2B5EF4-FFF2-40B4-BE49-F238E27FC236}">
+                    <a16:creationId xmlns:a16="http://schemas.microsoft.com/office/drawing/2014/main" id="{2CFF9414-9DEF-D2A0-4AEB-098830900E6F}"/>
+                  </a:ext>
+                </a:extLst>
+              </p:cNvPr>
+              <p:cNvSpPr/>
+              <p:nvPr/>
+            </p:nvSpPr>
+            <p:spPr>
+              <a:xfrm>
+                <a:off x="5420650" y="1403020"/>
+                <a:ext cx="4238094" cy="2397611"/>
+              </a:xfrm>
+              <a:prstGeom prst="roundRect">
+                <a:avLst>
+                  <a:gd name="adj" fmla="val 19858"/>
+                </a:avLst>
+              </a:prstGeom>
+              <a:noFill/>
+              <a:ln w="63500">
+                <a:solidFill>
+                  <a:srgbClr val="FF0000"/>
+                </a:solidFill>
+              </a:ln>
+              <a:effectLst/>
+            </p:spPr>
+            <p:style>
+              <a:lnRef idx="2">
+                <a:schemeClr val="accent3"/>
+              </a:lnRef>
+              <a:fillRef idx="1">
+                <a:schemeClr val="lt1"/>
+              </a:fillRef>
+              <a:effectRef idx="0">
+                <a:schemeClr val="accent3"/>
+              </a:effectRef>
+              <a:fontRef idx="minor">
+                <a:schemeClr val="dk1"/>
+              </a:fontRef>
+            </p:style>
+            <p:txBody>
+              <a:bodyPr rtlCol="0" anchor="ctr"/>
+              <a:lstStyle/>
+              <a:p>
+                <a:pPr algn="ctr">
+                  <a:lnSpc>
+                    <a:spcPct val="130000"/>
+                  </a:lnSpc>
+                  <a:spcAft>
+                    <a:spcPts val="600"/>
+                  </a:spcAft>
+                </a:pPr>
+                <a:endParaRPr kumimoji="1" lang="en-US" altLang="ja-JP" sz="1600" dirty="0">
+                  <a:solidFill>
+                    <a:schemeClr val="tx1"/>
+                  </a:solidFill>
+                  <a:latin typeface="+mn-ea"/>
+                </a:endParaRPr>
+              </a:p>
+              <a:p>
+                <a:pPr algn="ctr">
+                  <a:lnSpc>
+                    <a:spcPct val="130000"/>
+                  </a:lnSpc>
+                  <a:spcAft>
+                    <a:spcPts val="600"/>
+                  </a:spcAft>
+                </a:pPr>
+                <a:r>
+                  <a:rPr kumimoji="1" lang="ja-JP" altLang="en-US" sz="1600" dirty="0">
+                    <a:solidFill>
+                      <a:schemeClr val="tx1"/>
+                    </a:solidFill>
+                    <a:latin typeface="+mn-ea"/>
+                  </a:rPr>
+                  <a:t>エクセル・</a:t>
+                </a:r>
+                <a:r>
+                  <a:rPr kumimoji="1" lang="en-US" altLang="ja-JP" sz="1600" dirty="0">
+                    <a:solidFill>
+                      <a:schemeClr val="tx1"/>
+                    </a:solidFill>
+                    <a:latin typeface="+mn-ea"/>
+                  </a:rPr>
+                  <a:t>BI</a:t>
+                </a:r>
+                <a:r>
+                  <a:rPr kumimoji="1" lang="ja-JP" altLang="en-US" sz="1600" dirty="0">
+                    <a:solidFill>
+                      <a:schemeClr val="tx1"/>
+                    </a:solidFill>
+                    <a:latin typeface="+mn-ea"/>
+                  </a:rPr>
+                  <a:t>ツールとのデータ連携</a:t>
+                </a:r>
+                <a:endParaRPr kumimoji="1" lang="en-US" altLang="ja-JP" sz="1600" dirty="0">
+                  <a:solidFill>
+                    <a:schemeClr val="tx1"/>
+                  </a:solidFill>
+                  <a:latin typeface="+mn-ea"/>
+                </a:endParaRPr>
+              </a:p>
+              <a:p>
+                <a:pPr algn="ctr">
+                  <a:lnSpc>
+                    <a:spcPct val="130000"/>
+                  </a:lnSpc>
+                  <a:spcAft>
+                    <a:spcPts val="600"/>
+                  </a:spcAft>
+                </a:pPr>
+                <a:r>
+                  <a:rPr kumimoji="1" lang="ja-JP" altLang="en-US" sz="2800" dirty="0">
+                    <a:solidFill>
+                      <a:srgbClr val="FF0000"/>
+                    </a:solidFill>
+                    <a:latin typeface="+mn-ea"/>
+                  </a:rPr>
+                  <a:t>各部署の</a:t>
+                </a:r>
+                <a:r>
+                  <a:rPr kumimoji="1" lang="en-US" altLang="ja-JP" sz="2800" dirty="0">
+                    <a:solidFill>
+                      <a:srgbClr val="FF0000"/>
+                    </a:solidFill>
+                    <a:latin typeface="+mn-ea"/>
+                  </a:rPr>
+                  <a:t>DX</a:t>
+                </a:r>
+                <a:r>
+                  <a:rPr kumimoji="1" lang="ja-JP" altLang="en-US" sz="2800" dirty="0">
+                    <a:solidFill>
+                      <a:srgbClr val="FF0000"/>
+                    </a:solidFill>
+                    <a:latin typeface="+mn-ea"/>
+                  </a:rPr>
+                  <a:t>推進</a:t>
+                </a:r>
+                <a:endParaRPr kumimoji="1" lang="en-US" altLang="ja-JP" sz="2000" dirty="0">
+                  <a:solidFill>
+                    <a:srgbClr val="FF0000"/>
+                  </a:solidFill>
+                  <a:latin typeface="+mn-ea"/>
+                </a:endParaRPr>
+              </a:p>
+              <a:p>
+                <a:pPr algn="ctr">
+                  <a:lnSpc>
+                    <a:spcPct val="130000"/>
+                  </a:lnSpc>
+                  <a:spcAft>
+                    <a:spcPts val="600"/>
+                  </a:spcAft>
+                </a:pPr>
+                <a:endParaRPr kumimoji="1" lang="en-US" altLang="ja-JP" sz="2000" dirty="0">
+                  <a:solidFill>
+                    <a:srgbClr val="FF0000"/>
+                  </a:solidFill>
+                  <a:latin typeface="+mn-ea"/>
+                </a:endParaRPr>
+              </a:p>
+              <a:p>
+                <a:pPr algn="ctr">
+                  <a:lnSpc>
+                    <a:spcPct val="130000"/>
+                  </a:lnSpc>
+                  <a:spcAft>
+                    <a:spcPts val="600"/>
+                  </a:spcAft>
+                </a:pPr>
+                <a:endParaRPr kumimoji="1" lang="ja-JP" altLang="en-US" sz="2000" dirty="0">
+                  <a:solidFill>
+                    <a:srgbClr val="FF0000"/>
+                  </a:solidFill>
+                  <a:latin typeface="+mn-ea"/>
+                </a:endParaRPr>
+              </a:p>
+            </p:txBody>
+          </p:sp>
+          <p:sp>
+            <p:nvSpPr>
+              <p:cNvPr id="1089" name="四角形: 角を丸くする 1088">
+                <a:extLst>
+                  <a:ext uri="{FF2B5EF4-FFF2-40B4-BE49-F238E27FC236}">
+                    <a16:creationId xmlns:a16="http://schemas.microsoft.com/office/drawing/2014/main" id="{78BAAF12-B4CF-5496-15DF-EB47A5FFED17}"/>
+                  </a:ext>
+                </a:extLst>
+              </p:cNvPr>
+              <p:cNvSpPr/>
+              <p:nvPr/>
+            </p:nvSpPr>
+            <p:spPr>
+              <a:xfrm>
+                <a:off x="9329626" y="1782391"/>
+                <a:ext cx="784112" cy="1027680"/>
+              </a:xfrm>
+              <a:prstGeom prst="roundRect">
+                <a:avLst>
+                  <a:gd name="adj" fmla="val 24007"/>
+                </a:avLst>
+              </a:prstGeom>
+              <a:ln>
+                <a:solidFill>
+                  <a:srgbClr val="FF0000"/>
+                </a:solidFill>
+              </a:ln>
+              <a:effectLst>
+                <a:outerShdw blurRad="50800" dist="38100" dir="2700000" algn="tl" rotWithShape="0">
+                  <a:prstClr val="black">
+                    <a:alpha val="40000"/>
+                  </a:prstClr>
+                </a:outerShdw>
+              </a:effectLst>
+            </p:spPr>
+            <p:style>
+              <a:lnRef idx="2">
+                <a:schemeClr val="accent3"/>
+              </a:lnRef>
+              <a:fillRef idx="1">
+                <a:schemeClr val="lt1"/>
+              </a:fillRef>
+              <a:effectRef idx="0">
+                <a:schemeClr val="accent3"/>
+              </a:effectRef>
+              <a:fontRef idx="minor">
+                <a:schemeClr val="dk1"/>
+              </a:fontRef>
+            </p:style>
+            <p:txBody>
+              <a:bodyPr rtlCol="0" anchor="ctr"/>
+              <a:lstStyle/>
+              <a:p>
+                <a:pPr algn="ctr">
+                  <a:lnSpc>
+                    <a:spcPct val="130000"/>
+                  </a:lnSpc>
+                  <a:spcAft>
+                    <a:spcPts val="600"/>
+                  </a:spcAft>
+                </a:pPr>
+                <a:r>
+                  <a:rPr kumimoji="1" lang="ja-JP" altLang="en-US" sz="1200" dirty="0">
+                    <a:solidFill>
+                      <a:schemeClr val="tx1"/>
+                    </a:solidFill>
+                    <a:latin typeface="+mn-ea"/>
+                  </a:rPr>
+                  <a:t>参照</a:t>
+                </a:r>
+                <a:endParaRPr kumimoji="1" lang="en-US" altLang="ja-JP" sz="1200" dirty="0">
+                  <a:solidFill>
+                    <a:schemeClr val="tx1"/>
+                  </a:solidFill>
+                  <a:latin typeface="+mn-ea"/>
+                </a:endParaRPr>
+              </a:p>
+              <a:p>
+                <a:pPr algn="ctr">
+                  <a:lnSpc>
+                    <a:spcPct val="130000"/>
+                  </a:lnSpc>
+                  <a:spcAft>
+                    <a:spcPts val="600"/>
+                  </a:spcAft>
+                </a:pPr>
+                <a:r>
+                  <a:rPr kumimoji="1" lang="ja-JP" altLang="en-US" sz="1200" dirty="0">
+                    <a:solidFill>
+                      <a:schemeClr val="tx1"/>
+                    </a:solidFill>
+                    <a:latin typeface="+mn-ea"/>
+                  </a:rPr>
+                  <a:t>編集</a:t>
+                </a:r>
+                <a:endParaRPr kumimoji="1" lang="en-US" altLang="ja-JP" sz="1200" dirty="0">
+                  <a:solidFill>
+                    <a:schemeClr val="tx1"/>
+                  </a:solidFill>
+                  <a:latin typeface="+mn-ea"/>
+                </a:endParaRPr>
+              </a:p>
+              <a:p>
+                <a:pPr algn="ctr">
+                  <a:lnSpc>
+                    <a:spcPct val="130000"/>
+                  </a:lnSpc>
+                  <a:spcAft>
+                    <a:spcPts val="600"/>
+                  </a:spcAft>
+                </a:pPr>
+                <a:r>
+                  <a:rPr kumimoji="1" lang="ja-JP" altLang="en-US" sz="1200" dirty="0">
+                    <a:solidFill>
+                      <a:schemeClr val="tx1"/>
+                    </a:solidFill>
+                    <a:latin typeface="+mn-ea"/>
+                  </a:rPr>
+                  <a:t>解析</a:t>
+                </a:r>
+              </a:p>
+            </p:txBody>
+          </p:sp>
+        </p:grpSp>
+        <p:sp>
+          <p:nvSpPr>
+            <p:cNvPr id="83" name="四角形: 角を丸くする 82">
+              <a:extLst>
+                <a:ext uri="{FF2B5EF4-FFF2-40B4-BE49-F238E27FC236}">
+                  <a16:creationId xmlns:a16="http://schemas.microsoft.com/office/drawing/2014/main" id="{EFD6476B-0E18-A9F2-1B3D-81577FFA94DC}"/>
+                </a:ext>
+              </a:extLst>
+            </p:cNvPr>
+            <p:cNvSpPr/>
+            <p:nvPr/>
+          </p:nvSpPr>
+          <p:spPr>
+            <a:xfrm>
+              <a:off x="4688636" y="784513"/>
+              <a:ext cx="3323169" cy="408057"/>
+            </a:xfrm>
+            <a:prstGeom prst="roundRect">
+              <a:avLst>
+                <a:gd name="adj" fmla="val 50000"/>
+              </a:avLst>
+            </a:prstGeom>
+            <a:ln>
+              <a:solidFill>
+                <a:schemeClr val="tx1"/>
+              </a:solidFill>
+            </a:ln>
+            <a:effectLst>
+              <a:outerShdw blurRad="50800" dist="38100" dir="2700000" algn="tl" rotWithShape="0">
+                <a:prstClr val="black">
+                  <a:alpha val="40000"/>
+                </a:prstClr>
+              </a:outerShdw>
+            </a:effectLst>
+          </p:spPr>
+          <p:style>
+            <a:lnRef idx="2">
+              <a:schemeClr val="accent3"/>
+            </a:lnRef>
+            <a:fillRef idx="1">
+              <a:schemeClr val="lt1"/>
+            </a:fillRef>
+            <a:effectRef idx="0">
+              <a:schemeClr val="accent3"/>
+            </a:effectRef>
+            <a:fontRef idx="minor">
+              <a:schemeClr val="dk1"/>
+            </a:fontRef>
+          </p:style>
+          <p:txBody>
+            <a:bodyPr rtlCol="0" anchor="ctr"/>
+            <a:lstStyle/>
+            <a:p>
+              <a:pPr algn="ctr">
+                <a:lnSpc>
+                  <a:spcPct val="130000"/>
+                </a:lnSpc>
+                <a:spcAft>
+                  <a:spcPts val="600"/>
+                </a:spcAft>
+              </a:pPr>
+              <a:r>
+                <a:rPr kumimoji="1" lang="ja-JP" altLang="en-US" sz="1200" dirty="0">
+                  <a:solidFill>
+                    <a:schemeClr val="tx1"/>
+                  </a:solidFill>
+                  <a:latin typeface="+mn-ea"/>
+                </a:rPr>
+                <a:t>ﾃﾞｽｸﾄｯﾌﾟ：</a:t>
+              </a:r>
+              <a:r>
+                <a:rPr kumimoji="1" lang="en-US" altLang="ja-JP" sz="1200" dirty="0">
+                  <a:solidFill>
+                    <a:schemeClr val="tx1"/>
+                  </a:solidFill>
+                  <a:latin typeface="+mn-ea"/>
+                </a:rPr>
+                <a:t>LGWAN</a:t>
+              </a:r>
+              <a:r>
+                <a:rPr kumimoji="1" lang="ja-JP" altLang="en-US" sz="1200" dirty="0">
+                  <a:solidFill>
+                    <a:schemeClr val="tx1"/>
+                  </a:solidFill>
+                  <a:latin typeface="+mn-ea"/>
+                </a:rPr>
+                <a:t>でも動くポータブル版</a:t>
+              </a:r>
+            </a:p>
+          </p:txBody>
+        </p:sp>
+        <p:pic>
+          <p:nvPicPr>
+            <p:cNvPr id="16" name="グラフィックス 15">
+              <a:extLst>
+                <a:ext uri="{FF2B5EF4-FFF2-40B4-BE49-F238E27FC236}">
+                  <a16:creationId xmlns:a16="http://schemas.microsoft.com/office/drawing/2014/main" id="{9FFBDAA1-81AC-D3F1-9B66-63119099C3E4}"/>
+                </a:ext>
+              </a:extLst>
+            </p:cNvPr>
+            <p:cNvPicPr>
+              <a:picLocks noChangeAspect="1"/>
+            </p:cNvPicPr>
+            <p:nvPr/>
+          </p:nvPicPr>
+          <p:blipFill>
+            <a:blip r:embed="rId7">
+              <a:extLst>
+                <a:ext uri="{96DAC541-7B7A-43D3-8B79-37D633B846F1}">
+                  <asvg:svgBlip xmlns:asvg="http://schemas.microsoft.com/office/drawing/2016/SVG/main" r:embed="rId8"/>
+                </a:ext>
+              </a:extLst>
+            </a:blip>
+            <a:stretch>
+              <a:fillRect/>
+            </a:stretch>
+          </p:blipFill>
+          <p:spPr>
+            <a:xfrm>
+              <a:off x="4785424" y="2090361"/>
+              <a:ext cx="3032863" cy="1451412"/>
+            </a:xfrm>
+            <a:prstGeom prst="rect">
+              <a:avLst/>
+            </a:prstGeom>
+          </p:spPr>
+        </p:pic>
+      </p:grpSp>
       <p:pic>
         <p:nvPicPr>
           <p:cNvPr id="18" name="グラフィックス 17">
@@ -13169,6 +13356,85 @@
           </p:txBody>
         </p:sp>
       </p:grpSp>
+      <p:sp>
+        <p:nvSpPr>
+          <p:cNvPr id="15" name="四角形: 角を丸くする 14">
+            <a:extLst>
+              <a:ext uri="{FF2B5EF4-FFF2-40B4-BE49-F238E27FC236}">
+                <a16:creationId xmlns:a16="http://schemas.microsoft.com/office/drawing/2014/main" id="{FC9F9762-1E06-D967-65D7-49AE73F47130}"/>
+              </a:ext>
+            </a:extLst>
+          </p:cNvPr>
+          <p:cNvSpPr/>
+          <p:nvPr/>
+        </p:nvSpPr>
+        <p:spPr>
+          <a:xfrm>
+            <a:off x="6539483" y="5258127"/>
+            <a:ext cx="2532158" cy="294706"/>
+          </a:xfrm>
+          <a:prstGeom prst="roundRect">
+            <a:avLst>
+              <a:gd name="adj" fmla="val 50000"/>
+            </a:avLst>
+          </a:prstGeom>
+          <a:ln>
+            <a:solidFill>
+              <a:schemeClr val="tx1"/>
+            </a:solidFill>
+          </a:ln>
+          <a:effectLst>
+            <a:outerShdw blurRad="50800" dist="38100" dir="2700000" algn="tl" rotWithShape="0">
+              <a:prstClr val="black">
+                <a:alpha val="40000"/>
+              </a:prstClr>
+            </a:outerShdw>
+          </a:effectLst>
+        </p:spPr>
+        <p:style>
+          <a:lnRef idx="2">
+            <a:schemeClr val="accent3"/>
+          </a:lnRef>
+          <a:fillRef idx="1">
+            <a:schemeClr val="lt1"/>
+          </a:fillRef>
+          <a:effectRef idx="0">
+            <a:schemeClr val="accent3"/>
+          </a:effectRef>
+          <a:fontRef idx="minor">
+            <a:schemeClr val="dk1"/>
+          </a:fontRef>
+        </p:style>
+        <p:txBody>
+          <a:bodyPr rtlCol="0" anchor="ctr"/>
+          <a:lstStyle/>
+          <a:p>
+            <a:pPr algn="ctr">
+              <a:lnSpc>
+                <a:spcPct val="130000"/>
+              </a:lnSpc>
+              <a:spcAft>
+                <a:spcPts val="600"/>
+              </a:spcAft>
+            </a:pPr>
+            <a:r>
+              <a:rPr kumimoji="1" lang="ja-JP" altLang="en-US" sz="1200">
+                <a:solidFill>
+                  <a:schemeClr val="tx1"/>
+                </a:solidFill>
+                <a:latin typeface="+mn-ea"/>
+              </a:rPr>
+              <a:t>フィールドワーク</a:t>
+            </a:r>
+            <a:endParaRPr kumimoji="1" lang="ja-JP" altLang="en-US" sz="1200" dirty="0">
+              <a:solidFill>
+                <a:schemeClr val="tx1"/>
+              </a:solidFill>
+              <a:latin typeface="+mn-ea"/>
+            </a:endParaRPr>
+          </a:p>
+        </p:txBody>
+      </p:sp>
     </p:spTree>
     <p:extLst>
       <p:ext uri="{BB962C8B-B14F-4D97-AF65-F5344CB8AC3E}">
@@ -13191,6 +13457,2591 @@
 </file>
 
 <file path=ppt/slides/slide2.xml><?xml version="1.0" encoding="utf-8"?>
+<p:sld xmlns:a="http://schemas.openxmlformats.org/drawingml/2006/main" xmlns:r="http://schemas.openxmlformats.org/officeDocument/2006/relationships" xmlns:p="http://schemas.openxmlformats.org/presentationml/2006/main">
+  <p:cSld>
+    <p:spTree>
+      <p:nvGrpSpPr>
+        <p:cNvPr id="1" name=""/>
+        <p:cNvGrpSpPr/>
+        <p:nvPr/>
+      </p:nvGrpSpPr>
+      <p:grpSpPr>
+        <a:xfrm>
+          <a:off x="0" y="0"/>
+          <a:ext cx="0" cy="0"/>
+          <a:chOff x="0" y="0"/>
+          <a:chExt cx="0" cy="0"/>
+        </a:xfrm>
+      </p:grpSpPr>
+      <p:sp>
+        <p:nvSpPr>
+          <p:cNvPr id="3" name="テキスト ボックス 2">
+            <a:extLst>
+              <a:ext uri="{FF2B5EF4-FFF2-40B4-BE49-F238E27FC236}">
+                <a16:creationId xmlns:a16="http://schemas.microsoft.com/office/drawing/2014/main" id="{F0C10767-10E3-91EA-4A9B-DFE40349E1A6}"/>
+              </a:ext>
+            </a:extLst>
+          </p:cNvPr>
+          <p:cNvSpPr txBox="1"/>
+          <p:nvPr/>
+        </p:nvSpPr>
+        <p:spPr>
+          <a:xfrm>
+            <a:off x="4329835" y="113478"/>
+            <a:ext cx="6489109" cy="584775"/>
+          </a:xfrm>
+          <a:prstGeom prst="rect">
+            <a:avLst/>
+          </a:prstGeom>
+          <a:noFill/>
+        </p:spPr>
+        <p:txBody>
+          <a:bodyPr wrap="square" rtlCol="0">
+            <a:spAutoFit/>
+          </a:bodyPr>
+          <a:lstStyle/>
+          <a:p>
+            <a:r>
+              <a:rPr lang="ja-JP" altLang="en-US" sz="3200" b="1" i="0" u="sng" strike="noStrike" dirty="0">
+                <a:solidFill>
+                  <a:srgbClr val="00B0F0"/>
+                </a:solidFill>
+                <a:effectLst/>
+                <a:highlight>
+                  <a:srgbClr val="FFFFFF"/>
+                </a:highlight>
+                <a:latin typeface="-apple-system"/>
+              </a:rPr>
+              <a:t>各</a:t>
+            </a:r>
+            <a:r>
+              <a:rPr lang="en-US" altLang="ja-JP" sz="3200" b="1" i="0" u="sng" strike="noStrike" dirty="0">
+                <a:solidFill>
+                  <a:srgbClr val="00B0F0"/>
+                </a:solidFill>
+                <a:effectLst/>
+                <a:highlight>
+                  <a:srgbClr val="FFFFFF"/>
+                </a:highlight>
+                <a:latin typeface="-apple-system"/>
+              </a:rPr>
+              <a:t>GIS</a:t>
+            </a:r>
+            <a:r>
+              <a:rPr lang="ja-JP" altLang="en-US" sz="3200" b="1" i="0" u="sng" strike="noStrike" dirty="0">
+                <a:solidFill>
+                  <a:srgbClr val="00B0F0"/>
+                </a:solidFill>
+                <a:effectLst/>
+                <a:highlight>
+                  <a:srgbClr val="FFFFFF"/>
+                </a:highlight>
+                <a:latin typeface="-apple-system"/>
+              </a:rPr>
+              <a:t>システム特徴</a:t>
+            </a:r>
+            <a:endParaRPr lang="ja-JP" altLang="en-US" sz="3200" b="1" i="0" u="sng" dirty="0">
+              <a:solidFill>
+                <a:srgbClr val="00B0F0"/>
+              </a:solidFill>
+              <a:effectLst/>
+              <a:highlight>
+                <a:srgbClr val="FFFFFF"/>
+              </a:highlight>
+              <a:latin typeface="-apple-system"/>
+            </a:endParaRPr>
+          </a:p>
+        </p:txBody>
+      </p:sp>
+      <p:sp>
+        <p:nvSpPr>
+          <p:cNvPr id="20" name="四角形: 角を丸くする 19">
+            <a:extLst>
+              <a:ext uri="{FF2B5EF4-FFF2-40B4-BE49-F238E27FC236}">
+                <a16:creationId xmlns:a16="http://schemas.microsoft.com/office/drawing/2014/main" id="{1EBF6FD5-015D-AD50-E05F-6A59B79FD553}"/>
+              </a:ext>
+            </a:extLst>
+          </p:cNvPr>
+          <p:cNvSpPr/>
+          <p:nvPr/>
+        </p:nvSpPr>
+        <p:spPr>
+          <a:xfrm>
+            <a:off x="335360" y="698254"/>
+            <a:ext cx="11377264" cy="5683074"/>
+          </a:xfrm>
+          <a:prstGeom prst="roundRect">
+            <a:avLst>
+              <a:gd name="adj" fmla="val 7138"/>
+            </a:avLst>
+          </a:prstGeom>
+          <a:ln>
+            <a:solidFill>
+              <a:schemeClr val="tx1"/>
+            </a:solidFill>
+          </a:ln>
+          <a:effectLst>
+            <a:outerShdw blurRad="50800" dist="38100" dir="2700000" algn="tl" rotWithShape="0">
+              <a:prstClr val="black">
+                <a:alpha val="40000"/>
+              </a:prstClr>
+            </a:outerShdw>
+          </a:effectLst>
+        </p:spPr>
+        <p:style>
+          <a:lnRef idx="2">
+            <a:schemeClr val="accent3"/>
+          </a:lnRef>
+          <a:fillRef idx="1">
+            <a:schemeClr val="lt1"/>
+          </a:fillRef>
+          <a:effectRef idx="0">
+            <a:schemeClr val="accent3"/>
+          </a:effectRef>
+          <a:fontRef idx="minor">
+            <a:schemeClr val="dk1"/>
+          </a:fontRef>
+        </p:style>
+        <p:txBody>
+          <a:bodyPr rtlCol="0" anchor="ctr"/>
+          <a:lstStyle/>
+          <a:p>
+            <a:pPr>
+              <a:lnSpc>
+                <a:spcPct val="130000"/>
+              </a:lnSpc>
+              <a:spcAft>
+                <a:spcPts val="600"/>
+              </a:spcAft>
+            </a:pPr>
+            <a:r>
+              <a:rPr kumimoji="1" lang="en-US" altLang="ja-JP" sz="1200" dirty="0">
+                <a:solidFill>
+                  <a:schemeClr val="tx1"/>
+                </a:solidFill>
+                <a:latin typeface="+mn-ea"/>
+              </a:rPr>
+              <a:t>QGIS</a:t>
+            </a:r>
+            <a:r>
+              <a:rPr kumimoji="1" lang="ja-JP" altLang="en-US" sz="1200" dirty="0">
+                <a:solidFill>
+                  <a:schemeClr val="tx1"/>
+                </a:solidFill>
+                <a:latin typeface="+mn-ea"/>
+              </a:rPr>
+              <a:t>と</a:t>
+            </a:r>
+            <a:r>
+              <a:rPr kumimoji="1" lang="en-US" altLang="ja-JP" sz="1200" dirty="0" err="1">
+                <a:solidFill>
+                  <a:schemeClr val="tx1"/>
+                </a:solidFill>
+                <a:latin typeface="+mn-ea"/>
+              </a:rPr>
+              <a:t>Lizmap</a:t>
+            </a:r>
+            <a:r>
+              <a:rPr kumimoji="1" lang="ja-JP" altLang="en-US" sz="1200" dirty="0">
+                <a:solidFill>
+                  <a:schemeClr val="tx1"/>
+                </a:solidFill>
+                <a:latin typeface="+mn-ea"/>
+              </a:rPr>
+              <a:t>と</a:t>
+            </a:r>
+            <a:r>
+              <a:rPr kumimoji="1" lang="en-US" altLang="ja-JP" sz="1200" dirty="0" err="1">
+                <a:solidFill>
+                  <a:schemeClr val="tx1"/>
+                </a:solidFill>
+                <a:latin typeface="+mn-ea"/>
+              </a:rPr>
+              <a:t>QField</a:t>
+            </a:r>
+            <a:r>
+              <a:rPr kumimoji="1" lang="ja-JP" altLang="en-US" sz="1200" dirty="0">
+                <a:solidFill>
+                  <a:schemeClr val="tx1"/>
+                </a:solidFill>
+                <a:latin typeface="+mn-ea"/>
+              </a:rPr>
+              <a:t>は、それぞれ異なる利用シーンに適した地理情報システム</a:t>
+            </a:r>
+            <a:r>
+              <a:rPr kumimoji="1" lang="en-US" altLang="ja-JP" sz="1200" dirty="0">
+                <a:solidFill>
+                  <a:schemeClr val="tx1"/>
+                </a:solidFill>
+                <a:latin typeface="+mn-ea"/>
+              </a:rPr>
+              <a:t>(GIS)</a:t>
+            </a:r>
+            <a:r>
+              <a:rPr kumimoji="1" lang="ja-JP" altLang="en-US" sz="1200" dirty="0">
+                <a:solidFill>
+                  <a:schemeClr val="tx1"/>
+                </a:solidFill>
+                <a:latin typeface="+mn-ea"/>
+              </a:rPr>
+              <a:t>ツールです。以下にそれぞれの特徴と適した利用シーンを説明します。</a:t>
+            </a:r>
+          </a:p>
+          <a:p>
+            <a:pPr>
+              <a:lnSpc>
+                <a:spcPct val="130000"/>
+              </a:lnSpc>
+              <a:spcAft>
+                <a:spcPts val="600"/>
+              </a:spcAft>
+            </a:pPr>
+            <a:r>
+              <a:rPr kumimoji="1" lang="ja-JP" altLang="en-US" sz="1200" dirty="0">
+                <a:solidFill>
+                  <a:schemeClr val="tx1"/>
+                </a:solidFill>
+                <a:latin typeface="+mn-ea"/>
+              </a:rPr>
+              <a:t>・</a:t>
+            </a:r>
+            <a:r>
+              <a:rPr kumimoji="1" lang="en-US" altLang="ja-JP" sz="1200" dirty="0">
+                <a:solidFill>
+                  <a:schemeClr val="tx1"/>
+                </a:solidFill>
+                <a:latin typeface="+mn-ea"/>
+              </a:rPr>
+              <a:t>QGIS</a:t>
+            </a:r>
+          </a:p>
+          <a:p>
+            <a:pPr>
+              <a:lnSpc>
+                <a:spcPct val="130000"/>
+              </a:lnSpc>
+              <a:spcAft>
+                <a:spcPts val="600"/>
+              </a:spcAft>
+            </a:pPr>
+            <a:r>
+              <a:rPr kumimoji="1" lang="ja-JP" altLang="en-US" sz="1200" dirty="0">
+                <a:solidFill>
+                  <a:schemeClr val="tx1"/>
+                </a:solidFill>
+                <a:latin typeface="+mn-ea"/>
+              </a:rPr>
+              <a:t>　　</a:t>
+            </a:r>
+            <a:r>
+              <a:rPr kumimoji="1" lang="en-US" altLang="ja-JP" sz="1200" dirty="0">
+                <a:solidFill>
+                  <a:schemeClr val="tx1"/>
+                </a:solidFill>
+                <a:latin typeface="+mn-ea"/>
+              </a:rPr>
+              <a:t>QGIS</a:t>
+            </a:r>
+            <a:r>
+              <a:rPr kumimoji="1" lang="ja-JP" altLang="en-US" sz="1200" dirty="0">
+                <a:solidFill>
+                  <a:schemeClr val="tx1"/>
+                </a:solidFill>
+                <a:latin typeface="+mn-ea"/>
+              </a:rPr>
+              <a:t>は、デスクトップ環境で使用する総合的な</a:t>
+            </a:r>
+            <a:r>
+              <a:rPr kumimoji="1" lang="en-US" altLang="ja-JP" sz="1200" dirty="0">
+                <a:solidFill>
+                  <a:schemeClr val="tx1"/>
+                </a:solidFill>
+                <a:latin typeface="+mn-ea"/>
+              </a:rPr>
+              <a:t>GIS</a:t>
+            </a:r>
+            <a:r>
+              <a:rPr kumimoji="1" lang="ja-JP" altLang="en-US" sz="1200" dirty="0">
+                <a:solidFill>
+                  <a:schemeClr val="tx1"/>
+                </a:solidFill>
+                <a:latin typeface="+mn-ea"/>
+              </a:rPr>
+              <a:t>ソフトウェアです。</a:t>
+            </a:r>
+          </a:p>
+          <a:p>
+            <a:pPr>
+              <a:lnSpc>
+                <a:spcPct val="130000"/>
+              </a:lnSpc>
+              <a:spcAft>
+                <a:spcPts val="600"/>
+              </a:spcAft>
+            </a:pPr>
+            <a:r>
+              <a:rPr kumimoji="1" lang="ja-JP" altLang="en-US" sz="1200" dirty="0">
+                <a:solidFill>
+                  <a:schemeClr val="tx1"/>
+                </a:solidFill>
+                <a:latin typeface="+mn-ea"/>
+              </a:rPr>
+              <a:t>　　主な利用シーン</a:t>
+            </a:r>
+            <a:r>
+              <a:rPr kumimoji="1" lang="en-US" altLang="ja-JP" sz="1200" dirty="0">
+                <a:solidFill>
+                  <a:schemeClr val="tx1"/>
+                </a:solidFill>
+                <a:latin typeface="+mn-ea"/>
+              </a:rPr>
+              <a:t>:</a:t>
+            </a:r>
+            <a:r>
+              <a:rPr kumimoji="1" lang="ja-JP" altLang="en-US" sz="1200" dirty="0">
+                <a:solidFill>
+                  <a:schemeClr val="tx1"/>
+                </a:solidFill>
+                <a:latin typeface="+mn-ea"/>
+              </a:rPr>
+              <a:t>地理空間データの作成、編集、分析、複雑な地図作成とレイアウト設計、空間解析や地形解析、データベース管理</a:t>
+            </a:r>
+            <a:endParaRPr kumimoji="1" lang="en-US" altLang="ja-JP" sz="1200" dirty="0">
+              <a:solidFill>
+                <a:schemeClr val="tx1"/>
+              </a:solidFill>
+              <a:latin typeface="+mn-ea"/>
+            </a:endParaRPr>
+          </a:p>
+          <a:p>
+            <a:pPr>
+              <a:lnSpc>
+                <a:spcPct val="130000"/>
+              </a:lnSpc>
+              <a:spcAft>
+                <a:spcPts val="600"/>
+              </a:spcAft>
+            </a:pPr>
+            <a:r>
+              <a:rPr kumimoji="1" lang="ja-JP" altLang="en-US" sz="1200" dirty="0">
+                <a:solidFill>
+                  <a:schemeClr val="tx1"/>
+                </a:solidFill>
+                <a:latin typeface="+mn-ea"/>
+              </a:rPr>
+              <a:t>　　</a:t>
+            </a:r>
+            <a:r>
+              <a:rPr kumimoji="1" lang="en-US" altLang="ja-JP" sz="1200" dirty="0">
+                <a:solidFill>
+                  <a:schemeClr val="tx1"/>
+                </a:solidFill>
+                <a:latin typeface="+mn-ea"/>
+              </a:rPr>
+              <a:t>QGIS</a:t>
+            </a:r>
+            <a:r>
+              <a:rPr kumimoji="1" lang="ja-JP" altLang="en-US" sz="1200" dirty="0">
+                <a:solidFill>
+                  <a:schemeClr val="tx1"/>
+                </a:solidFill>
+                <a:latin typeface="+mn-ea"/>
+              </a:rPr>
+              <a:t>は、</a:t>
+            </a:r>
+            <a:r>
+              <a:rPr kumimoji="1" lang="en-US" altLang="ja-JP" sz="1200" dirty="0">
+                <a:solidFill>
+                  <a:schemeClr val="tx1"/>
+                </a:solidFill>
+                <a:latin typeface="+mn-ea"/>
+              </a:rPr>
+              <a:t>GIS</a:t>
+            </a:r>
+            <a:r>
+              <a:rPr kumimoji="1" lang="ja-JP" altLang="en-US" sz="1200" dirty="0">
+                <a:solidFill>
+                  <a:schemeClr val="tx1"/>
+                </a:solidFill>
+                <a:latin typeface="+mn-ea"/>
+              </a:rPr>
+              <a:t>プロジェクトの中心的なツールとして、データ準備からマップ制作まで幅広いタスクに使用されます。</a:t>
+            </a:r>
+            <a:endParaRPr kumimoji="1" lang="en-US" altLang="ja-JP" sz="1200" dirty="0">
+              <a:solidFill>
+                <a:schemeClr val="tx1"/>
+              </a:solidFill>
+              <a:latin typeface="+mn-ea"/>
+            </a:endParaRPr>
+          </a:p>
+          <a:p>
+            <a:pPr>
+              <a:lnSpc>
+                <a:spcPct val="130000"/>
+              </a:lnSpc>
+              <a:spcAft>
+                <a:spcPts val="600"/>
+              </a:spcAft>
+            </a:pPr>
+            <a:r>
+              <a:rPr kumimoji="1" lang="ja-JP" altLang="en-US" sz="1200" dirty="0">
+                <a:solidFill>
+                  <a:schemeClr val="tx1"/>
+                </a:solidFill>
+                <a:latin typeface="+mn-ea"/>
+              </a:rPr>
+              <a:t>　　</a:t>
+            </a:r>
+            <a:r>
+              <a:rPr kumimoji="1" lang="en-US" altLang="ja-JP" sz="1200" dirty="0">
+                <a:solidFill>
+                  <a:schemeClr val="tx1"/>
+                </a:solidFill>
+                <a:latin typeface="+mn-ea"/>
+              </a:rPr>
+              <a:t>GDAL</a:t>
+            </a:r>
+            <a:r>
+              <a:rPr kumimoji="1" lang="ja-JP" altLang="en-US" sz="1200" dirty="0">
+                <a:solidFill>
+                  <a:schemeClr val="tx1"/>
+                </a:solidFill>
+                <a:latin typeface="+mn-ea"/>
+              </a:rPr>
+              <a:t>による、あらゆる形式のインポート・エクスポート</a:t>
+            </a:r>
+          </a:p>
+          <a:p>
+            <a:pPr>
+              <a:lnSpc>
+                <a:spcPct val="130000"/>
+              </a:lnSpc>
+              <a:spcAft>
+                <a:spcPts val="600"/>
+              </a:spcAft>
+            </a:pPr>
+            <a:r>
+              <a:rPr kumimoji="1" lang="ja-JP" altLang="en-US" sz="1200" dirty="0">
+                <a:solidFill>
+                  <a:schemeClr val="tx1"/>
+                </a:solidFill>
+                <a:latin typeface="+mn-ea"/>
+              </a:rPr>
+              <a:t>・</a:t>
+            </a:r>
+            <a:r>
+              <a:rPr kumimoji="1" lang="en-US" altLang="ja-JP" sz="1200" dirty="0" err="1">
+                <a:solidFill>
+                  <a:schemeClr val="tx1"/>
+                </a:solidFill>
+                <a:latin typeface="+mn-ea"/>
+              </a:rPr>
+              <a:t>Lizmap</a:t>
+            </a:r>
+            <a:endParaRPr kumimoji="1" lang="en-US" altLang="ja-JP" sz="1200" dirty="0">
+              <a:solidFill>
+                <a:schemeClr val="tx1"/>
+              </a:solidFill>
+              <a:latin typeface="+mn-ea"/>
+            </a:endParaRPr>
+          </a:p>
+          <a:p>
+            <a:pPr>
+              <a:lnSpc>
+                <a:spcPct val="130000"/>
+              </a:lnSpc>
+              <a:spcAft>
+                <a:spcPts val="600"/>
+              </a:spcAft>
+            </a:pPr>
+            <a:r>
+              <a:rPr kumimoji="1" lang="ja-JP" altLang="en-US" sz="1200" dirty="0">
+                <a:solidFill>
+                  <a:schemeClr val="tx1"/>
+                </a:solidFill>
+                <a:latin typeface="+mn-ea"/>
+              </a:rPr>
+              <a:t>　　</a:t>
+            </a:r>
+            <a:r>
+              <a:rPr kumimoji="1" lang="en-US" altLang="ja-JP" sz="1200" dirty="0" err="1">
+                <a:solidFill>
+                  <a:schemeClr val="tx1"/>
+                </a:solidFill>
+                <a:latin typeface="+mn-ea"/>
+              </a:rPr>
+              <a:t>Lizmap</a:t>
+            </a:r>
+            <a:r>
+              <a:rPr kumimoji="1" lang="ja-JP" altLang="en-US" sz="1200" dirty="0">
+                <a:solidFill>
+                  <a:schemeClr val="tx1"/>
+                </a:solidFill>
+                <a:latin typeface="+mn-ea"/>
+              </a:rPr>
+              <a:t>は、</a:t>
+            </a:r>
+            <a:r>
+              <a:rPr kumimoji="1" lang="en-US" altLang="ja-JP" sz="1200" dirty="0">
+                <a:solidFill>
+                  <a:schemeClr val="tx1"/>
+                </a:solidFill>
+                <a:latin typeface="+mn-ea"/>
+              </a:rPr>
+              <a:t>QGIS</a:t>
+            </a:r>
+            <a:r>
+              <a:rPr kumimoji="1" lang="ja-JP" altLang="en-US" sz="1200" dirty="0">
+                <a:solidFill>
+                  <a:schemeClr val="tx1"/>
+                </a:solidFill>
+                <a:latin typeface="+mn-ea"/>
+              </a:rPr>
+              <a:t>プロジェクトをウェブ上で公開するためのツールです。</a:t>
+            </a:r>
+          </a:p>
+          <a:p>
+            <a:pPr>
+              <a:lnSpc>
+                <a:spcPct val="130000"/>
+              </a:lnSpc>
+              <a:spcAft>
+                <a:spcPts val="600"/>
+              </a:spcAft>
+            </a:pPr>
+            <a:r>
+              <a:rPr kumimoji="1" lang="ja-JP" altLang="en-US" sz="1200" dirty="0">
+                <a:solidFill>
+                  <a:schemeClr val="tx1"/>
+                </a:solidFill>
+                <a:latin typeface="+mn-ea"/>
+              </a:rPr>
+              <a:t>　　主な利用シーン</a:t>
+            </a:r>
+            <a:r>
+              <a:rPr kumimoji="1" lang="en-US" altLang="ja-JP" sz="1200" dirty="0">
+                <a:solidFill>
+                  <a:schemeClr val="tx1"/>
+                </a:solidFill>
+                <a:latin typeface="+mn-ea"/>
+              </a:rPr>
+              <a:t>:</a:t>
+            </a:r>
+            <a:r>
+              <a:rPr kumimoji="1" lang="ja-JP" altLang="en-US" sz="1200" dirty="0">
+                <a:solidFill>
+                  <a:schemeClr val="tx1"/>
+                </a:solidFill>
+                <a:latin typeface="+mn-ea"/>
+              </a:rPr>
+              <a:t>組織内や一般向けの地理情報のオンラインで共有</a:t>
+            </a:r>
+          </a:p>
+          <a:p>
+            <a:pPr>
+              <a:lnSpc>
+                <a:spcPct val="130000"/>
+              </a:lnSpc>
+              <a:spcAft>
+                <a:spcPts val="600"/>
+              </a:spcAft>
+            </a:pPr>
+            <a:r>
+              <a:rPr kumimoji="1" lang="ja-JP" altLang="en-US" sz="1200" dirty="0">
+                <a:solidFill>
+                  <a:schemeClr val="tx1"/>
+                </a:solidFill>
+                <a:latin typeface="+mn-ea"/>
+              </a:rPr>
+              <a:t>・</a:t>
+            </a:r>
+            <a:r>
+              <a:rPr kumimoji="1" lang="en-US" altLang="ja-JP" sz="1200" dirty="0" err="1">
+                <a:solidFill>
+                  <a:schemeClr val="tx1"/>
+                </a:solidFill>
+                <a:latin typeface="+mn-ea"/>
+              </a:rPr>
+              <a:t>QField</a:t>
+            </a:r>
+            <a:endParaRPr kumimoji="1" lang="en-US" altLang="ja-JP" sz="1200" dirty="0">
+              <a:solidFill>
+                <a:schemeClr val="tx1"/>
+              </a:solidFill>
+              <a:latin typeface="+mn-ea"/>
+            </a:endParaRPr>
+          </a:p>
+          <a:p>
+            <a:pPr>
+              <a:lnSpc>
+                <a:spcPct val="130000"/>
+              </a:lnSpc>
+              <a:spcAft>
+                <a:spcPts val="600"/>
+              </a:spcAft>
+            </a:pPr>
+            <a:r>
+              <a:rPr kumimoji="1" lang="ja-JP" altLang="en-US" sz="1200" dirty="0">
+                <a:solidFill>
+                  <a:schemeClr val="tx1"/>
+                </a:solidFill>
+                <a:latin typeface="+mn-ea"/>
+              </a:rPr>
+              <a:t>　　</a:t>
+            </a:r>
+            <a:r>
+              <a:rPr kumimoji="1" lang="en-US" altLang="ja-JP" sz="1200" dirty="0" err="1">
+                <a:solidFill>
+                  <a:schemeClr val="tx1"/>
+                </a:solidFill>
+                <a:latin typeface="+mn-ea"/>
+              </a:rPr>
+              <a:t>QField</a:t>
+            </a:r>
+            <a:r>
+              <a:rPr kumimoji="1" lang="ja-JP" altLang="en-US" sz="1200" dirty="0">
+                <a:solidFill>
+                  <a:schemeClr val="tx1"/>
+                </a:solidFill>
+                <a:latin typeface="+mn-ea"/>
+              </a:rPr>
+              <a:t>は、フィールドワーク用に設計されたモバイル</a:t>
+            </a:r>
+            <a:r>
+              <a:rPr kumimoji="1" lang="en-US" altLang="ja-JP" sz="1200" dirty="0">
+                <a:solidFill>
+                  <a:schemeClr val="tx1"/>
+                </a:solidFill>
+                <a:latin typeface="+mn-ea"/>
+              </a:rPr>
+              <a:t>GIS</a:t>
+            </a:r>
+            <a:r>
+              <a:rPr kumimoji="1" lang="ja-JP" altLang="en-US" sz="1200" dirty="0">
+                <a:solidFill>
+                  <a:schemeClr val="tx1"/>
+                </a:solidFill>
+                <a:latin typeface="+mn-ea"/>
+              </a:rPr>
+              <a:t>アプリケーションです。</a:t>
+            </a:r>
+          </a:p>
+          <a:p>
+            <a:pPr>
+              <a:lnSpc>
+                <a:spcPct val="130000"/>
+              </a:lnSpc>
+              <a:spcAft>
+                <a:spcPts val="600"/>
+              </a:spcAft>
+            </a:pPr>
+            <a:r>
+              <a:rPr kumimoji="1" lang="ja-JP" altLang="en-US" sz="1200" dirty="0">
+                <a:solidFill>
+                  <a:schemeClr val="tx1"/>
+                </a:solidFill>
+                <a:latin typeface="+mn-ea"/>
+              </a:rPr>
+              <a:t>　　主な利用シーン</a:t>
+            </a:r>
+            <a:r>
+              <a:rPr kumimoji="1" lang="en-US" altLang="ja-JP" sz="1200" dirty="0">
+                <a:solidFill>
+                  <a:schemeClr val="tx1"/>
+                </a:solidFill>
+                <a:latin typeface="+mn-ea"/>
+              </a:rPr>
+              <a:t>:</a:t>
+            </a:r>
+            <a:r>
+              <a:rPr kumimoji="1" lang="ja-JP" altLang="en-US" sz="1200" dirty="0">
+                <a:solidFill>
+                  <a:schemeClr val="tx1"/>
+                </a:solidFill>
+                <a:latin typeface="+mn-ea"/>
+              </a:rPr>
+              <a:t>　現地でのデータ収集と編集、オフラインでの地図閲覧と作業、</a:t>
+            </a:r>
+            <a:r>
+              <a:rPr kumimoji="1" lang="en-US" altLang="ja-JP" sz="1200" dirty="0">
+                <a:solidFill>
+                  <a:schemeClr val="tx1"/>
+                </a:solidFill>
+                <a:latin typeface="+mn-ea"/>
+              </a:rPr>
+              <a:t>GPS</a:t>
+            </a:r>
+            <a:r>
+              <a:rPr kumimoji="1" lang="ja-JP" altLang="en-US" sz="1200" dirty="0">
+                <a:solidFill>
+                  <a:schemeClr val="tx1"/>
+                </a:solidFill>
+                <a:latin typeface="+mn-ea"/>
+              </a:rPr>
+              <a:t>を使用した位置情報の記録、写真やメモの追加、収集したデータ</a:t>
+            </a:r>
+            <a:endParaRPr kumimoji="1" lang="en-US" altLang="ja-JP" sz="1200" dirty="0">
+              <a:solidFill>
+                <a:schemeClr val="tx1"/>
+              </a:solidFill>
+              <a:latin typeface="+mn-ea"/>
+            </a:endParaRPr>
+          </a:p>
+          <a:p>
+            <a:pPr>
+              <a:lnSpc>
+                <a:spcPct val="130000"/>
+              </a:lnSpc>
+              <a:spcAft>
+                <a:spcPts val="600"/>
+              </a:spcAft>
+            </a:pPr>
+            <a:r>
+              <a:rPr kumimoji="1" lang="ja-JP" altLang="en-US" sz="1200" dirty="0">
+                <a:solidFill>
+                  <a:schemeClr val="tx1"/>
+                </a:solidFill>
+                <a:latin typeface="+mn-ea"/>
+              </a:rPr>
+              <a:t>　の</a:t>
+            </a:r>
+            <a:r>
+              <a:rPr kumimoji="1" lang="en-US" altLang="ja-JP" sz="1200" dirty="0">
+                <a:solidFill>
+                  <a:schemeClr val="tx1"/>
+                </a:solidFill>
+                <a:latin typeface="+mn-ea"/>
+              </a:rPr>
+              <a:t>QGIS</a:t>
+            </a:r>
+            <a:r>
+              <a:rPr kumimoji="1" lang="ja-JP" altLang="en-US" sz="1200" dirty="0">
+                <a:solidFill>
+                  <a:schemeClr val="tx1"/>
+                </a:solidFill>
+                <a:latin typeface="+mn-ea"/>
+              </a:rPr>
+              <a:t>との同期</a:t>
+            </a:r>
+          </a:p>
+          <a:p>
+            <a:pPr>
+              <a:lnSpc>
+                <a:spcPct val="130000"/>
+              </a:lnSpc>
+              <a:spcAft>
+                <a:spcPts val="600"/>
+              </a:spcAft>
+            </a:pPr>
+            <a:r>
+              <a:rPr kumimoji="1" lang="ja-JP" altLang="en-US" sz="1200" dirty="0">
+                <a:solidFill>
+                  <a:schemeClr val="tx1"/>
+                </a:solidFill>
+                <a:latin typeface="+mn-ea"/>
+              </a:rPr>
+              <a:t>　　</a:t>
+            </a:r>
+            <a:r>
+              <a:rPr kumimoji="1" lang="en-US" altLang="ja-JP" sz="1200" dirty="0" err="1">
+                <a:solidFill>
+                  <a:schemeClr val="tx1"/>
+                </a:solidFill>
+                <a:latin typeface="+mn-ea"/>
+              </a:rPr>
+              <a:t>QField</a:t>
+            </a:r>
+            <a:r>
+              <a:rPr kumimoji="1" lang="ja-JP" altLang="en-US" sz="1200" dirty="0">
+                <a:solidFill>
+                  <a:schemeClr val="tx1"/>
+                </a:solidFill>
+                <a:latin typeface="+mn-ea"/>
+              </a:rPr>
+              <a:t>は、タブレットやスマートフォンを使用して現場で直接データを収集・編集する際に最適です。</a:t>
+            </a:r>
+            <a:endParaRPr kumimoji="1" lang="en-US" altLang="ja-JP" sz="1200" dirty="0">
+              <a:solidFill>
+                <a:schemeClr val="tx1"/>
+              </a:solidFill>
+              <a:latin typeface="+mn-ea"/>
+            </a:endParaRPr>
+          </a:p>
+          <a:p>
+            <a:pPr>
+              <a:lnSpc>
+                <a:spcPct val="130000"/>
+              </a:lnSpc>
+              <a:spcAft>
+                <a:spcPts val="600"/>
+              </a:spcAft>
+            </a:pPr>
+            <a:endParaRPr kumimoji="1" lang="ja-JP" altLang="en-US" sz="1200" dirty="0">
+              <a:solidFill>
+                <a:schemeClr val="tx1"/>
+              </a:solidFill>
+              <a:latin typeface="+mn-ea"/>
+            </a:endParaRPr>
+          </a:p>
+          <a:p>
+            <a:pPr>
+              <a:lnSpc>
+                <a:spcPct val="130000"/>
+              </a:lnSpc>
+              <a:spcAft>
+                <a:spcPts val="600"/>
+              </a:spcAft>
+            </a:pPr>
+            <a:r>
+              <a:rPr kumimoji="1" lang="ja-JP" altLang="en-US" sz="1200" dirty="0">
+                <a:solidFill>
+                  <a:schemeClr val="tx1"/>
+                </a:solidFill>
+                <a:latin typeface="+mn-ea"/>
+              </a:rPr>
+              <a:t>　</a:t>
+            </a:r>
+            <a:r>
+              <a:rPr kumimoji="1" lang="ja-JP" altLang="en-US" sz="1200" dirty="0">
+                <a:solidFill>
+                  <a:srgbClr val="FF0000"/>
+                </a:solidFill>
+                <a:latin typeface="+mn-ea"/>
+              </a:rPr>
+              <a:t>　</a:t>
+            </a:r>
+            <a:r>
+              <a:rPr kumimoji="1" lang="ja-JP" altLang="en-US" sz="1600" dirty="0">
+                <a:solidFill>
+                  <a:srgbClr val="FF0000"/>
+                </a:solidFill>
+                <a:latin typeface="+mn-ea"/>
+              </a:rPr>
+              <a:t>これら</a:t>
+            </a:r>
+            <a:r>
+              <a:rPr kumimoji="1" lang="en-US" altLang="ja-JP" sz="1600" dirty="0">
+                <a:solidFill>
+                  <a:srgbClr val="FF0000"/>
+                </a:solidFill>
+                <a:latin typeface="+mn-ea"/>
+              </a:rPr>
+              <a:t>3</a:t>
+            </a:r>
+            <a:r>
+              <a:rPr kumimoji="1" lang="ja-JP" altLang="en-US" sz="1600" dirty="0">
+                <a:solidFill>
+                  <a:srgbClr val="FF0000"/>
+                </a:solidFill>
+                <a:latin typeface="+mn-ea"/>
+              </a:rPr>
+              <a:t>つのツールを組み合わせることで、デスクトップでの地図作成</a:t>
+            </a:r>
+            <a:r>
+              <a:rPr kumimoji="1" lang="en-US" altLang="ja-JP" sz="1600" dirty="0">
+                <a:solidFill>
+                  <a:srgbClr val="FF0000"/>
+                </a:solidFill>
+                <a:latin typeface="+mn-ea"/>
+              </a:rPr>
+              <a:t>(QGIS)</a:t>
+            </a:r>
+            <a:r>
+              <a:rPr kumimoji="1" lang="ja-JP" altLang="en-US" sz="1600" dirty="0">
+                <a:solidFill>
+                  <a:srgbClr val="FF0000"/>
+                </a:solidFill>
+                <a:latin typeface="+mn-ea"/>
+              </a:rPr>
+              <a:t>、ウェブでの公開</a:t>
+            </a:r>
+            <a:r>
+              <a:rPr kumimoji="1" lang="en-US" altLang="ja-JP" sz="1600" dirty="0">
+                <a:solidFill>
+                  <a:srgbClr val="FF0000"/>
+                </a:solidFill>
+                <a:latin typeface="+mn-ea"/>
+              </a:rPr>
+              <a:t>(</a:t>
+            </a:r>
+            <a:r>
+              <a:rPr kumimoji="1" lang="en-US" altLang="ja-JP" sz="1600" dirty="0" err="1">
+                <a:solidFill>
+                  <a:srgbClr val="FF0000"/>
+                </a:solidFill>
+                <a:latin typeface="+mn-ea"/>
+              </a:rPr>
+              <a:t>Lizmap</a:t>
+            </a:r>
+            <a:r>
+              <a:rPr kumimoji="1" lang="en-US" altLang="ja-JP" sz="1600" dirty="0">
+                <a:solidFill>
+                  <a:srgbClr val="FF0000"/>
+                </a:solidFill>
+                <a:latin typeface="+mn-ea"/>
+              </a:rPr>
+              <a:t>)</a:t>
+            </a:r>
+            <a:r>
+              <a:rPr kumimoji="1" lang="ja-JP" altLang="en-US" sz="1600" dirty="0">
+                <a:solidFill>
+                  <a:srgbClr val="FF0000"/>
+                </a:solidFill>
+                <a:latin typeface="+mn-ea"/>
+              </a:rPr>
+              <a:t>、</a:t>
+            </a:r>
+            <a:endParaRPr kumimoji="1" lang="en-US" altLang="ja-JP" sz="1600" dirty="0">
+              <a:solidFill>
+                <a:srgbClr val="FF0000"/>
+              </a:solidFill>
+              <a:latin typeface="+mn-ea"/>
+            </a:endParaRPr>
+          </a:p>
+          <a:p>
+            <a:pPr>
+              <a:lnSpc>
+                <a:spcPct val="130000"/>
+              </a:lnSpc>
+              <a:spcAft>
+                <a:spcPts val="600"/>
+              </a:spcAft>
+            </a:pPr>
+            <a:r>
+              <a:rPr kumimoji="1" lang="ja-JP" altLang="en-US" sz="1600" dirty="0">
+                <a:solidFill>
+                  <a:srgbClr val="FF0000"/>
+                </a:solidFill>
+                <a:latin typeface="+mn-ea"/>
+              </a:rPr>
+              <a:t>現場でのデータ収集</a:t>
+            </a:r>
+            <a:r>
+              <a:rPr kumimoji="1" lang="en-US" altLang="ja-JP" sz="1600" dirty="0">
+                <a:solidFill>
+                  <a:srgbClr val="FF0000"/>
+                </a:solidFill>
+                <a:latin typeface="+mn-ea"/>
+              </a:rPr>
+              <a:t>(</a:t>
+            </a:r>
+            <a:r>
+              <a:rPr kumimoji="1" lang="en-US" altLang="ja-JP" sz="1600" dirty="0" err="1">
+                <a:solidFill>
+                  <a:srgbClr val="FF0000"/>
+                </a:solidFill>
+                <a:latin typeface="+mn-ea"/>
+              </a:rPr>
+              <a:t>QField</a:t>
+            </a:r>
+            <a:r>
+              <a:rPr kumimoji="1" lang="en-US" altLang="ja-JP" sz="1600" dirty="0">
+                <a:solidFill>
+                  <a:srgbClr val="FF0000"/>
+                </a:solidFill>
+                <a:latin typeface="+mn-ea"/>
+              </a:rPr>
+              <a:t>)</a:t>
+            </a:r>
+            <a:r>
+              <a:rPr kumimoji="1" lang="ja-JP" altLang="en-US" sz="1600" dirty="0">
+                <a:solidFill>
+                  <a:srgbClr val="FF0000"/>
+                </a:solidFill>
+                <a:latin typeface="+mn-ea"/>
+              </a:rPr>
+              <a:t>という、</a:t>
+            </a:r>
+            <a:r>
+              <a:rPr kumimoji="1" lang="en-US" altLang="ja-JP" sz="1600" dirty="0">
+                <a:solidFill>
+                  <a:srgbClr val="FF0000"/>
+                </a:solidFill>
+                <a:latin typeface="+mn-ea"/>
+              </a:rPr>
+              <a:t>GIS</a:t>
+            </a:r>
+            <a:r>
+              <a:rPr kumimoji="1" lang="ja-JP" altLang="en-US" sz="1600" dirty="0">
+                <a:solidFill>
+                  <a:srgbClr val="FF0000"/>
+                </a:solidFill>
+                <a:latin typeface="+mn-ea"/>
+              </a:rPr>
+              <a:t>ワークフローの全段階をカバーすることができます。</a:t>
+            </a:r>
+          </a:p>
+        </p:txBody>
+      </p:sp>
+    </p:spTree>
+    <p:extLst>
+      <p:ext uri="{BB962C8B-B14F-4D97-AF65-F5344CB8AC3E}">
+        <p14:creationId xmlns:p14="http://schemas.microsoft.com/office/powerpoint/2010/main" val="2505795995"/>
+      </p:ext>
+    </p:extLst>
+  </p:cSld>
+  <p:clrMapOvr>
+    <a:masterClrMapping/>
+  </p:clrMapOvr>
+  <mc:AlternateContent xmlns:mc="http://schemas.openxmlformats.org/markup-compatibility/2006" xmlns:p14="http://schemas.microsoft.com/office/powerpoint/2010/main">
+    <mc:Choice Requires="p14">
+      <p:transition spd="slow" p14:dur="15000"/>
+    </mc:Choice>
+    <mc:Fallback xmlns="">
+      <p:transition spd="slow"/>
+    </mc:Fallback>
+  </mc:AlternateContent>
+</p:sld>
+</file>
+
+<file path=ppt/slides/slide3.xml><?xml version="1.0" encoding="utf-8"?>
+<p:sld xmlns:a="http://schemas.openxmlformats.org/drawingml/2006/main" xmlns:r="http://schemas.openxmlformats.org/officeDocument/2006/relationships" xmlns:p="http://schemas.openxmlformats.org/presentationml/2006/main">
+  <p:cSld>
+    <p:spTree>
+      <p:nvGrpSpPr>
+        <p:cNvPr id="1" name=""/>
+        <p:cNvGrpSpPr/>
+        <p:nvPr/>
+      </p:nvGrpSpPr>
+      <p:grpSpPr>
+        <a:xfrm>
+          <a:off x="0" y="0"/>
+          <a:ext cx="0" cy="0"/>
+          <a:chOff x="0" y="0"/>
+          <a:chExt cx="0" cy="0"/>
+        </a:xfrm>
+      </p:grpSpPr>
+      <p:sp>
+        <p:nvSpPr>
+          <p:cNvPr id="19" name="テキスト ボックス 18">
+            <a:extLst>
+              <a:ext uri="{FF2B5EF4-FFF2-40B4-BE49-F238E27FC236}">
+                <a16:creationId xmlns:a16="http://schemas.microsoft.com/office/drawing/2014/main" id="{9F3BD11D-CD5E-2E06-C669-B02C3D85792D}"/>
+              </a:ext>
+            </a:extLst>
+          </p:cNvPr>
+          <p:cNvSpPr txBox="1"/>
+          <p:nvPr/>
+        </p:nvSpPr>
+        <p:spPr>
+          <a:xfrm>
+            <a:off x="3239869" y="27372"/>
+            <a:ext cx="5182929" cy="769441"/>
+          </a:xfrm>
+          <a:prstGeom prst="rect">
+            <a:avLst/>
+          </a:prstGeom>
+          <a:noFill/>
+          <a:ln>
+            <a:noFill/>
+          </a:ln>
+        </p:spPr>
+        <p:txBody>
+          <a:bodyPr wrap="square" rtlCol="0">
+            <a:spAutoFit/>
+          </a:bodyPr>
+          <a:lstStyle/>
+          <a:p>
+            <a:pPr algn="ctr">
+              <a:lnSpc>
+                <a:spcPct val="150000"/>
+              </a:lnSpc>
+            </a:pPr>
+            <a:r>
+              <a:rPr lang="en-US" altLang="ja-JP" sz="3200" b="1" i="0" u="sng" strike="noStrike" dirty="0">
+                <a:solidFill>
+                  <a:srgbClr val="00B0F0"/>
+                </a:solidFill>
+                <a:effectLst/>
+                <a:highlight>
+                  <a:srgbClr val="FFFFFF"/>
+                </a:highlight>
+                <a:latin typeface="-apple-system"/>
+              </a:rPr>
+              <a:t>QGIS</a:t>
+            </a:r>
+            <a:r>
+              <a:rPr lang="ja-JP" altLang="en-US" sz="3200" b="1" i="0" u="sng" strike="noStrike" dirty="0">
+                <a:solidFill>
+                  <a:srgbClr val="00B0F0"/>
+                </a:solidFill>
+                <a:effectLst/>
+                <a:highlight>
+                  <a:srgbClr val="FFFFFF"/>
+                </a:highlight>
+                <a:latin typeface="-apple-system"/>
+              </a:rPr>
+              <a:t>機能概要</a:t>
+            </a:r>
+            <a:endParaRPr lang="ja-JP" altLang="en-US" sz="3200" b="1" i="0" u="sng" dirty="0">
+              <a:solidFill>
+                <a:srgbClr val="00B0F0"/>
+              </a:solidFill>
+              <a:effectLst/>
+              <a:highlight>
+                <a:srgbClr val="FFFFFF"/>
+              </a:highlight>
+              <a:latin typeface="-apple-system"/>
+            </a:endParaRPr>
+          </a:p>
+        </p:txBody>
+      </p:sp>
+      <p:grpSp>
+        <p:nvGrpSpPr>
+          <p:cNvPr id="25" name="グループ化 24">
+            <a:extLst>
+              <a:ext uri="{FF2B5EF4-FFF2-40B4-BE49-F238E27FC236}">
+                <a16:creationId xmlns:a16="http://schemas.microsoft.com/office/drawing/2014/main" id="{9CBF002C-EB00-FCA5-955E-34DCD65F4EDE}"/>
+              </a:ext>
+            </a:extLst>
+          </p:cNvPr>
+          <p:cNvGrpSpPr/>
+          <p:nvPr/>
+        </p:nvGrpSpPr>
+        <p:grpSpPr>
+          <a:xfrm>
+            <a:off x="3763853" y="806542"/>
+            <a:ext cx="4601475" cy="2919494"/>
+            <a:chOff x="4211224" y="784513"/>
+            <a:chExt cx="4601475" cy="2919494"/>
+          </a:xfrm>
+        </p:grpSpPr>
+        <p:grpSp>
+          <p:nvGrpSpPr>
+            <p:cNvPr id="26" name="グループ化 25">
+              <a:extLst>
+                <a:ext uri="{FF2B5EF4-FFF2-40B4-BE49-F238E27FC236}">
+                  <a16:creationId xmlns:a16="http://schemas.microsoft.com/office/drawing/2014/main" id="{2FA5D548-DEDB-B8EE-C75C-4016AB4BA140}"/>
+                </a:ext>
+              </a:extLst>
+            </p:cNvPr>
+            <p:cNvGrpSpPr/>
+            <p:nvPr/>
+          </p:nvGrpSpPr>
+          <p:grpSpPr>
+            <a:xfrm>
+              <a:off x="4211224" y="988542"/>
+              <a:ext cx="4601475" cy="2715465"/>
+              <a:chOff x="5420650" y="1403020"/>
+              <a:chExt cx="4601475" cy="2715465"/>
+            </a:xfrm>
+          </p:grpSpPr>
+          <p:sp>
+            <p:nvSpPr>
+              <p:cNvPr id="29" name="四角形: 角を丸くする 28">
+                <a:extLst>
+                  <a:ext uri="{FF2B5EF4-FFF2-40B4-BE49-F238E27FC236}">
+                    <a16:creationId xmlns:a16="http://schemas.microsoft.com/office/drawing/2014/main" id="{619146C5-505C-3EA5-3FC2-09474BAB445E}"/>
+                  </a:ext>
+                </a:extLst>
+              </p:cNvPr>
+              <p:cNvSpPr/>
+              <p:nvPr/>
+            </p:nvSpPr>
+            <p:spPr>
+              <a:xfrm>
+                <a:off x="5420650" y="1403020"/>
+                <a:ext cx="4238094" cy="2397611"/>
+              </a:xfrm>
+              <a:prstGeom prst="roundRect">
+                <a:avLst>
+                  <a:gd name="adj" fmla="val 19858"/>
+                </a:avLst>
+              </a:prstGeom>
+              <a:noFill/>
+              <a:ln w="63500">
+                <a:solidFill>
+                  <a:srgbClr val="FF0000"/>
+                </a:solidFill>
+              </a:ln>
+              <a:effectLst/>
+            </p:spPr>
+            <p:style>
+              <a:lnRef idx="2">
+                <a:schemeClr val="accent3"/>
+              </a:lnRef>
+              <a:fillRef idx="1">
+                <a:schemeClr val="lt1"/>
+              </a:fillRef>
+              <a:effectRef idx="0">
+                <a:schemeClr val="accent3"/>
+              </a:effectRef>
+              <a:fontRef idx="minor">
+                <a:schemeClr val="dk1"/>
+              </a:fontRef>
+            </p:style>
+            <p:txBody>
+              <a:bodyPr rtlCol="0" anchor="ctr"/>
+              <a:lstStyle/>
+              <a:p>
+                <a:pPr algn="ctr">
+                  <a:lnSpc>
+                    <a:spcPct val="130000"/>
+                  </a:lnSpc>
+                  <a:spcAft>
+                    <a:spcPts val="600"/>
+                  </a:spcAft>
+                </a:pPr>
+                <a:endParaRPr kumimoji="1" lang="en-US" altLang="ja-JP" sz="1600" dirty="0">
+                  <a:solidFill>
+                    <a:schemeClr val="tx1"/>
+                  </a:solidFill>
+                  <a:latin typeface="+mn-ea"/>
+                </a:endParaRPr>
+              </a:p>
+              <a:p>
+                <a:pPr algn="ctr">
+                  <a:lnSpc>
+                    <a:spcPct val="130000"/>
+                  </a:lnSpc>
+                  <a:spcAft>
+                    <a:spcPts val="600"/>
+                  </a:spcAft>
+                </a:pPr>
+                <a:r>
+                  <a:rPr kumimoji="1" lang="ja-JP" altLang="en-US" sz="1600" dirty="0">
+                    <a:solidFill>
+                      <a:schemeClr val="tx1"/>
+                    </a:solidFill>
+                    <a:latin typeface="+mn-ea"/>
+                  </a:rPr>
+                  <a:t>エクセル・</a:t>
+                </a:r>
+                <a:r>
+                  <a:rPr kumimoji="1" lang="en-US" altLang="ja-JP" sz="1600" dirty="0">
+                    <a:solidFill>
+                      <a:schemeClr val="tx1"/>
+                    </a:solidFill>
+                    <a:latin typeface="+mn-ea"/>
+                  </a:rPr>
+                  <a:t>BI</a:t>
+                </a:r>
+                <a:r>
+                  <a:rPr kumimoji="1" lang="ja-JP" altLang="en-US" sz="1600" dirty="0">
+                    <a:solidFill>
+                      <a:schemeClr val="tx1"/>
+                    </a:solidFill>
+                    <a:latin typeface="+mn-ea"/>
+                  </a:rPr>
+                  <a:t>ツールとのデータ連携</a:t>
+                </a:r>
+                <a:endParaRPr kumimoji="1" lang="en-US" altLang="ja-JP" sz="1600" dirty="0">
+                  <a:solidFill>
+                    <a:schemeClr val="tx1"/>
+                  </a:solidFill>
+                  <a:latin typeface="+mn-ea"/>
+                </a:endParaRPr>
+              </a:p>
+              <a:p>
+                <a:pPr algn="ctr">
+                  <a:lnSpc>
+                    <a:spcPct val="130000"/>
+                  </a:lnSpc>
+                  <a:spcAft>
+                    <a:spcPts val="600"/>
+                  </a:spcAft>
+                </a:pPr>
+                <a:r>
+                  <a:rPr kumimoji="1" lang="ja-JP" altLang="en-US" sz="2800" dirty="0">
+                    <a:solidFill>
+                      <a:srgbClr val="FF0000"/>
+                    </a:solidFill>
+                    <a:latin typeface="+mn-ea"/>
+                  </a:rPr>
+                  <a:t>各部署の</a:t>
+                </a:r>
+                <a:r>
+                  <a:rPr kumimoji="1" lang="en-US" altLang="ja-JP" sz="2800" dirty="0">
+                    <a:solidFill>
+                      <a:srgbClr val="FF0000"/>
+                    </a:solidFill>
+                    <a:latin typeface="+mn-ea"/>
+                  </a:rPr>
+                  <a:t>DX</a:t>
+                </a:r>
+                <a:r>
+                  <a:rPr kumimoji="1" lang="ja-JP" altLang="en-US" sz="2800" dirty="0">
+                    <a:solidFill>
+                      <a:srgbClr val="FF0000"/>
+                    </a:solidFill>
+                    <a:latin typeface="+mn-ea"/>
+                  </a:rPr>
+                  <a:t>推進</a:t>
+                </a:r>
+                <a:endParaRPr kumimoji="1" lang="en-US" altLang="ja-JP" sz="2000" dirty="0">
+                  <a:solidFill>
+                    <a:srgbClr val="FF0000"/>
+                  </a:solidFill>
+                  <a:latin typeface="+mn-ea"/>
+                </a:endParaRPr>
+              </a:p>
+              <a:p>
+                <a:pPr algn="ctr">
+                  <a:lnSpc>
+                    <a:spcPct val="130000"/>
+                  </a:lnSpc>
+                  <a:spcAft>
+                    <a:spcPts val="600"/>
+                  </a:spcAft>
+                </a:pPr>
+                <a:endParaRPr kumimoji="1" lang="en-US" altLang="ja-JP" sz="2000" dirty="0">
+                  <a:solidFill>
+                    <a:srgbClr val="FF0000"/>
+                  </a:solidFill>
+                  <a:latin typeface="+mn-ea"/>
+                </a:endParaRPr>
+              </a:p>
+              <a:p>
+                <a:pPr algn="ctr">
+                  <a:lnSpc>
+                    <a:spcPct val="130000"/>
+                  </a:lnSpc>
+                  <a:spcAft>
+                    <a:spcPts val="600"/>
+                  </a:spcAft>
+                </a:pPr>
+                <a:endParaRPr kumimoji="1" lang="ja-JP" altLang="en-US" sz="2000" dirty="0">
+                  <a:solidFill>
+                    <a:srgbClr val="FF0000"/>
+                  </a:solidFill>
+                  <a:latin typeface="+mn-ea"/>
+                </a:endParaRPr>
+              </a:p>
+            </p:txBody>
+          </p:sp>
+          <p:sp>
+            <p:nvSpPr>
+              <p:cNvPr id="30" name="四角形: 角を丸くする 29">
+                <a:extLst>
+                  <a:ext uri="{FF2B5EF4-FFF2-40B4-BE49-F238E27FC236}">
+                    <a16:creationId xmlns:a16="http://schemas.microsoft.com/office/drawing/2014/main" id="{A02D43AB-FC74-C6C6-44FE-D3248AEB8E9E}"/>
+                  </a:ext>
+                </a:extLst>
+              </p:cNvPr>
+              <p:cNvSpPr/>
+              <p:nvPr/>
+            </p:nvSpPr>
+            <p:spPr>
+              <a:xfrm>
+                <a:off x="9238013" y="3090805"/>
+                <a:ext cx="784112" cy="1027680"/>
+              </a:xfrm>
+              <a:prstGeom prst="roundRect">
+                <a:avLst>
+                  <a:gd name="adj" fmla="val 24007"/>
+                </a:avLst>
+              </a:prstGeom>
+              <a:ln>
+                <a:solidFill>
+                  <a:srgbClr val="FF0000"/>
+                </a:solidFill>
+              </a:ln>
+              <a:effectLst>
+                <a:outerShdw blurRad="50800" dist="38100" dir="2700000" algn="tl" rotWithShape="0">
+                  <a:prstClr val="black">
+                    <a:alpha val="40000"/>
+                  </a:prstClr>
+                </a:outerShdw>
+              </a:effectLst>
+            </p:spPr>
+            <p:style>
+              <a:lnRef idx="2">
+                <a:schemeClr val="accent3"/>
+              </a:lnRef>
+              <a:fillRef idx="1">
+                <a:schemeClr val="lt1"/>
+              </a:fillRef>
+              <a:effectRef idx="0">
+                <a:schemeClr val="accent3"/>
+              </a:effectRef>
+              <a:fontRef idx="minor">
+                <a:schemeClr val="dk1"/>
+              </a:fontRef>
+            </p:style>
+            <p:txBody>
+              <a:bodyPr rtlCol="0" anchor="ctr"/>
+              <a:lstStyle/>
+              <a:p>
+                <a:pPr algn="ctr">
+                  <a:lnSpc>
+                    <a:spcPct val="130000"/>
+                  </a:lnSpc>
+                  <a:spcAft>
+                    <a:spcPts val="600"/>
+                  </a:spcAft>
+                </a:pPr>
+                <a:r>
+                  <a:rPr kumimoji="1" lang="ja-JP" altLang="en-US" sz="1200" dirty="0">
+                    <a:solidFill>
+                      <a:schemeClr val="tx1"/>
+                    </a:solidFill>
+                    <a:latin typeface="+mn-ea"/>
+                  </a:rPr>
+                  <a:t>参照</a:t>
+                </a:r>
+                <a:endParaRPr kumimoji="1" lang="en-US" altLang="ja-JP" sz="1200" dirty="0">
+                  <a:solidFill>
+                    <a:schemeClr val="tx1"/>
+                  </a:solidFill>
+                  <a:latin typeface="+mn-ea"/>
+                </a:endParaRPr>
+              </a:p>
+              <a:p>
+                <a:pPr algn="ctr">
+                  <a:lnSpc>
+                    <a:spcPct val="130000"/>
+                  </a:lnSpc>
+                  <a:spcAft>
+                    <a:spcPts val="600"/>
+                  </a:spcAft>
+                </a:pPr>
+                <a:r>
+                  <a:rPr kumimoji="1" lang="ja-JP" altLang="en-US" sz="1200" dirty="0">
+                    <a:solidFill>
+                      <a:schemeClr val="tx1"/>
+                    </a:solidFill>
+                    <a:latin typeface="+mn-ea"/>
+                  </a:rPr>
+                  <a:t>編集</a:t>
+                </a:r>
+                <a:endParaRPr kumimoji="1" lang="en-US" altLang="ja-JP" sz="1200" dirty="0">
+                  <a:solidFill>
+                    <a:schemeClr val="tx1"/>
+                  </a:solidFill>
+                  <a:latin typeface="+mn-ea"/>
+                </a:endParaRPr>
+              </a:p>
+              <a:p>
+                <a:pPr algn="ctr">
+                  <a:lnSpc>
+                    <a:spcPct val="130000"/>
+                  </a:lnSpc>
+                  <a:spcAft>
+                    <a:spcPts val="600"/>
+                  </a:spcAft>
+                </a:pPr>
+                <a:r>
+                  <a:rPr kumimoji="1" lang="ja-JP" altLang="en-US" sz="1200" dirty="0">
+                    <a:solidFill>
+                      <a:schemeClr val="tx1"/>
+                    </a:solidFill>
+                    <a:latin typeface="+mn-ea"/>
+                  </a:rPr>
+                  <a:t>解析</a:t>
+                </a:r>
+              </a:p>
+            </p:txBody>
+          </p:sp>
+        </p:grpSp>
+        <p:sp>
+          <p:nvSpPr>
+            <p:cNvPr id="27" name="四角形: 角を丸くする 26">
+              <a:extLst>
+                <a:ext uri="{FF2B5EF4-FFF2-40B4-BE49-F238E27FC236}">
+                  <a16:creationId xmlns:a16="http://schemas.microsoft.com/office/drawing/2014/main" id="{C55EE6F1-AC51-9D1C-7C6E-145C599C563E}"/>
+                </a:ext>
+              </a:extLst>
+            </p:cNvPr>
+            <p:cNvSpPr/>
+            <p:nvPr/>
+          </p:nvSpPr>
+          <p:spPr>
+            <a:xfrm>
+              <a:off x="4688636" y="784513"/>
+              <a:ext cx="3323169" cy="408057"/>
+            </a:xfrm>
+            <a:prstGeom prst="roundRect">
+              <a:avLst>
+                <a:gd name="adj" fmla="val 50000"/>
+              </a:avLst>
+            </a:prstGeom>
+            <a:ln>
+              <a:solidFill>
+                <a:schemeClr val="tx1"/>
+              </a:solidFill>
+            </a:ln>
+            <a:effectLst>
+              <a:outerShdw blurRad="50800" dist="38100" dir="2700000" algn="tl" rotWithShape="0">
+                <a:prstClr val="black">
+                  <a:alpha val="40000"/>
+                </a:prstClr>
+              </a:outerShdw>
+            </a:effectLst>
+          </p:spPr>
+          <p:style>
+            <a:lnRef idx="2">
+              <a:schemeClr val="accent3"/>
+            </a:lnRef>
+            <a:fillRef idx="1">
+              <a:schemeClr val="lt1"/>
+            </a:fillRef>
+            <a:effectRef idx="0">
+              <a:schemeClr val="accent3"/>
+            </a:effectRef>
+            <a:fontRef idx="minor">
+              <a:schemeClr val="dk1"/>
+            </a:fontRef>
+          </p:style>
+          <p:txBody>
+            <a:bodyPr rtlCol="0" anchor="ctr"/>
+            <a:lstStyle/>
+            <a:p>
+              <a:pPr algn="ctr">
+                <a:lnSpc>
+                  <a:spcPct val="130000"/>
+                </a:lnSpc>
+                <a:spcAft>
+                  <a:spcPts val="600"/>
+                </a:spcAft>
+              </a:pPr>
+              <a:r>
+                <a:rPr kumimoji="1" lang="ja-JP" altLang="en-US" sz="1200" dirty="0">
+                  <a:solidFill>
+                    <a:schemeClr val="tx1"/>
+                  </a:solidFill>
+                  <a:latin typeface="+mn-ea"/>
+                </a:rPr>
+                <a:t>ﾃﾞｽｸﾄｯﾌﾟ：</a:t>
+              </a:r>
+              <a:r>
+                <a:rPr kumimoji="1" lang="en-US" altLang="ja-JP" sz="1200" dirty="0">
+                  <a:solidFill>
+                    <a:schemeClr val="tx1"/>
+                  </a:solidFill>
+                  <a:latin typeface="+mn-ea"/>
+                </a:rPr>
+                <a:t>LGWAN</a:t>
+              </a:r>
+              <a:r>
+                <a:rPr kumimoji="1" lang="ja-JP" altLang="en-US" sz="1200" dirty="0">
+                  <a:solidFill>
+                    <a:schemeClr val="tx1"/>
+                  </a:solidFill>
+                  <a:latin typeface="+mn-ea"/>
+                </a:rPr>
+                <a:t>でも動くポータブル版</a:t>
+              </a:r>
+            </a:p>
+          </p:txBody>
+        </p:sp>
+        <p:pic>
+          <p:nvPicPr>
+            <p:cNvPr id="28" name="グラフィックス 27">
+              <a:extLst>
+                <a:ext uri="{FF2B5EF4-FFF2-40B4-BE49-F238E27FC236}">
+                  <a16:creationId xmlns:a16="http://schemas.microsoft.com/office/drawing/2014/main" id="{AAAB5533-6973-3418-BC6B-CABF1F8F8F7A}"/>
+                </a:ext>
+              </a:extLst>
+            </p:cNvPr>
+            <p:cNvPicPr>
+              <a:picLocks noChangeAspect="1"/>
+            </p:cNvPicPr>
+            <p:nvPr/>
+          </p:nvPicPr>
+          <p:blipFill>
+            <a:blip r:embed="rId3">
+              <a:extLst>
+                <a:ext uri="{96DAC541-7B7A-43D3-8B79-37D633B846F1}">
+                  <asvg:svgBlip xmlns:asvg="http://schemas.microsoft.com/office/drawing/2016/SVG/main" r:embed="rId4"/>
+                </a:ext>
+              </a:extLst>
+            </a:blip>
+            <a:stretch>
+              <a:fillRect/>
+            </a:stretch>
+          </p:blipFill>
+          <p:spPr>
+            <a:xfrm>
+              <a:off x="4785424" y="2090361"/>
+              <a:ext cx="3032863" cy="1451412"/>
+            </a:xfrm>
+            <a:prstGeom prst="rect">
+              <a:avLst/>
+            </a:prstGeom>
+          </p:spPr>
+        </p:pic>
+      </p:grpSp>
+      <p:sp>
+        <p:nvSpPr>
+          <p:cNvPr id="31" name="四角形: 角を丸くする 30">
+            <a:extLst>
+              <a:ext uri="{FF2B5EF4-FFF2-40B4-BE49-F238E27FC236}">
+                <a16:creationId xmlns:a16="http://schemas.microsoft.com/office/drawing/2014/main" id="{CE5B54F8-1548-14DE-57BC-9CC51174F2E0}"/>
+              </a:ext>
+            </a:extLst>
+          </p:cNvPr>
+          <p:cNvSpPr/>
+          <p:nvPr/>
+        </p:nvSpPr>
+        <p:spPr>
+          <a:xfrm>
+            <a:off x="517035" y="465130"/>
+            <a:ext cx="2726303" cy="682824"/>
+          </a:xfrm>
+          <a:prstGeom prst="roundRect">
+            <a:avLst>
+              <a:gd name="adj" fmla="val 24007"/>
+            </a:avLst>
+          </a:prstGeom>
+          <a:ln>
+            <a:solidFill>
+              <a:srgbClr val="FF0000"/>
+            </a:solidFill>
+          </a:ln>
+          <a:effectLst>
+            <a:outerShdw blurRad="50800" dist="38100" dir="2700000" algn="tl" rotWithShape="0">
+              <a:prstClr val="black">
+                <a:alpha val="40000"/>
+              </a:prstClr>
+            </a:outerShdw>
+          </a:effectLst>
+        </p:spPr>
+        <p:style>
+          <a:lnRef idx="2">
+            <a:schemeClr val="accent3"/>
+          </a:lnRef>
+          <a:fillRef idx="1">
+            <a:schemeClr val="lt1"/>
+          </a:fillRef>
+          <a:effectRef idx="0">
+            <a:schemeClr val="accent3"/>
+          </a:effectRef>
+          <a:fontRef idx="minor">
+            <a:schemeClr val="dk1"/>
+          </a:fontRef>
+        </p:style>
+        <p:txBody>
+          <a:bodyPr rtlCol="0" anchor="ctr"/>
+          <a:lstStyle/>
+          <a:p>
+            <a:pPr algn="ctr">
+              <a:lnSpc>
+                <a:spcPct val="130000"/>
+              </a:lnSpc>
+              <a:spcAft>
+                <a:spcPts val="600"/>
+              </a:spcAft>
+            </a:pPr>
+            <a:r>
+              <a:rPr kumimoji="1" lang="en-US" altLang="ja-JP" sz="1200" dirty="0">
+                <a:solidFill>
+                  <a:schemeClr val="tx1"/>
+                </a:solidFill>
+                <a:latin typeface="+mn-ea"/>
+              </a:rPr>
+              <a:t>【</a:t>
+            </a:r>
+            <a:r>
+              <a:rPr kumimoji="1" lang="ja-JP" altLang="en-US" sz="1200" dirty="0">
+                <a:solidFill>
+                  <a:schemeClr val="tx1"/>
+                </a:solidFill>
+                <a:latin typeface="+mn-ea"/>
+              </a:rPr>
+              <a:t>簡易</a:t>
+            </a:r>
+            <a:r>
+              <a:rPr kumimoji="1" lang="en-US" altLang="ja-JP" sz="1200" dirty="0">
+                <a:solidFill>
+                  <a:schemeClr val="tx1"/>
+                </a:solidFill>
+                <a:latin typeface="+mn-ea"/>
+              </a:rPr>
+              <a:t>WEB</a:t>
+            </a:r>
+            <a:r>
+              <a:rPr kumimoji="1" lang="ja-JP" altLang="en-US" sz="1200" dirty="0">
+                <a:solidFill>
+                  <a:schemeClr val="tx1"/>
+                </a:solidFill>
+                <a:latin typeface="+mn-ea"/>
+              </a:rPr>
+              <a:t>・</a:t>
+            </a:r>
+            <a:r>
+              <a:rPr kumimoji="1" lang="en-US" altLang="ja-JP" sz="1200" dirty="0">
+                <a:solidFill>
+                  <a:schemeClr val="tx1"/>
+                </a:solidFill>
+                <a:latin typeface="+mn-ea"/>
+              </a:rPr>
+              <a:t>2D</a:t>
+            </a:r>
+            <a:r>
+              <a:rPr kumimoji="1" lang="ja-JP" altLang="en-US" sz="1200" dirty="0">
+                <a:solidFill>
+                  <a:schemeClr val="tx1"/>
+                </a:solidFill>
+                <a:latin typeface="+mn-ea"/>
+              </a:rPr>
+              <a:t>出力</a:t>
+            </a:r>
+            <a:r>
+              <a:rPr kumimoji="1" lang="en-US" altLang="ja-JP" sz="1200" dirty="0">
+                <a:solidFill>
+                  <a:schemeClr val="tx1"/>
+                </a:solidFill>
+                <a:latin typeface="+mn-ea"/>
+              </a:rPr>
+              <a:t>】</a:t>
+            </a:r>
+          </a:p>
+          <a:p>
+            <a:pPr algn="ctr">
+              <a:lnSpc>
+                <a:spcPct val="130000"/>
+              </a:lnSpc>
+              <a:spcAft>
+                <a:spcPts val="600"/>
+              </a:spcAft>
+            </a:pPr>
+            <a:r>
+              <a:rPr kumimoji="1" lang="en-US" altLang="ja-JP" sz="1200" dirty="0">
+                <a:solidFill>
+                  <a:schemeClr val="tx1"/>
+                </a:solidFill>
+                <a:latin typeface="+mn-ea"/>
+              </a:rPr>
+              <a:t>QGIS2WEB</a:t>
+            </a:r>
+            <a:endParaRPr kumimoji="1" lang="ja-JP" altLang="en-US" sz="1200" dirty="0">
+              <a:solidFill>
+                <a:schemeClr val="tx1"/>
+              </a:solidFill>
+              <a:latin typeface="+mn-ea"/>
+            </a:endParaRPr>
+          </a:p>
+        </p:txBody>
+      </p:sp>
+      <p:sp>
+        <p:nvSpPr>
+          <p:cNvPr id="32" name="四角形: 角を丸くする 31">
+            <a:extLst>
+              <a:ext uri="{FF2B5EF4-FFF2-40B4-BE49-F238E27FC236}">
+                <a16:creationId xmlns:a16="http://schemas.microsoft.com/office/drawing/2014/main" id="{CE5890DC-A4AB-A565-2BA6-E52984E9C8A6}"/>
+              </a:ext>
+            </a:extLst>
+          </p:cNvPr>
+          <p:cNvSpPr/>
+          <p:nvPr/>
+        </p:nvSpPr>
+        <p:spPr>
+          <a:xfrm>
+            <a:off x="8905754" y="473060"/>
+            <a:ext cx="2726303" cy="682824"/>
+          </a:xfrm>
+          <a:prstGeom prst="roundRect">
+            <a:avLst>
+              <a:gd name="adj" fmla="val 24007"/>
+            </a:avLst>
+          </a:prstGeom>
+          <a:ln>
+            <a:solidFill>
+              <a:srgbClr val="FF0000"/>
+            </a:solidFill>
+          </a:ln>
+          <a:effectLst>
+            <a:outerShdw blurRad="50800" dist="38100" dir="2700000" algn="tl" rotWithShape="0">
+              <a:prstClr val="black">
+                <a:alpha val="40000"/>
+              </a:prstClr>
+            </a:outerShdw>
+          </a:effectLst>
+        </p:spPr>
+        <p:style>
+          <a:lnRef idx="2">
+            <a:schemeClr val="accent3"/>
+          </a:lnRef>
+          <a:fillRef idx="1">
+            <a:schemeClr val="lt1"/>
+          </a:fillRef>
+          <a:effectRef idx="0">
+            <a:schemeClr val="accent3"/>
+          </a:effectRef>
+          <a:fontRef idx="minor">
+            <a:schemeClr val="dk1"/>
+          </a:fontRef>
+        </p:style>
+        <p:txBody>
+          <a:bodyPr rtlCol="0" anchor="ctr"/>
+          <a:lstStyle/>
+          <a:p>
+            <a:pPr algn="ctr">
+              <a:lnSpc>
+                <a:spcPct val="130000"/>
+              </a:lnSpc>
+              <a:spcAft>
+                <a:spcPts val="600"/>
+              </a:spcAft>
+            </a:pPr>
+            <a:r>
+              <a:rPr kumimoji="1" lang="en-US" altLang="ja-JP" sz="1200" dirty="0">
+                <a:solidFill>
+                  <a:schemeClr val="tx1"/>
+                </a:solidFill>
+                <a:latin typeface="+mn-ea"/>
+              </a:rPr>
+              <a:t>【</a:t>
+            </a:r>
+            <a:r>
+              <a:rPr kumimoji="1" lang="ja-JP" altLang="en-US" sz="1200" dirty="0">
+                <a:solidFill>
+                  <a:schemeClr val="tx1"/>
+                </a:solidFill>
+                <a:latin typeface="+mn-ea"/>
+              </a:rPr>
+              <a:t>簡易</a:t>
+            </a:r>
+            <a:r>
+              <a:rPr kumimoji="1" lang="en-US" altLang="ja-JP" sz="1200" dirty="0">
+                <a:solidFill>
+                  <a:schemeClr val="tx1"/>
+                </a:solidFill>
+                <a:latin typeface="+mn-ea"/>
+              </a:rPr>
+              <a:t>WEB</a:t>
+            </a:r>
+            <a:r>
+              <a:rPr kumimoji="1" lang="ja-JP" altLang="en-US" sz="1200" dirty="0">
+                <a:solidFill>
+                  <a:schemeClr val="tx1"/>
+                </a:solidFill>
+                <a:latin typeface="+mn-ea"/>
+              </a:rPr>
+              <a:t>・</a:t>
+            </a:r>
+            <a:r>
+              <a:rPr kumimoji="1" lang="en-US" altLang="ja-JP" sz="1200" dirty="0">
+                <a:solidFill>
+                  <a:schemeClr val="tx1"/>
+                </a:solidFill>
+                <a:latin typeface="+mn-ea"/>
+              </a:rPr>
+              <a:t>3D</a:t>
+            </a:r>
+            <a:r>
+              <a:rPr kumimoji="1" lang="ja-JP" altLang="en-US" sz="1200" dirty="0">
+                <a:solidFill>
+                  <a:schemeClr val="tx1"/>
+                </a:solidFill>
+                <a:latin typeface="+mn-ea"/>
+              </a:rPr>
+              <a:t>出力</a:t>
+            </a:r>
+            <a:r>
+              <a:rPr kumimoji="1" lang="en-US" altLang="ja-JP" sz="1200" dirty="0">
+                <a:solidFill>
+                  <a:schemeClr val="tx1"/>
+                </a:solidFill>
+                <a:latin typeface="+mn-ea"/>
+              </a:rPr>
+              <a:t>】</a:t>
+            </a:r>
+          </a:p>
+          <a:p>
+            <a:pPr algn="ctr">
+              <a:lnSpc>
+                <a:spcPct val="130000"/>
+              </a:lnSpc>
+              <a:spcAft>
+                <a:spcPts val="600"/>
+              </a:spcAft>
+            </a:pPr>
+            <a:r>
+              <a:rPr kumimoji="1" lang="en-US" altLang="ja-JP" sz="1200" dirty="0">
+                <a:solidFill>
+                  <a:schemeClr val="tx1"/>
+                </a:solidFill>
+                <a:latin typeface="+mn-ea"/>
+              </a:rPr>
+              <a:t>Qgis2threejs</a:t>
+            </a:r>
+          </a:p>
+        </p:txBody>
+      </p:sp>
+      <p:cxnSp>
+        <p:nvCxnSpPr>
+          <p:cNvPr id="33" name="コネクタ: カギ線 32">
+            <a:extLst>
+              <a:ext uri="{FF2B5EF4-FFF2-40B4-BE49-F238E27FC236}">
+                <a16:creationId xmlns:a16="http://schemas.microsoft.com/office/drawing/2014/main" id="{75F1E23E-9D16-C625-5355-CFDFEFBDFAB4}"/>
+              </a:ext>
+            </a:extLst>
+          </p:cNvPr>
+          <p:cNvCxnSpPr>
+            <a:cxnSpLocks/>
+            <a:stCxn id="29" idx="1"/>
+            <a:endCxn id="31" idx="3"/>
+          </p:cNvCxnSpPr>
+          <p:nvPr/>
+        </p:nvCxnSpPr>
+        <p:spPr>
+          <a:xfrm rot="10800000">
+            <a:off x="3243339" y="806543"/>
+            <a:ext cx="520515" cy="1402835"/>
+          </a:xfrm>
+          <a:prstGeom prst="bentConnector3">
+            <a:avLst>
+              <a:gd name="adj1" fmla="val 50000"/>
+            </a:avLst>
+          </a:prstGeom>
+          <a:ln w="63500">
+            <a:solidFill>
+              <a:schemeClr val="accent4"/>
+            </a:solidFill>
+            <a:headEnd type="triangle"/>
+            <a:tailEnd type="triangle"/>
+          </a:ln>
+        </p:spPr>
+        <p:style>
+          <a:lnRef idx="1">
+            <a:schemeClr val="accent1"/>
+          </a:lnRef>
+          <a:fillRef idx="0">
+            <a:schemeClr val="accent1"/>
+          </a:fillRef>
+          <a:effectRef idx="0">
+            <a:schemeClr val="accent1"/>
+          </a:effectRef>
+          <a:fontRef idx="minor">
+            <a:schemeClr val="tx1"/>
+          </a:fontRef>
+        </p:style>
+      </p:cxnSp>
+      <p:cxnSp>
+        <p:nvCxnSpPr>
+          <p:cNvPr id="34" name="コネクタ: カギ線 33">
+            <a:extLst>
+              <a:ext uri="{FF2B5EF4-FFF2-40B4-BE49-F238E27FC236}">
+                <a16:creationId xmlns:a16="http://schemas.microsoft.com/office/drawing/2014/main" id="{317CFA27-97F5-3425-E8DA-C40AC68A5EE9}"/>
+              </a:ext>
+            </a:extLst>
+          </p:cNvPr>
+          <p:cNvCxnSpPr>
+            <a:cxnSpLocks/>
+            <a:stCxn id="29" idx="3"/>
+            <a:endCxn id="32" idx="1"/>
+          </p:cNvCxnSpPr>
+          <p:nvPr/>
+        </p:nvCxnSpPr>
+        <p:spPr>
+          <a:xfrm flipV="1">
+            <a:off x="8001947" y="814472"/>
+            <a:ext cx="903807" cy="1394905"/>
+          </a:xfrm>
+          <a:prstGeom prst="bentConnector3">
+            <a:avLst>
+              <a:gd name="adj1" fmla="val 50000"/>
+            </a:avLst>
+          </a:prstGeom>
+          <a:ln w="63500">
+            <a:solidFill>
+              <a:schemeClr val="accent4"/>
+            </a:solidFill>
+            <a:headEnd type="triangle"/>
+            <a:tailEnd type="triangle"/>
+          </a:ln>
+        </p:spPr>
+        <p:style>
+          <a:lnRef idx="1">
+            <a:schemeClr val="accent1"/>
+          </a:lnRef>
+          <a:fillRef idx="0">
+            <a:schemeClr val="accent1"/>
+          </a:fillRef>
+          <a:effectRef idx="0">
+            <a:schemeClr val="accent1"/>
+          </a:effectRef>
+          <a:fontRef idx="minor">
+            <a:schemeClr val="tx1"/>
+          </a:fontRef>
+        </p:style>
+      </p:cxnSp>
+      <p:grpSp>
+        <p:nvGrpSpPr>
+          <p:cNvPr id="54" name="グループ化 53">
+            <a:extLst>
+              <a:ext uri="{FF2B5EF4-FFF2-40B4-BE49-F238E27FC236}">
+                <a16:creationId xmlns:a16="http://schemas.microsoft.com/office/drawing/2014/main" id="{D94DC18F-3C58-FD41-39DA-56E25D912CFD}"/>
+              </a:ext>
+            </a:extLst>
+          </p:cNvPr>
+          <p:cNvGrpSpPr/>
+          <p:nvPr/>
+        </p:nvGrpSpPr>
+        <p:grpSpPr>
+          <a:xfrm>
+            <a:off x="3925404" y="2698356"/>
+            <a:ext cx="3436789" cy="1027680"/>
+            <a:chOff x="3883347" y="3729278"/>
+            <a:chExt cx="3436789" cy="1027680"/>
+          </a:xfrm>
+        </p:grpSpPr>
+        <p:sp>
+          <p:nvSpPr>
+            <p:cNvPr id="50" name="四角形: 角を丸くする 49">
+              <a:extLst>
+                <a:ext uri="{FF2B5EF4-FFF2-40B4-BE49-F238E27FC236}">
+                  <a16:creationId xmlns:a16="http://schemas.microsoft.com/office/drawing/2014/main" id="{0D75FA00-87BB-3C08-8FFD-12E8AB53345E}"/>
+                </a:ext>
+              </a:extLst>
+            </p:cNvPr>
+            <p:cNvSpPr/>
+            <p:nvPr/>
+          </p:nvSpPr>
+          <p:spPr>
+            <a:xfrm>
+              <a:off x="4462420" y="4294367"/>
+              <a:ext cx="2857716" cy="462591"/>
+            </a:xfrm>
+            <a:prstGeom prst="roundRect">
+              <a:avLst>
+                <a:gd name="adj" fmla="val 24007"/>
+              </a:avLst>
+            </a:prstGeom>
+            <a:ln>
+              <a:solidFill>
+                <a:srgbClr val="FF0000"/>
+              </a:solidFill>
+            </a:ln>
+            <a:effectLst>
+              <a:outerShdw blurRad="50800" dist="38100" dir="2700000" algn="tl" rotWithShape="0">
+                <a:prstClr val="black">
+                  <a:alpha val="40000"/>
+                </a:prstClr>
+              </a:outerShdw>
+            </a:effectLst>
+          </p:spPr>
+          <p:style>
+            <a:lnRef idx="2">
+              <a:schemeClr val="accent3"/>
+            </a:lnRef>
+            <a:fillRef idx="1">
+              <a:schemeClr val="lt1"/>
+            </a:fillRef>
+            <a:effectRef idx="0">
+              <a:schemeClr val="accent3"/>
+            </a:effectRef>
+            <a:fontRef idx="minor">
+              <a:schemeClr val="dk1"/>
+            </a:fontRef>
+          </p:style>
+          <p:txBody>
+            <a:bodyPr rtlCol="0" anchor="ctr"/>
+            <a:lstStyle/>
+            <a:p>
+              <a:pPr algn="ctr">
+                <a:lnSpc>
+                  <a:spcPct val="130000"/>
+                </a:lnSpc>
+                <a:spcAft>
+                  <a:spcPts val="600"/>
+                </a:spcAft>
+              </a:pPr>
+              <a:r>
+                <a:rPr kumimoji="1" lang="en-US" altLang="ja-JP" sz="1200" dirty="0">
+                  <a:solidFill>
+                    <a:schemeClr val="tx1"/>
+                  </a:solidFill>
+                  <a:latin typeface="+mn-ea"/>
+                </a:rPr>
+                <a:t>【</a:t>
+              </a:r>
+              <a:r>
+                <a:rPr kumimoji="1" lang="ja-JP" altLang="en-US" sz="1200">
+                  <a:solidFill>
+                    <a:schemeClr val="tx1"/>
+                  </a:solidFill>
+                  <a:latin typeface="+mn-ea"/>
+                </a:rPr>
+                <a:t>インポート・エクスポート</a:t>
+              </a:r>
+              <a:r>
+                <a:rPr kumimoji="1" lang="en-US" altLang="ja-JP" sz="1200">
+                  <a:solidFill>
+                    <a:schemeClr val="tx1"/>
+                  </a:solidFill>
+                  <a:latin typeface="+mn-ea"/>
+                </a:rPr>
+                <a:t>】</a:t>
+              </a:r>
+              <a:endParaRPr kumimoji="1" lang="en-US" altLang="ja-JP" sz="1200" dirty="0">
+                <a:solidFill>
+                  <a:schemeClr val="tx1"/>
+                </a:solidFill>
+                <a:latin typeface="+mn-ea"/>
+              </a:endParaRPr>
+            </a:p>
+          </p:txBody>
+        </p:sp>
+        <p:grpSp>
+          <p:nvGrpSpPr>
+            <p:cNvPr id="46" name="グループ化 45">
+              <a:extLst>
+                <a:ext uri="{FF2B5EF4-FFF2-40B4-BE49-F238E27FC236}">
+                  <a16:creationId xmlns:a16="http://schemas.microsoft.com/office/drawing/2014/main" id="{C165979D-F83D-0639-FE34-F868B7270904}"/>
+                </a:ext>
+              </a:extLst>
+            </p:cNvPr>
+            <p:cNvGrpSpPr/>
+            <p:nvPr/>
+          </p:nvGrpSpPr>
+          <p:grpSpPr>
+            <a:xfrm>
+              <a:off x="3883347" y="3729278"/>
+              <a:ext cx="1012956" cy="977047"/>
+              <a:chOff x="8570254" y="1638357"/>
+              <a:chExt cx="1012956" cy="977047"/>
+            </a:xfrm>
+          </p:grpSpPr>
+          <p:pic>
+            <p:nvPicPr>
+              <p:cNvPr id="47" name="図 46">
+                <a:extLst>
+                  <a:ext uri="{FF2B5EF4-FFF2-40B4-BE49-F238E27FC236}">
+                    <a16:creationId xmlns:a16="http://schemas.microsoft.com/office/drawing/2014/main" id="{268E2EB8-9392-1E1E-B484-940485869BF4}"/>
+                  </a:ext>
+                </a:extLst>
+              </p:cNvPr>
+              <p:cNvPicPr>
+                <a:picLocks noChangeAspect="1"/>
+              </p:cNvPicPr>
+              <p:nvPr/>
+            </p:nvPicPr>
+            <p:blipFill>
+              <a:blip r:embed="rId5" cstate="print">
+                <a:extLst>
+                  <a:ext uri="{28A0092B-C50C-407E-A947-70E740481C1C}">
+                    <a14:useLocalDpi xmlns:a14="http://schemas.microsoft.com/office/drawing/2010/main" val="0"/>
+                  </a:ext>
+                </a:extLst>
+              </a:blip>
+              <a:stretch>
+                <a:fillRect/>
+              </a:stretch>
+            </p:blipFill>
+            <p:spPr>
+              <a:xfrm>
+                <a:off x="8718589" y="1638357"/>
+                <a:ext cx="660048" cy="730178"/>
+              </a:xfrm>
+              <a:prstGeom prst="rect">
+                <a:avLst/>
+              </a:prstGeom>
+            </p:spPr>
+          </p:pic>
+          <p:sp>
+            <p:nvSpPr>
+              <p:cNvPr id="49" name="テキスト ボックス 48">
+                <a:extLst>
+                  <a:ext uri="{FF2B5EF4-FFF2-40B4-BE49-F238E27FC236}">
+                    <a16:creationId xmlns:a16="http://schemas.microsoft.com/office/drawing/2014/main" id="{D05D6E97-5632-CD63-25AF-F1B294A1882B}"/>
+                  </a:ext>
+                </a:extLst>
+              </p:cNvPr>
+              <p:cNvSpPr txBox="1"/>
+              <p:nvPr/>
+            </p:nvSpPr>
+            <p:spPr>
+              <a:xfrm>
+                <a:off x="8570254" y="2369183"/>
+                <a:ext cx="1012956" cy="246221"/>
+              </a:xfrm>
+              <a:prstGeom prst="rect">
+                <a:avLst/>
+              </a:prstGeom>
+              <a:noFill/>
+            </p:spPr>
+            <p:txBody>
+              <a:bodyPr wrap="square" rtlCol="0">
+                <a:spAutoFit/>
+              </a:bodyPr>
+              <a:lstStyle/>
+              <a:p>
+                <a:r>
+                  <a:rPr kumimoji="1" lang="ja-JP" altLang="en-US" sz="1000" dirty="0"/>
+                  <a:t>＠</a:t>
+                </a:r>
+                <a:r>
+                  <a:rPr kumimoji="1" lang="en-US" altLang="ja-JP" sz="1000" dirty="0"/>
+                  <a:t>2024OSGEO</a:t>
+                </a:r>
+                <a:endParaRPr kumimoji="1" lang="ja-JP" altLang="en-US" sz="1000" dirty="0"/>
+              </a:p>
+            </p:txBody>
+          </p:sp>
+        </p:grpSp>
+      </p:grpSp>
+      <p:sp>
+        <p:nvSpPr>
+          <p:cNvPr id="56" name="四角形: 角を丸くする 55">
+            <a:extLst>
+              <a:ext uri="{FF2B5EF4-FFF2-40B4-BE49-F238E27FC236}">
+                <a16:creationId xmlns:a16="http://schemas.microsoft.com/office/drawing/2014/main" id="{FFF45C2B-4927-A6AB-B995-E5A27AF8B92D}"/>
+              </a:ext>
+            </a:extLst>
+          </p:cNvPr>
+          <p:cNvSpPr/>
+          <p:nvPr/>
+        </p:nvSpPr>
+        <p:spPr>
+          <a:xfrm>
+            <a:off x="517035" y="1214679"/>
+            <a:ext cx="2726303" cy="5022713"/>
+          </a:xfrm>
+          <a:prstGeom prst="roundRect">
+            <a:avLst/>
+          </a:prstGeom>
+          <a:noFill/>
+          <a:ln w="19050">
+            <a:solidFill>
+              <a:schemeClr val="tx1"/>
+            </a:solidFill>
+          </a:ln>
+          <a:effectLst>
+            <a:outerShdw blurRad="50800" dist="38100" dir="2700000" algn="tl" rotWithShape="0">
+              <a:prstClr val="black">
+                <a:alpha val="40000"/>
+              </a:prstClr>
+            </a:outerShdw>
+          </a:effectLst>
+        </p:spPr>
+        <p:style>
+          <a:lnRef idx="2">
+            <a:schemeClr val="accent1">
+              <a:shade val="50000"/>
+            </a:schemeClr>
+          </a:lnRef>
+          <a:fillRef idx="1">
+            <a:schemeClr val="accent1"/>
+          </a:fillRef>
+          <a:effectRef idx="0">
+            <a:schemeClr val="accent1"/>
+          </a:effectRef>
+          <a:fontRef idx="minor">
+            <a:schemeClr val="lt1"/>
+          </a:fontRef>
+        </p:style>
+        <p:txBody>
+          <a:bodyPr rtlCol="0" anchor="t" anchorCtr="0"/>
+          <a:lstStyle/>
+          <a:p>
+            <a:pPr algn="ctr">
+              <a:lnSpc>
+                <a:spcPct val="130000"/>
+              </a:lnSpc>
+              <a:spcAft>
+                <a:spcPts val="600"/>
+              </a:spcAft>
+            </a:pPr>
+            <a:r>
+              <a:rPr kumimoji="1" lang="ja-JP" altLang="en-US" sz="1400" b="1" dirty="0">
+                <a:solidFill>
+                  <a:schemeClr val="tx1"/>
+                </a:solidFill>
+                <a:latin typeface="+mn-ea"/>
+              </a:rPr>
+              <a:t>位置情報付きの資料整理</a:t>
+            </a:r>
+            <a:endParaRPr kumimoji="1" lang="en-US" altLang="ja-JP" sz="1400" b="1" dirty="0">
+              <a:solidFill>
+                <a:schemeClr val="tx1"/>
+              </a:solidFill>
+              <a:latin typeface="+mn-ea"/>
+            </a:endParaRPr>
+          </a:p>
+          <a:p>
+            <a:pPr algn="ctr">
+              <a:lnSpc>
+                <a:spcPct val="130000"/>
+              </a:lnSpc>
+              <a:spcAft>
+                <a:spcPts val="600"/>
+              </a:spcAft>
+            </a:pPr>
+            <a:endParaRPr kumimoji="1" lang="ja-JP" altLang="en-US" sz="1400" b="1" dirty="0">
+              <a:solidFill>
+                <a:schemeClr val="tx1"/>
+              </a:solidFill>
+              <a:latin typeface="+mn-ea"/>
+            </a:endParaRPr>
+          </a:p>
+        </p:txBody>
+      </p:sp>
+      <p:sp>
+        <p:nvSpPr>
+          <p:cNvPr id="60" name="四角形: 角を丸くする 59">
+            <a:extLst>
+              <a:ext uri="{FF2B5EF4-FFF2-40B4-BE49-F238E27FC236}">
+                <a16:creationId xmlns:a16="http://schemas.microsoft.com/office/drawing/2014/main" id="{273DE206-74F0-B52C-11FB-2B7F029E46C5}"/>
+              </a:ext>
+            </a:extLst>
+          </p:cNvPr>
+          <p:cNvSpPr/>
+          <p:nvPr/>
+        </p:nvSpPr>
+        <p:spPr>
+          <a:xfrm>
+            <a:off x="8886728" y="1214599"/>
+            <a:ext cx="2726303" cy="4972472"/>
+          </a:xfrm>
+          <a:prstGeom prst="roundRect">
+            <a:avLst/>
+          </a:prstGeom>
+          <a:noFill/>
+          <a:ln w="19050">
+            <a:solidFill>
+              <a:schemeClr val="tx1"/>
+            </a:solidFill>
+          </a:ln>
+          <a:effectLst>
+            <a:outerShdw blurRad="50800" dist="38100" dir="2700000" algn="tl" rotWithShape="0">
+              <a:prstClr val="black">
+                <a:alpha val="40000"/>
+              </a:prstClr>
+            </a:outerShdw>
+          </a:effectLst>
+        </p:spPr>
+        <p:style>
+          <a:lnRef idx="2">
+            <a:schemeClr val="accent1">
+              <a:shade val="50000"/>
+            </a:schemeClr>
+          </a:lnRef>
+          <a:fillRef idx="1">
+            <a:schemeClr val="accent1"/>
+          </a:fillRef>
+          <a:effectRef idx="0">
+            <a:schemeClr val="accent1"/>
+          </a:effectRef>
+          <a:fontRef idx="minor">
+            <a:schemeClr val="lt1"/>
+          </a:fontRef>
+        </p:style>
+        <p:txBody>
+          <a:bodyPr rtlCol="0" anchor="t" anchorCtr="0"/>
+          <a:lstStyle/>
+          <a:p>
+            <a:pPr algn="ctr">
+              <a:lnSpc>
+                <a:spcPct val="130000"/>
+              </a:lnSpc>
+              <a:spcAft>
+                <a:spcPts val="600"/>
+              </a:spcAft>
+            </a:pPr>
+            <a:r>
+              <a:rPr kumimoji="1" lang="ja-JP" altLang="en-US" sz="1400" b="1" dirty="0">
+                <a:solidFill>
+                  <a:schemeClr val="tx1"/>
+                </a:solidFill>
+                <a:latin typeface="+mn-ea"/>
+              </a:rPr>
+              <a:t>簡易的な</a:t>
+            </a:r>
+            <a:r>
+              <a:rPr kumimoji="1" lang="en-US" altLang="ja-JP" sz="1400" b="1" dirty="0">
+                <a:solidFill>
+                  <a:schemeClr val="tx1"/>
+                </a:solidFill>
+                <a:latin typeface="+mn-ea"/>
+              </a:rPr>
+              <a:t>3D</a:t>
+            </a:r>
+            <a:r>
+              <a:rPr kumimoji="1" lang="ja-JP" altLang="en-US" sz="1400" b="1" dirty="0">
+                <a:solidFill>
+                  <a:schemeClr val="tx1"/>
+                </a:solidFill>
+                <a:latin typeface="+mn-ea"/>
+              </a:rPr>
+              <a:t>出力</a:t>
+            </a:r>
+            <a:endParaRPr kumimoji="1" lang="en-US" altLang="ja-JP" sz="1400" b="1" dirty="0">
+              <a:solidFill>
+                <a:schemeClr val="tx1"/>
+              </a:solidFill>
+              <a:latin typeface="+mn-ea"/>
+            </a:endParaRPr>
+          </a:p>
+          <a:p>
+            <a:pPr algn="ctr">
+              <a:lnSpc>
+                <a:spcPct val="130000"/>
+              </a:lnSpc>
+              <a:spcAft>
+                <a:spcPts val="600"/>
+              </a:spcAft>
+            </a:pPr>
+            <a:endParaRPr kumimoji="1" lang="en-US" altLang="ja-JP" sz="1400" b="1" dirty="0">
+              <a:solidFill>
+                <a:schemeClr val="tx1"/>
+              </a:solidFill>
+              <a:latin typeface="+mn-ea"/>
+            </a:endParaRPr>
+          </a:p>
+          <a:p>
+            <a:pPr algn="ctr">
+              <a:lnSpc>
+                <a:spcPct val="130000"/>
+              </a:lnSpc>
+              <a:spcAft>
+                <a:spcPts val="600"/>
+              </a:spcAft>
+            </a:pPr>
+            <a:endParaRPr kumimoji="1" lang="en-US" altLang="ja-JP" sz="1400" b="1" dirty="0">
+              <a:solidFill>
+                <a:schemeClr val="tx1"/>
+              </a:solidFill>
+              <a:latin typeface="+mn-ea"/>
+            </a:endParaRPr>
+          </a:p>
+          <a:p>
+            <a:pPr algn="ctr">
+              <a:lnSpc>
+                <a:spcPct val="130000"/>
+              </a:lnSpc>
+              <a:spcAft>
+                <a:spcPts val="600"/>
+              </a:spcAft>
+            </a:pPr>
+            <a:endParaRPr kumimoji="1" lang="en-US" altLang="ja-JP" sz="1400" b="1" dirty="0">
+              <a:solidFill>
+                <a:schemeClr val="tx1"/>
+              </a:solidFill>
+              <a:latin typeface="+mn-ea"/>
+            </a:endParaRPr>
+          </a:p>
+          <a:p>
+            <a:pPr algn="ctr">
+              <a:lnSpc>
+                <a:spcPct val="130000"/>
+              </a:lnSpc>
+              <a:spcAft>
+                <a:spcPts val="600"/>
+              </a:spcAft>
+            </a:pPr>
+            <a:endParaRPr kumimoji="1" lang="en-US" altLang="ja-JP" sz="1400" b="1" dirty="0">
+              <a:solidFill>
+                <a:schemeClr val="tx1"/>
+              </a:solidFill>
+              <a:latin typeface="+mn-ea"/>
+            </a:endParaRPr>
+          </a:p>
+          <a:p>
+            <a:pPr algn="ctr">
+              <a:lnSpc>
+                <a:spcPct val="130000"/>
+              </a:lnSpc>
+              <a:spcAft>
+                <a:spcPts val="600"/>
+              </a:spcAft>
+            </a:pPr>
+            <a:endParaRPr kumimoji="1" lang="en-US" altLang="ja-JP" sz="1400" b="1" dirty="0">
+              <a:solidFill>
+                <a:schemeClr val="tx1"/>
+              </a:solidFill>
+              <a:latin typeface="+mn-ea"/>
+            </a:endParaRPr>
+          </a:p>
+          <a:p>
+            <a:pPr algn="ctr">
+              <a:lnSpc>
+                <a:spcPct val="130000"/>
+              </a:lnSpc>
+              <a:spcAft>
+                <a:spcPts val="600"/>
+              </a:spcAft>
+            </a:pPr>
+            <a:endParaRPr kumimoji="1" lang="ja-JP" altLang="en-US" sz="1400" b="1" dirty="0">
+              <a:solidFill>
+                <a:schemeClr val="tx1"/>
+              </a:solidFill>
+              <a:latin typeface="+mn-ea"/>
+            </a:endParaRPr>
+          </a:p>
+        </p:txBody>
+      </p:sp>
+      <p:pic>
+        <p:nvPicPr>
+          <p:cNvPr id="3" name="図 2">
+            <a:extLst>
+              <a:ext uri="{FF2B5EF4-FFF2-40B4-BE49-F238E27FC236}">
+                <a16:creationId xmlns:a16="http://schemas.microsoft.com/office/drawing/2014/main" id="{EFAEF629-D231-1FE7-7E95-0F46B34EA115}"/>
+              </a:ext>
+            </a:extLst>
+          </p:cNvPr>
+          <p:cNvPicPr>
+            <a:picLocks noChangeAspect="1"/>
+          </p:cNvPicPr>
+          <p:nvPr/>
+        </p:nvPicPr>
+        <p:blipFill>
+          <a:blip r:embed="rId6"/>
+          <a:srcRect b="50033"/>
+          <a:stretch/>
+        </p:blipFill>
+        <p:spPr>
+          <a:xfrm>
+            <a:off x="3558854" y="3878721"/>
+            <a:ext cx="2534004" cy="2475195"/>
+          </a:xfrm>
+          <a:prstGeom prst="rect">
+            <a:avLst/>
+          </a:prstGeom>
+        </p:spPr>
+      </p:pic>
+      <p:pic>
+        <p:nvPicPr>
+          <p:cNvPr id="4" name="図 3">
+            <a:extLst>
+              <a:ext uri="{FF2B5EF4-FFF2-40B4-BE49-F238E27FC236}">
+                <a16:creationId xmlns:a16="http://schemas.microsoft.com/office/drawing/2014/main" id="{86F0E2E6-4A88-08C4-69A6-56FFD1A6D31D}"/>
+              </a:ext>
+            </a:extLst>
+          </p:cNvPr>
+          <p:cNvPicPr>
+            <a:picLocks noChangeAspect="1"/>
+          </p:cNvPicPr>
+          <p:nvPr/>
+        </p:nvPicPr>
+        <p:blipFill>
+          <a:blip r:embed="rId6"/>
+          <a:srcRect t="50033"/>
+          <a:stretch/>
+        </p:blipFill>
+        <p:spPr>
+          <a:xfrm>
+            <a:off x="6095191" y="3878721"/>
+            <a:ext cx="2534004" cy="2475195"/>
+          </a:xfrm>
+          <a:prstGeom prst="rect">
+            <a:avLst/>
+          </a:prstGeom>
+        </p:spPr>
+      </p:pic>
+    </p:spTree>
+    <p:extLst>
+      <p:ext uri="{BB962C8B-B14F-4D97-AF65-F5344CB8AC3E}">
+        <p14:creationId xmlns:p14="http://schemas.microsoft.com/office/powerpoint/2010/main" val="3735000761"/>
+      </p:ext>
+    </p:extLst>
+  </p:cSld>
+  <p:clrMapOvr>
+    <a:masterClrMapping/>
+  </p:clrMapOvr>
+  <mc:AlternateContent xmlns:mc="http://schemas.openxmlformats.org/markup-compatibility/2006" xmlns:p14="http://schemas.microsoft.com/office/powerpoint/2010/main">
+    <mc:Choice Requires="p14">
+      <p:transition spd="slow" p14:dur="15000"/>
+    </mc:Choice>
+    <mc:Fallback xmlns="">
+      <p:transition spd="slow"/>
+    </mc:Fallback>
+  </mc:AlternateContent>
+</p:sld>
+</file>
+
+<file path=ppt/slides/slide4.xml><?xml version="1.0" encoding="utf-8"?>
 <p:sld xmlns:a="http://schemas.openxmlformats.org/drawingml/2006/main" xmlns:r="http://schemas.openxmlformats.org/officeDocument/2006/relationships" xmlns:p="http://schemas.openxmlformats.org/presentationml/2006/main">
   <p:cSld>
     <p:spTree>
@@ -14624,7 +17475,7 @@
     </p:spTree>
     <p:extLst>
       <p:ext uri="{BB962C8B-B14F-4D97-AF65-F5344CB8AC3E}">
-        <p14:creationId xmlns:p14="http://schemas.microsoft.com/office/powerpoint/2010/main" val="3735000761"/>
+        <p14:creationId xmlns:p14="http://schemas.microsoft.com/office/powerpoint/2010/main" val="3077136690"/>
       </p:ext>
     </p:extLst>
   </p:cSld>

--- a/パワーポイント/QGISのソリューション.pptx
+++ b/パワーポイント/QGISのソリューション.pptx
@@ -217,7 +217,7 @@
           <a:p>
             <a:fld id="{CA49738D-D75D-40B1-BF46-FC9ACBB15E75}" type="datetimeFigureOut">
               <a:rPr kumimoji="1" lang="ja-JP" altLang="en-US" smtClean="0"/>
-              <a:t>2024/9/5</a:t>
+              <a:t>2024/9/7</a:t>
             </a:fld>
             <a:endParaRPr kumimoji="1" lang="ja-JP" altLang="en-US"/>
           </a:p>
@@ -1627,7 +1627,7 @@
             <a:fld id="{B61BEF0D-F0BB-DE4B-95CE-6DB70DBA9567}" type="datetimeFigureOut">
               <a:rPr lang="en-US" smtClean="0"/>
               <a:pPr/>
-              <a:t>9/5/2024</a:t>
+              <a:t>9/7/2024</a:t>
             </a:fld>
             <a:endParaRPr lang="en-US" dirty="0"/>
           </a:p>
@@ -1891,7 +1891,7 @@
             <a:fld id="{B61BEF0D-F0BB-DE4B-95CE-6DB70DBA9567}" type="datetimeFigureOut">
               <a:rPr lang="en-US" smtClean="0"/>
               <a:pPr/>
-              <a:t>9/5/2024</a:t>
+              <a:t>9/7/2024</a:t>
             </a:fld>
             <a:endParaRPr lang="en-US" dirty="0"/>
           </a:p>
@@ -2218,7 +2218,7 @@
             <a:fld id="{B61BEF0D-F0BB-DE4B-95CE-6DB70DBA9567}" type="datetimeFigureOut">
               <a:rPr lang="en-US" smtClean="0"/>
               <a:pPr/>
-              <a:t>9/5/2024</a:t>
+              <a:t>9/7/2024</a:t>
             </a:fld>
             <a:endParaRPr lang="en-US" dirty="0"/>
           </a:p>
@@ -2564,7 +2564,7 @@
             <a:fld id="{B61BEF0D-F0BB-DE4B-95CE-6DB70DBA9567}" type="datetimeFigureOut">
               <a:rPr lang="en-US" smtClean="0"/>
               <a:pPr/>
-              <a:t>9/5/2024</a:t>
+              <a:t>9/7/2024</a:t>
             </a:fld>
             <a:endParaRPr lang="en-US" dirty="0"/>
           </a:p>
@@ -2891,7 +2891,7 @@
             <a:fld id="{B61BEF0D-F0BB-DE4B-95CE-6DB70DBA9567}" type="datetimeFigureOut">
               <a:rPr lang="en-US" smtClean="0"/>
               <a:pPr/>
-              <a:t>9/5/2024</a:t>
+              <a:t>9/7/2024</a:t>
             </a:fld>
             <a:endParaRPr lang="en-US" dirty="0"/>
           </a:p>
@@ -3297,7 +3297,7 @@
             <a:fld id="{B61BEF0D-F0BB-DE4B-95CE-6DB70DBA9567}" type="datetimeFigureOut">
               <a:rPr lang="en-US" smtClean="0"/>
               <a:pPr/>
-              <a:t>9/5/2024</a:t>
+              <a:t>9/7/2024</a:t>
             </a:fld>
             <a:endParaRPr lang="en-US" dirty="0"/>
           </a:p>
@@ -3511,7 +3511,7 @@
           <a:p>
             <a:fld id="{55C6B4A9-1611-4792-9094-5F34BCA07E0B}" type="datetimeFigureOut">
               <a:rPr lang="en-US" smtClean="0"/>
-              <a:t>9/5/2024</a:t>
+              <a:t>9/7/2024</a:t>
             </a:fld>
             <a:endParaRPr lang="en-US" dirty="0"/>
           </a:p>
@@ -3736,7 +3736,7 @@
             <a:fld id="{B61BEF0D-F0BB-DE4B-95CE-6DB70DBA9567}" type="datetimeFigureOut">
               <a:rPr lang="en-US" smtClean="0"/>
               <a:pPr/>
-              <a:t>9/5/2024</a:t>
+              <a:t>9/7/2024</a:t>
             </a:fld>
             <a:endParaRPr lang="en-US" dirty="0"/>
           </a:p>
@@ -5594,7 +5594,7 @@
             <a:fld id="{B61BEF0D-F0BB-DE4B-95CE-6DB70DBA9567}" type="datetimeFigureOut">
               <a:rPr lang="en-US" smtClean="0"/>
               <a:pPr/>
-              <a:t>9/5/2024</a:t>
+              <a:t>9/7/2024</a:t>
             </a:fld>
             <a:endParaRPr lang="en-US" dirty="0"/>
           </a:p>
@@ -7085,7 +7085,7 @@
             <a:fld id="{B61BEF0D-F0BB-DE4B-95CE-6DB70DBA9567}" type="datetimeFigureOut">
               <a:rPr lang="en-US" smtClean="0"/>
               <a:pPr/>
-              <a:t>9/5/2024</a:t>
+              <a:t>9/7/2024</a:t>
             </a:fld>
             <a:endParaRPr lang="en-US" dirty="0"/>
           </a:p>
@@ -7393,7 +7393,7 @@
           <a:p>
             <a:fld id="{EB712588-04B1-427B-82EE-E8DB90309F08}" type="datetimeFigureOut">
               <a:rPr lang="en-US" smtClean="0"/>
-              <a:t>9/5/2024</a:t>
+              <a:t>9/7/2024</a:t>
             </a:fld>
             <a:endParaRPr lang="en-US" dirty="0"/>
           </a:p>
@@ -7844,7 +7844,7 @@
             <a:fld id="{B61BEF0D-F0BB-DE4B-95CE-6DB70DBA9567}" type="datetimeFigureOut">
               <a:rPr lang="en-US" smtClean="0"/>
               <a:pPr/>
-              <a:t>9/5/2024</a:t>
+              <a:t>9/7/2024</a:t>
             </a:fld>
             <a:endParaRPr lang="en-US" dirty="0"/>
           </a:p>
@@ -7980,7 +7980,7 @@
             <a:fld id="{B61BEF0D-F0BB-DE4B-95CE-6DB70DBA9567}" type="datetimeFigureOut">
               <a:rPr lang="en-US" smtClean="0"/>
               <a:pPr/>
-              <a:t>9/5/2024</a:t>
+              <a:t>9/7/2024</a:t>
             </a:fld>
             <a:endParaRPr lang="en-US" dirty="0"/>
           </a:p>
@@ -8088,7 +8088,7 @@
             <a:fld id="{B61BEF0D-F0BB-DE4B-95CE-6DB70DBA9567}" type="datetimeFigureOut">
               <a:rPr lang="en-US" smtClean="0"/>
               <a:pPr/>
-              <a:t>9/5/2024</a:t>
+              <a:t>9/7/2024</a:t>
             </a:fld>
             <a:endParaRPr lang="en-US" dirty="0"/>
           </a:p>
@@ -8387,7 +8387,7 @@
           <a:p>
             <a:fld id="{42A54C80-263E-416B-A8E0-580EDEADCBDC}" type="datetimeFigureOut">
               <a:rPr lang="en-US" smtClean="0"/>
-              <a:t>9/5/2024</a:t>
+              <a:t>9/7/2024</a:t>
             </a:fld>
             <a:endParaRPr lang="en-US" dirty="0"/>
           </a:p>
@@ -8709,7 +8709,7 @@
             <a:fld id="{B61BEF0D-F0BB-DE4B-95CE-6DB70DBA9567}" type="datetimeFigureOut">
               <a:rPr lang="en-US" smtClean="0"/>
               <a:pPr/>
-              <a:t>9/5/2024</a:t>
+              <a:t>9/7/2024</a:t>
             </a:fld>
             <a:endParaRPr lang="en-US" dirty="0"/>
           </a:p>
@@ -9452,7 +9452,7 @@
             <a:fld id="{B61BEF0D-F0BB-DE4B-95CE-6DB70DBA9567}" type="datetimeFigureOut">
               <a:rPr lang="en-US" smtClean="0"/>
               <a:pPr/>
-              <a:t>9/5/2024</a:t>
+              <a:t>9/7/2024</a:t>
             </a:fld>
             <a:endParaRPr lang="en-US" dirty="0"/>
           </a:p>
@@ -13425,6 +13425,120 @@
                 <a:latin typeface="+mn-ea"/>
               </a:rPr>
               <a:t>フィールドワーク</a:t>
+            </a:r>
+            <a:endParaRPr kumimoji="1" lang="ja-JP" altLang="en-US" sz="1200" dirty="0">
+              <a:solidFill>
+                <a:schemeClr val="tx1"/>
+              </a:solidFill>
+              <a:latin typeface="+mn-ea"/>
+            </a:endParaRPr>
+          </a:p>
+        </p:txBody>
+      </p:sp>
+      <p:sp>
+        <p:nvSpPr>
+          <p:cNvPr id="12" name="四角形: 角を丸くする 11">
+            <a:extLst>
+              <a:ext uri="{FF2B5EF4-FFF2-40B4-BE49-F238E27FC236}">
+                <a16:creationId xmlns:a16="http://schemas.microsoft.com/office/drawing/2014/main" id="{ADCDFACE-81C3-19ED-69F5-71BC1CE21C23}"/>
+              </a:ext>
+            </a:extLst>
+          </p:cNvPr>
+          <p:cNvSpPr/>
+          <p:nvPr/>
+        </p:nvSpPr>
+        <p:spPr>
+          <a:xfrm>
+            <a:off x="7594420" y="3004100"/>
+            <a:ext cx="1567490" cy="642299"/>
+          </a:xfrm>
+          <a:prstGeom prst="roundRect">
+            <a:avLst>
+              <a:gd name="adj" fmla="val 24007"/>
+            </a:avLst>
+          </a:prstGeom>
+          <a:ln>
+            <a:solidFill>
+              <a:srgbClr val="FF0000"/>
+            </a:solidFill>
+          </a:ln>
+          <a:effectLst>
+            <a:outerShdw blurRad="50800" dist="38100" dir="2700000" algn="tl" rotWithShape="0">
+              <a:prstClr val="black">
+                <a:alpha val="40000"/>
+              </a:prstClr>
+            </a:outerShdw>
+          </a:effectLst>
+        </p:spPr>
+        <p:style>
+          <a:lnRef idx="2">
+            <a:schemeClr val="accent3"/>
+          </a:lnRef>
+          <a:fillRef idx="1">
+            <a:schemeClr val="lt1"/>
+          </a:fillRef>
+          <a:effectRef idx="0">
+            <a:schemeClr val="accent3"/>
+          </a:effectRef>
+          <a:fontRef idx="minor">
+            <a:schemeClr val="dk1"/>
+          </a:fontRef>
+        </p:style>
+        <p:txBody>
+          <a:bodyPr rtlCol="0" anchor="ctr"/>
+          <a:lstStyle/>
+          <a:p>
+            <a:pPr algn="ctr">
+              <a:lnSpc>
+                <a:spcPct val="130000"/>
+              </a:lnSpc>
+              <a:spcAft>
+                <a:spcPts val="600"/>
+              </a:spcAft>
+            </a:pPr>
+            <a:r>
+              <a:rPr kumimoji="1" lang="ja-JP" altLang="en-US" sz="1200" dirty="0">
+                <a:solidFill>
+                  <a:schemeClr val="tx1"/>
+                </a:solidFill>
+                <a:latin typeface="+mn-ea"/>
+              </a:rPr>
+              <a:t>点群データ</a:t>
+            </a:r>
+            <a:br>
+              <a:rPr kumimoji="1" lang="en-US" altLang="ja-JP" sz="1200" dirty="0">
+                <a:solidFill>
+                  <a:schemeClr val="tx1"/>
+                </a:solidFill>
+                <a:latin typeface="+mn-ea"/>
+              </a:rPr>
+            </a:br>
+            <a:r>
+              <a:rPr kumimoji="1" lang="en-US" altLang="ja-JP" sz="1200" dirty="0" err="1">
+                <a:solidFill>
+                  <a:schemeClr val="tx1"/>
+                </a:solidFill>
+                <a:latin typeface="+mn-ea"/>
+              </a:rPr>
+              <a:t>glTF</a:t>
+            </a:r>
+            <a:r>
+              <a:rPr kumimoji="1" lang="ja-JP" altLang="en-US" sz="1200" dirty="0">
+                <a:solidFill>
+                  <a:schemeClr val="tx1"/>
+                </a:solidFill>
+                <a:latin typeface="+mn-ea"/>
+              </a:rPr>
+              <a:t>・</a:t>
+            </a:r>
+            <a:r>
+              <a:rPr kumimoji="1" lang="en-US" altLang="ja-JP" sz="1200" dirty="0">
+                <a:solidFill>
+                  <a:schemeClr val="tx1"/>
+                </a:solidFill>
+                <a:latin typeface="+mn-ea"/>
+              </a:rPr>
+              <a:t>AR</a:t>
             </a:r>
             <a:endParaRPr kumimoji="1" lang="ja-JP" altLang="en-US" sz="1200" dirty="0">
               <a:solidFill>
